--- a/python/20140901.python-wxpython-seminar.pptx
+++ b/python/20140901.python-wxpython-seminar.pptx
@@ -5,10 +5,10 @@
     <p:sldMasterId id="2147484056" r:id="rId1"/>
   </p:sldMasterIdLst>
   <p:notesMasterIdLst>
-    <p:notesMasterId r:id="rId25"/>
+    <p:notesMasterId r:id="rId26"/>
   </p:notesMasterIdLst>
   <p:handoutMasterIdLst>
-    <p:handoutMasterId r:id="rId26"/>
+    <p:handoutMasterId r:id="rId27"/>
   </p:handoutMasterIdLst>
   <p:sldIdLst>
     <p:sldId id="328" r:id="rId2"/>
@@ -33,7 +33,8 @@
     <p:sldId id="349" r:id="rId21"/>
     <p:sldId id="350" r:id="rId22"/>
     <p:sldId id="351" r:id="rId23"/>
-    <p:sldId id="331" r:id="rId24"/>
+    <p:sldId id="352" r:id="rId24"/>
+    <p:sldId id="331" r:id="rId25"/>
   </p:sldIdLst>
   <p:sldSz cx="9144000" cy="6858000" type="screen4x3"/>
   <p:notesSz cx="6735763" cy="9866313"/>
@@ -253,7 +254,7 @@
             <a:fld id="{F5728EAC-602E-4E66-9F21-00F34D3478F9}" type="datetimeFigureOut">
               <a:rPr lang="ko-KR" altLang="en-US" smtClean="0"/>
               <a:pPr/>
-              <a:t>2014-09-03</a:t>
+              <a:t>2014-09-04</a:t>
             </a:fld>
             <a:endParaRPr lang="ko-KR" altLang="en-US"/>
           </a:p>
@@ -441,7 +442,7 @@
               <a:pPr>
                 <a:defRPr/>
               </a:pPr>
-              <a:t>2014-09-03</a:t>
+              <a:t>2014-09-04</a:t>
             </a:fld>
             <a:endParaRPr lang="ko-KR" altLang="en-US"/>
           </a:p>
@@ -639,7 +640,7 @@
     </p:spTree>
     <p:extLst>
       <p:ext uri="{BB962C8B-B14F-4D97-AF65-F5344CB8AC3E}">
-        <p14:creationId xmlns="" xmlns:p14="http://schemas.microsoft.com/office/powerpoint/2010/main" val="3168244481"/>
+        <p14:creationId xmlns:p14="http://schemas.microsoft.com/office/powerpoint/2010/main" xmlns="" val="3168244481"/>
       </p:ext>
     </p:extLst>
   </p:cSld>
@@ -2924,7 +2925,7 @@
               <a:pPr>
                 <a:defRPr/>
               </a:pPr>
-              <a:t>2014-09-03</a:t>
+              <a:t>2014-09-04</a:t>
             </a:fld>
             <a:endParaRPr lang="ko-KR" altLang="en-US"/>
           </a:p>
@@ -3189,7 +3190,7 @@
               <a:pPr>
                 <a:defRPr/>
               </a:pPr>
-              <a:t>2014-09-03</a:t>
+              <a:t>2014-09-04</a:t>
             </a:fld>
             <a:endParaRPr lang="ko-KR" altLang="en-US"/>
           </a:p>
@@ -6588,7 +6589,7 @@
               <a:pPr>
                 <a:defRPr/>
               </a:pPr>
-              <a:t>2014-09-03</a:t>
+              <a:t>2014-09-04</a:t>
             </a:fld>
             <a:endParaRPr lang="ko-KR" altLang="en-US"/>
           </a:p>
@@ -6882,7 +6883,7 @@
               <a:pPr>
                 <a:defRPr/>
               </a:pPr>
-              <a:t>2014-09-03</a:t>
+              <a:t>2014-09-04</a:t>
             </a:fld>
             <a:endParaRPr lang="ko-KR" altLang="en-US"/>
           </a:p>
@@ -11996,19 +11997,8 @@
                           <a:latin typeface="Courier New" pitchFamily="49" charset="0"/>
                           <a:cs typeface="Courier New" pitchFamily="49" charset="0"/>
                         </a:rPr>
-                        <a:t>&gt;&gt;&gt; </a:t>
-                      </a:r>
-                      <a:r>
-                        <a:rPr lang="en-US" altLang="ko-KR" sz="1600" dirty="0" smtClean="0">
-                          <a:latin typeface="Courier New" pitchFamily="49" charset="0"/>
-                          <a:cs typeface="Courier New" pitchFamily="49" charset="0"/>
-                        </a:rPr>
-                        <a:t>def times(x, y):</a:t>
-                      </a:r>
-                      <a:endParaRPr lang="en-US" altLang="ko-KR" sz="1600" dirty="0" smtClean="0">
-                        <a:latin typeface="Courier New" pitchFamily="49" charset="0"/>
-                        <a:cs typeface="Courier New" pitchFamily="49" charset="0"/>
-                      </a:endParaRPr>
+                        <a:t>&gt;&gt;&gt; def times(x, y):</a:t>
+                      </a:r>
                     </a:p>
                     <a:p>
                       <a:pPr latinLnBrk="1"/>
@@ -12017,19 +12007,8 @@
                           <a:latin typeface="Courier New" pitchFamily="49" charset="0"/>
                           <a:cs typeface="Courier New" pitchFamily="49" charset="0"/>
                         </a:rPr>
-                        <a:t>...    </a:t>
-                      </a:r>
-                      <a:r>
-                        <a:rPr lang="en-US" altLang="ko-KR" sz="1600" dirty="0" smtClean="0">
-                          <a:latin typeface="Courier New" pitchFamily="49" charset="0"/>
-                          <a:cs typeface="Courier New" pitchFamily="49" charset="0"/>
-                        </a:rPr>
-                        <a:t>return x*y</a:t>
-                      </a:r>
-                      <a:endParaRPr lang="en-US" altLang="ko-KR" sz="1600" dirty="0" smtClean="0">
-                        <a:latin typeface="Courier New" pitchFamily="49" charset="0"/>
-                        <a:cs typeface="Courier New" pitchFamily="49" charset="0"/>
-                      </a:endParaRPr>
+                        <a:t>...    return x*y</a:t>
+                      </a:r>
                     </a:p>
                     <a:p>
                       <a:pPr latinLnBrk="1"/>
@@ -12073,16 +12052,6 @@
                         </a:rPr>
                         <a:t>8</a:t>
                       </a:r>
-                      <a:endParaRPr lang="en-US" altLang="ko-KR" sz="1600" dirty="0" smtClean="0">
-                        <a:solidFill>
-                          <a:schemeClr val="tx2">
-                            <a:lumMod val="50000"/>
-                            <a:lumOff val="50000"/>
-                          </a:schemeClr>
-                        </a:solidFill>
-                        <a:latin typeface="Courier New" pitchFamily="49" charset="0"/>
-                        <a:cs typeface="Courier New" pitchFamily="49" charset="0"/>
-                      </a:endParaRPr>
                     </a:p>
                   </a:txBody>
                   <a:tcPr/>
@@ -12302,8 +12271,10 @@
                 <a:latin typeface="Courier New" pitchFamily="49" charset="0"/>
                 <a:cs typeface="Courier New" pitchFamily="49" charset="0"/>
               </a:rPr>
-              <a:t>&gt;&gt;&gt; def </a:t>
-            </a:r>
+              <a:t>&gt;&gt;&gt; def countdown(n):</a:t>
+            </a:r>
+          </a:p>
+          <a:p>
             <a:r>
               <a:rPr lang="en-US" altLang="ko-KR" sz="1200" dirty="0" smtClean="0">
                 <a:solidFill>
@@ -12315,7 +12286,7 @@
                 <a:latin typeface="Courier New" pitchFamily="49" charset="0"/>
                 <a:cs typeface="Courier New" pitchFamily="49" charset="0"/>
               </a:rPr>
-              <a:t>countdown(n):</a:t>
+              <a:t>...     print "Counting down!"</a:t>
             </a:r>
           </a:p>
           <a:p>
@@ -12330,8 +12301,10 @@
                 <a:latin typeface="Courier New" pitchFamily="49" charset="0"/>
                 <a:cs typeface="Courier New" pitchFamily="49" charset="0"/>
               </a:rPr>
-              <a:t>...     </a:t>
-            </a:r>
+              <a:t>...     while n&gt;0:</a:t>
+            </a:r>
+          </a:p>
+          <a:p>
             <a:r>
               <a:rPr lang="en-US" altLang="ko-KR" sz="1200" dirty="0" smtClean="0">
                 <a:solidFill>
@@ -12343,7 +12316,7 @@
                 <a:latin typeface="Courier New" pitchFamily="49" charset="0"/>
                 <a:cs typeface="Courier New" pitchFamily="49" charset="0"/>
               </a:rPr>
-              <a:t>print "Counting down!"</a:t>
+              <a:t>...         yield n</a:t>
             </a:r>
           </a:p>
           <a:p>
@@ -12358,8 +12331,10 @@
                 <a:latin typeface="Courier New" pitchFamily="49" charset="0"/>
                 <a:cs typeface="Courier New" pitchFamily="49" charset="0"/>
               </a:rPr>
-              <a:t>...     </a:t>
-            </a:r>
+              <a:t>...         n -= 1</a:t>
+            </a:r>
+          </a:p>
+          <a:p>
             <a:r>
               <a:rPr lang="en-US" altLang="ko-KR" sz="1200" dirty="0" smtClean="0">
                 <a:solidFill>
@@ -12371,7 +12346,7 @@
                 <a:latin typeface="Courier New" pitchFamily="49" charset="0"/>
                 <a:cs typeface="Courier New" pitchFamily="49" charset="0"/>
               </a:rPr>
-              <a:t>while n&gt;0:</a:t>
+              <a:t>...</a:t>
             </a:r>
           </a:p>
           <a:p>
@@ -12386,8 +12361,10 @@
                 <a:latin typeface="Courier New" pitchFamily="49" charset="0"/>
                 <a:cs typeface="Courier New" pitchFamily="49" charset="0"/>
               </a:rPr>
-              <a:t>...         </a:t>
-            </a:r>
+              <a:t>&gt;&gt;&gt; c = countdown(5)</a:t>
+            </a:r>
+          </a:p>
+          <a:p>
             <a:r>
               <a:rPr lang="en-US" altLang="ko-KR" sz="1200" dirty="0" smtClean="0">
                 <a:solidFill>
@@ -12399,12 +12376,10 @@
                 <a:latin typeface="Courier New" pitchFamily="49" charset="0"/>
                 <a:cs typeface="Courier New" pitchFamily="49" charset="0"/>
               </a:rPr>
-              <a:t>yield n</a:t>
-            </a:r>
-          </a:p>
-          <a:p>
-            <a:r>
-              <a:rPr lang="en-US" altLang="ko-KR" sz="1200" dirty="0" smtClean="0">
+              <a:t>&gt;&gt;&gt; </a:t>
+            </a:r>
+            <a:r>
+              <a:rPr lang="en-US" altLang="ko-KR" sz="1200" dirty="0" err="1" smtClean="0">
                 <a:solidFill>
                   <a:schemeClr val="tx1">
                     <a:lumMod val="75000"/>
@@ -12414,7 +12389,7 @@
                 <a:latin typeface="Courier New" pitchFamily="49" charset="0"/>
                 <a:cs typeface="Courier New" pitchFamily="49" charset="0"/>
               </a:rPr>
-              <a:t>...         </a:t>
+              <a:t>c.next</a:t>
             </a:r>
             <a:r>
               <a:rPr lang="en-US" altLang="ko-KR" sz="1200" dirty="0" smtClean="0">
@@ -12427,8 +12402,40 @@
                 <a:latin typeface="Courier New" pitchFamily="49" charset="0"/>
                 <a:cs typeface="Courier New" pitchFamily="49" charset="0"/>
               </a:rPr>
-              <a:t>n -= </a:t>
-            </a:r>
+              <a:t>()</a:t>
+            </a:r>
+          </a:p>
+          <a:p>
+            <a:r>
+              <a:rPr lang="en-US" altLang="ko-KR" sz="1200" dirty="0" smtClean="0">
+                <a:solidFill>
+                  <a:schemeClr val="tx2">
+                    <a:lumMod val="50000"/>
+                    <a:lumOff val="50000"/>
+                  </a:schemeClr>
+                </a:solidFill>
+                <a:latin typeface="Courier New" pitchFamily="49" charset="0"/>
+                <a:cs typeface="Courier New" pitchFamily="49" charset="0"/>
+              </a:rPr>
+              <a:t>Counting down!</a:t>
+            </a:r>
+          </a:p>
+          <a:p>
+            <a:r>
+              <a:rPr lang="en-US" altLang="ko-KR" sz="1200" dirty="0" smtClean="0">
+                <a:solidFill>
+                  <a:schemeClr val="tx2">
+                    <a:lumMod val="50000"/>
+                    <a:lumOff val="50000"/>
+                  </a:schemeClr>
+                </a:solidFill>
+                <a:latin typeface="Courier New" pitchFamily="49" charset="0"/>
+                <a:cs typeface="Courier New" pitchFamily="49" charset="0"/>
+              </a:rPr>
+              <a:t>5</a:t>
+            </a:r>
+          </a:p>
+          <a:p>
             <a:r>
               <a:rPr lang="en-US" altLang="ko-KR" sz="1200" dirty="0" smtClean="0">
                 <a:solidFill>
@@ -12440,12 +12447,10 @@
                 <a:latin typeface="Courier New" pitchFamily="49" charset="0"/>
                 <a:cs typeface="Courier New" pitchFamily="49" charset="0"/>
               </a:rPr>
-              <a:t>1</a:t>
-            </a:r>
-          </a:p>
-          <a:p>
-            <a:r>
-              <a:rPr lang="en-US" altLang="ko-KR" sz="1200" dirty="0" smtClean="0">
+              <a:t>&gt;&gt;&gt; </a:t>
+            </a:r>
+            <a:r>
+              <a:rPr lang="en-US" altLang="ko-KR" sz="1200" dirty="0" err="1" smtClean="0">
                 <a:solidFill>
                   <a:schemeClr val="tx1">
                     <a:lumMod val="75000"/>
@@ -12455,20 +12460,8 @@
                 <a:latin typeface="Courier New" pitchFamily="49" charset="0"/>
                 <a:cs typeface="Courier New" pitchFamily="49" charset="0"/>
               </a:rPr>
-              <a:t>...</a:t>
-            </a:r>
-            <a:endParaRPr lang="en-US" altLang="ko-KR" sz="1200" dirty="0" smtClean="0">
-              <a:solidFill>
-                <a:schemeClr val="tx1">
-                  <a:lumMod val="75000"/>
-                  <a:lumOff val="25000"/>
-                </a:schemeClr>
-              </a:solidFill>
-              <a:latin typeface="Courier New" pitchFamily="49" charset="0"/>
-              <a:cs typeface="Courier New" pitchFamily="49" charset="0"/>
-            </a:endParaRPr>
-          </a:p>
-          <a:p>
+              <a:t>c.next</a:t>
+            </a:r>
             <a:r>
               <a:rPr lang="en-US" altLang="ko-KR" sz="1200" dirty="0" smtClean="0">
                 <a:solidFill>
@@ -12480,8 +12473,25 @@
                 <a:latin typeface="Courier New" pitchFamily="49" charset="0"/>
                 <a:cs typeface="Courier New" pitchFamily="49" charset="0"/>
               </a:rPr>
-              <a:t>&gt;&gt;&gt; c </a:t>
-            </a:r>
+              <a:t>()</a:t>
+            </a:r>
+          </a:p>
+          <a:p>
+            <a:r>
+              <a:rPr lang="en-US" altLang="ko-KR" sz="1200" dirty="0" smtClean="0">
+                <a:solidFill>
+                  <a:schemeClr val="tx2">
+                    <a:lumMod val="50000"/>
+                    <a:lumOff val="50000"/>
+                  </a:schemeClr>
+                </a:solidFill>
+                <a:latin typeface="Courier New" pitchFamily="49" charset="0"/>
+                <a:cs typeface="Courier New" pitchFamily="49" charset="0"/>
+              </a:rPr>
+              <a:t>4</a:t>
+            </a:r>
+          </a:p>
+          <a:p>
             <a:r>
               <a:rPr lang="en-US" altLang="ko-KR" sz="1200" dirty="0" smtClean="0">
                 <a:solidFill>
@@ -12493,12 +12503,10 @@
                 <a:latin typeface="Courier New" pitchFamily="49" charset="0"/>
                 <a:cs typeface="Courier New" pitchFamily="49" charset="0"/>
               </a:rPr>
-              <a:t>= countdown(5)</a:t>
-            </a:r>
-          </a:p>
-          <a:p>
-            <a:r>
-              <a:rPr lang="en-US" altLang="ko-KR" sz="1200" dirty="0" smtClean="0">
+              <a:t>&gt;&gt;&gt; </a:t>
+            </a:r>
+            <a:r>
+              <a:rPr lang="en-US" altLang="ko-KR" sz="1200" dirty="0" err="1" smtClean="0">
                 <a:solidFill>
                   <a:schemeClr val="tx1">
                     <a:lumMod val="75000"/>
@@ -12508,10 +12516,10 @@
                 <a:latin typeface="Courier New" pitchFamily="49" charset="0"/>
                 <a:cs typeface="Courier New" pitchFamily="49" charset="0"/>
               </a:rPr>
-              <a:t>&gt;&gt;&gt; </a:t>
-            </a:r>
-            <a:r>
-              <a:rPr lang="en-US" altLang="ko-KR" sz="1200" dirty="0" err="1" smtClean="0">
+              <a:t>c.next</a:t>
+            </a:r>
+            <a:r>
+              <a:rPr lang="en-US" altLang="ko-KR" sz="1200" dirty="0" smtClean="0">
                 <a:solidFill>
                   <a:schemeClr val="tx1">
                     <a:lumMod val="75000"/>
@@ -12521,8 +12529,25 @@
                 <a:latin typeface="Courier New" pitchFamily="49" charset="0"/>
                 <a:cs typeface="Courier New" pitchFamily="49" charset="0"/>
               </a:rPr>
-              <a:t>c.next</a:t>
-            </a:r>
+              <a:t>()</a:t>
+            </a:r>
+          </a:p>
+          <a:p>
+            <a:r>
+              <a:rPr lang="en-US" altLang="ko-KR" sz="1200" dirty="0" smtClean="0">
+                <a:solidFill>
+                  <a:schemeClr val="tx2">
+                    <a:lumMod val="50000"/>
+                    <a:lumOff val="50000"/>
+                  </a:schemeClr>
+                </a:solidFill>
+                <a:latin typeface="Courier New" pitchFamily="49" charset="0"/>
+                <a:cs typeface="Courier New" pitchFamily="49" charset="0"/>
+              </a:rPr>
+              <a:t>3</a:t>
+            </a:r>
+          </a:p>
+          <a:p>
             <a:r>
               <a:rPr lang="en-US" altLang="ko-KR" sz="1200" dirty="0" smtClean="0">
                 <a:solidFill>
@@ -12534,6 +12559,32 @@
                 <a:latin typeface="Courier New" pitchFamily="49" charset="0"/>
                 <a:cs typeface="Courier New" pitchFamily="49" charset="0"/>
               </a:rPr>
+              <a:t>&gt;&gt;&gt; </a:t>
+            </a:r>
+            <a:r>
+              <a:rPr lang="en-US" altLang="ko-KR" sz="1200" dirty="0" err="1" smtClean="0">
+                <a:solidFill>
+                  <a:schemeClr val="tx1">
+                    <a:lumMod val="75000"/>
+                    <a:lumOff val="25000"/>
+                  </a:schemeClr>
+                </a:solidFill>
+                <a:latin typeface="Courier New" pitchFamily="49" charset="0"/>
+                <a:cs typeface="Courier New" pitchFamily="49" charset="0"/>
+              </a:rPr>
+              <a:t>c.next</a:t>
+            </a:r>
+            <a:r>
+              <a:rPr lang="en-US" altLang="ko-KR" sz="1200" dirty="0" smtClean="0">
+                <a:solidFill>
+                  <a:schemeClr val="tx1">
+                    <a:lumMod val="75000"/>
+                    <a:lumOff val="25000"/>
+                  </a:schemeClr>
+                </a:solidFill>
+                <a:latin typeface="Courier New" pitchFamily="49" charset="0"/>
+                <a:cs typeface="Courier New" pitchFamily="49" charset="0"/>
+              </a:rPr>
               <a:t>()</a:t>
             </a:r>
           </a:p>
@@ -12549,7 +12600,48 @@
                 <a:latin typeface="Courier New" pitchFamily="49" charset="0"/>
                 <a:cs typeface="Courier New" pitchFamily="49" charset="0"/>
               </a:rPr>
-              <a:t>Counting down!</a:t>
+              <a:t>2</a:t>
+            </a:r>
+          </a:p>
+          <a:p>
+            <a:r>
+              <a:rPr lang="en-US" altLang="ko-KR" sz="1200" dirty="0" smtClean="0">
+                <a:solidFill>
+                  <a:schemeClr val="tx1">
+                    <a:lumMod val="75000"/>
+                    <a:lumOff val="25000"/>
+                  </a:schemeClr>
+                </a:solidFill>
+                <a:latin typeface="Courier New" pitchFamily="49" charset="0"/>
+                <a:cs typeface="Courier New" pitchFamily="49" charset="0"/>
+              </a:rPr>
+              <a:t>&gt;&gt;&gt; </a:t>
+            </a:r>
+            <a:r>
+              <a:rPr lang="en-US" altLang="ko-KR" sz="1200" dirty="0" err="1" smtClean="0">
+                <a:solidFill>
+                  <a:schemeClr val="tx1">
+                    <a:lumMod val="75000"/>
+                    <a:lumOff val="25000"/>
+                  </a:schemeClr>
+                </a:solidFill>
+                <a:latin typeface="Courier New" pitchFamily="49" charset="0"/>
+                <a:cs typeface="Courier New" pitchFamily="49" charset="0"/>
+              </a:rPr>
+              <a:t>c.next</a:t>
+            </a:r>
+            <a:r>
+              <a:rPr lang="en-US" altLang="ko-KR" sz="1200" dirty="0" smtClean="0">
+                <a:solidFill>
+                  <a:schemeClr val="tx1">
+                    <a:lumMod val="75000"/>
+                    <a:lumOff val="25000"/>
+                  </a:schemeClr>
+                </a:solidFill>
+                <a:latin typeface="Courier New" pitchFamily="49" charset="0"/>
+                <a:cs typeface="Courier New" pitchFamily="49" charset="0"/>
+              </a:rPr>
+              <a:t>()</a:t>
             </a:r>
           </a:p>
           <a:p>
@@ -12564,282 +12656,8 @@
                 <a:latin typeface="Courier New" pitchFamily="49" charset="0"/>
                 <a:cs typeface="Courier New" pitchFamily="49" charset="0"/>
               </a:rPr>
-              <a:t>5</a:t>
-            </a:r>
-            <a:endParaRPr lang="en-US" altLang="ko-KR" sz="1200" dirty="0" smtClean="0">
-              <a:solidFill>
-                <a:schemeClr val="tx2">
-                  <a:lumMod val="50000"/>
-                  <a:lumOff val="50000"/>
-                </a:schemeClr>
-              </a:solidFill>
-              <a:latin typeface="Courier New" pitchFamily="49" charset="0"/>
-              <a:cs typeface="Courier New" pitchFamily="49" charset="0"/>
-            </a:endParaRPr>
-          </a:p>
-          <a:p>
-            <a:r>
-              <a:rPr lang="en-US" altLang="ko-KR" sz="1200" dirty="0" smtClean="0">
-                <a:solidFill>
-                  <a:schemeClr val="tx1">
-                    <a:lumMod val="75000"/>
-                    <a:lumOff val="25000"/>
-                  </a:schemeClr>
-                </a:solidFill>
-                <a:latin typeface="Courier New" pitchFamily="49" charset="0"/>
-                <a:cs typeface="Courier New" pitchFamily="49" charset="0"/>
-              </a:rPr>
-              <a:t>&gt;&gt;&gt; </a:t>
-            </a:r>
-            <a:r>
-              <a:rPr lang="en-US" altLang="ko-KR" sz="1200" dirty="0" err="1" smtClean="0">
-                <a:solidFill>
-                  <a:schemeClr val="tx1">
-                    <a:lumMod val="75000"/>
-                    <a:lumOff val="25000"/>
-                  </a:schemeClr>
-                </a:solidFill>
-                <a:latin typeface="Courier New" pitchFamily="49" charset="0"/>
-                <a:cs typeface="Courier New" pitchFamily="49" charset="0"/>
-              </a:rPr>
-              <a:t>c.next</a:t>
-            </a:r>
-            <a:r>
-              <a:rPr lang="en-US" altLang="ko-KR" sz="1200" dirty="0" smtClean="0">
-                <a:solidFill>
-                  <a:schemeClr val="tx1">
-                    <a:lumMod val="75000"/>
-                    <a:lumOff val="25000"/>
-                  </a:schemeClr>
-                </a:solidFill>
-                <a:latin typeface="Courier New" pitchFamily="49" charset="0"/>
-                <a:cs typeface="Courier New" pitchFamily="49" charset="0"/>
-              </a:rPr>
-              <a:t>()</a:t>
-            </a:r>
-          </a:p>
-          <a:p>
-            <a:r>
-              <a:rPr lang="en-US" altLang="ko-KR" sz="1200" dirty="0" smtClean="0">
-                <a:solidFill>
-                  <a:schemeClr val="tx2">
-                    <a:lumMod val="50000"/>
-                    <a:lumOff val="50000"/>
-                  </a:schemeClr>
-                </a:solidFill>
-                <a:latin typeface="Courier New" pitchFamily="49" charset="0"/>
-                <a:cs typeface="Courier New" pitchFamily="49" charset="0"/>
-              </a:rPr>
-              <a:t>4</a:t>
-            </a:r>
-            <a:endParaRPr lang="en-US" altLang="ko-KR" sz="1200" dirty="0" smtClean="0">
-              <a:solidFill>
-                <a:schemeClr val="tx2">
-                  <a:lumMod val="50000"/>
-                  <a:lumOff val="50000"/>
-                </a:schemeClr>
-              </a:solidFill>
-              <a:latin typeface="Courier New" pitchFamily="49" charset="0"/>
-              <a:cs typeface="Courier New" pitchFamily="49" charset="0"/>
-            </a:endParaRPr>
-          </a:p>
-          <a:p>
-            <a:r>
-              <a:rPr lang="en-US" altLang="ko-KR" sz="1200" dirty="0" smtClean="0">
-                <a:solidFill>
-                  <a:schemeClr val="tx1">
-                    <a:lumMod val="75000"/>
-                    <a:lumOff val="25000"/>
-                  </a:schemeClr>
-                </a:solidFill>
-                <a:latin typeface="Courier New" pitchFamily="49" charset="0"/>
-                <a:cs typeface="Courier New" pitchFamily="49" charset="0"/>
-              </a:rPr>
-              <a:t>&gt;&gt;&gt; </a:t>
-            </a:r>
-            <a:r>
-              <a:rPr lang="en-US" altLang="ko-KR" sz="1200" dirty="0" err="1" smtClean="0">
-                <a:solidFill>
-                  <a:schemeClr val="tx1">
-                    <a:lumMod val="75000"/>
-                    <a:lumOff val="25000"/>
-                  </a:schemeClr>
-                </a:solidFill>
-                <a:latin typeface="Courier New" pitchFamily="49" charset="0"/>
-                <a:cs typeface="Courier New" pitchFamily="49" charset="0"/>
-              </a:rPr>
-              <a:t>c.next</a:t>
-            </a:r>
-            <a:r>
-              <a:rPr lang="en-US" altLang="ko-KR" sz="1200" dirty="0" smtClean="0">
-                <a:solidFill>
-                  <a:schemeClr val="tx1">
-                    <a:lumMod val="75000"/>
-                    <a:lumOff val="25000"/>
-                  </a:schemeClr>
-                </a:solidFill>
-                <a:latin typeface="Courier New" pitchFamily="49" charset="0"/>
-                <a:cs typeface="Courier New" pitchFamily="49" charset="0"/>
-              </a:rPr>
-              <a:t>()</a:t>
-            </a:r>
-          </a:p>
-          <a:p>
-            <a:r>
-              <a:rPr lang="en-US" altLang="ko-KR" sz="1200" dirty="0" smtClean="0">
-                <a:solidFill>
-                  <a:schemeClr val="tx2">
-                    <a:lumMod val="50000"/>
-                    <a:lumOff val="50000"/>
-                  </a:schemeClr>
-                </a:solidFill>
-                <a:latin typeface="Courier New" pitchFamily="49" charset="0"/>
-                <a:cs typeface="Courier New" pitchFamily="49" charset="0"/>
-              </a:rPr>
-              <a:t>3</a:t>
-            </a:r>
-            <a:endParaRPr lang="en-US" altLang="ko-KR" sz="1200" dirty="0" smtClean="0">
-              <a:solidFill>
-                <a:schemeClr val="tx2">
-                  <a:lumMod val="50000"/>
-                  <a:lumOff val="50000"/>
-                </a:schemeClr>
-              </a:solidFill>
-              <a:latin typeface="Courier New" pitchFamily="49" charset="0"/>
-              <a:cs typeface="Courier New" pitchFamily="49" charset="0"/>
-            </a:endParaRPr>
-          </a:p>
-          <a:p>
-            <a:r>
-              <a:rPr lang="en-US" altLang="ko-KR" sz="1200" dirty="0" smtClean="0">
-                <a:solidFill>
-                  <a:schemeClr val="tx1">
-                    <a:lumMod val="75000"/>
-                    <a:lumOff val="25000"/>
-                  </a:schemeClr>
-                </a:solidFill>
-                <a:latin typeface="Courier New" pitchFamily="49" charset="0"/>
-                <a:cs typeface="Courier New" pitchFamily="49" charset="0"/>
-              </a:rPr>
-              <a:t>&gt;&gt;&gt; </a:t>
-            </a:r>
-            <a:r>
-              <a:rPr lang="en-US" altLang="ko-KR" sz="1200" dirty="0" err="1" smtClean="0">
-                <a:solidFill>
-                  <a:schemeClr val="tx1">
-                    <a:lumMod val="75000"/>
-                    <a:lumOff val="25000"/>
-                  </a:schemeClr>
-                </a:solidFill>
-                <a:latin typeface="Courier New" pitchFamily="49" charset="0"/>
-                <a:cs typeface="Courier New" pitchFamily="49" charset="0"/>
-              </a:rPr>
-              <a:t>c.next</a:t>
-            </a:r>
-            <a:r>
-              <a:rPr lang="en-US" altLang="ko-KR" sz="1200" dirty="0" smtClean="0">
-                <a:solidFill>
-                  <a:schemeClr val="tx1">
-                    <a:lumMod val="75000"/>
-                    <a:lumOff val="25000"/>
-                  </a:schemeClr>
-                </a:solidFill>
-                <a:latin typeface="Courier New" pitchFamily="49" charset="0"/>
-                <a:cs typeface="Courier New" pitchFamily="49" charset="0"/>
-              </a:rPr>
-              <a:t>()</a:t>
-            </a:r>
-          </a:p>
-          <a:p>
-            <a:r>
-              <a:rPr lang="en-US" altLang="ko-KR" sz="1200" dirty="0" smtClean="0">
-                <a:solidFill>
-                  <a:schemeClr val="tx2">
-                    <a:lumMod val="50000"/>
-                    <a:lumOff val="50000"/>
-                  </a:schemeClr>
-                </a:solidFill>
-                <a:latin typeface="Courier New" pitchFamily="49" charset="0"/>
-                <a:cs typeface="Courier New" pitchFamily="49" charset="0"/>
-              </a:rPr>
-              <a:t>2</a:t>
-            </a:r>
-            <a:endParaRPr lang="en-US" altLang="ko-KR" sz="1200" dirty="0" smtClean="0">
-              <a:solidFill>
-                <a:schemeClr val="tx2">
-                  <a:lumMod val="50000"/>
-                  <a:lumOff val="50000"/>
-                </a:schemeClr>
-              </a:solidFill>
-              <a:latin typeface="Courier New" pitchFamily="49" charset="0"/>
-              <a:cs typeface="Courier New" pitchFamily="49" charset="0"/>
-            </a:endParaRPr>
-          </a:p>
-          <a:p>
-            <a:r>
-              <a:rPr lang="en-US" altLang="ko-KR" sz="1200" dirty="0" smtClean="0">
-                <a:solidFill>
-                  <a:schemeClr val="tx1">
-                    <a:lumMod val="75000"/>
-                    <a:lumOff val="25000"/>
-                  </a:schemeClr>
-                </a:solidFill>
-                <a:latin typeface="Courier New" pitchFamily="49" charset="0"/>
-                <a:cs typeface="Courier New" pitchFamily="49" charset="0"/>
-              </a:rPr>
-              <a:t>&gt;&gt;&gt; </a:t>
-            </a:r>
-            <a:r>
-              <a:rPr lang="en-US" altLang="ko-KR" sz="1200" dirty="0" err="1" smtClean="0">
-                <a:solidFill>
-                  <a:schemeClr val="tx1">
-                    <a:lumMod val="75000"/>
-                    <a:lumOff val="25000"/>
-                  </a:schemeClr>
-                </a:solidFill>
-                <a:latin typeface="Courier New" pitchFamily="49" charset="0"/>
-                <a:cs typeface="Courier New" pitchFamily="49" charset="0"/>
-              </a:rPr>
-              <a:t>c.next</a:t>
-            </a:r>
-            <a:r>
-              <a:rPr lang="en-US" altLang="ko-KR" sz="1200" dirty="0" smtClean="0">
-                <a:solidFill>
-                  <a:schemeClr val="tx1">
-                    <a:lumMod val="75000"/>
-                    <a:lumOff val="25000"/>
-                  </a:schemeClr>
-                </a:solidFill>
-                <a:latin typeface="Courier New" pitchFamily="49" charset="0"/>
-                <a:cs typeface="Courier New" pitchFamily="49" charset="0"/>
-              </a:rPr>
-              <a:t>()</a:t>
-            </a:r>
-          </a:p>
-          <a:p>
-            <a:r>
-              <a:rPr lang="en-US" altLang="ko-KR" sz="1200" dirty="0" smtClean="0">
-                <a:solidFill>
-                  <a:schemeClr val="tx2">
-                    <a:lumMod val="50000"/>
-                    <a:lumOff val="50000"/>
-                  </a:schemeClr>
-                </a:solidFill>
-                <a:latin typeface="Courier New" pitchFamily="49" charset="0"/>
-                <a:cs typeface="Courier New" pitchFamily="49" charset="0"/>
-              </a:rPr>
               <a:t>1</a:t>
             </a:r>
-            <a:endParaRPr lang="en-US" altLang="ko-KR" sz="1200" dirty="0" smtClean="0">
-              <a:solidFill>
-                <a:schemeClr val="tx2">
-                  <a:lumMod val="50000"/>
-                  <a:lumOff val="50000"/>
-                </a:schemeClr>
-              </a:solidFill>
-              <a:latin typeface="Courier New" pitchFamily="49" charset="0"/>
-              <a:cs typeface="Courier New" pitchFamily="49" charset="0"/>
-            </a:endParaRPr>
           </a:p>
           <a:p>
             <a:r>
@@ -13453,14 +13271,6 @@
                 </a:rPr>
                 <a:t> within the file</a:t>
               </a:r>
-              <a:endParaRPr lang="en-US" altLang="ko-KR" dirty="0" smtClean="0">
-                <a:solidFill>
-                  <a:schemeClr val="tx1">
-                    <a:lumMod val="75000"/>
-                    <a:lumOff val="25000"/>
-                  </a:schemeClr>
-                </a:solidFill>
-              </a:endParaRPr>
             </a:p>
             <a:p>
               <a:endParaRPr lang="en-US" altLang="ko-KR" dirty="0" smtClean="0">
@@ -13672,14 +13482,6 @@
                 </a:rPr>
                 <a:t>), from inner to outer</a:t>
               </a:r>
-              <a:endParaRPr lang="en-US" altLang="ko-KR" dirty="0" smtClean="0">
-                <a:solidFill>
-                  <a:schemeClr val="tx1">
-                    <a:lumMod val="75000"/>
-                    <a:lumOff val="25000"/>
-                  </a:schemeClr>
-                </a:solidFill>
-              </a:endParaRPr>
             </a:p>
             <a:p>
               <a:endParaRPr lang="en-US" altLang="ko-KR" dirty="0" smtClean="0">
@@ -13934,11 +13736,6 @@
               </a:rPr>
               <a:t>객체의 정의와 초기화</a:t>
             </a:r>
-            <a:endParaRPr lang="ko-KR" altLang="en-US" sz="1600" dirty="0" smtClean="0">
-              <a:latin typeface="Calibri" pitchFamily="34" charset="0"/>
-              <a:ea typeface="+mn-ea"/>
-              <a:cs typeface="Tahoma" pitchFamily="34" charset="0"/>
-            </a:endParaRPr>
           </a:p>
         </p:txBody>
       </p:sp>
@@ -14435,11 +14232,7 @@
           <a:p>
             <a:r>
               <a:rPr lang="en-US" altLang="ko-KR" dirty="0" smtClean="0"/>
-              <a:t>C</a:t>
-            </a:r>
-            <a:r>
-              <a:rPr lang="en-US" altLang="ko-KR" dirty="0" smtClean="0"/>
-              <a:t>lass method</a:t>
+              <a:t>Class method</a:t>
             </a:r>
             <a:endParaRPr lang="ko-KR" altLang="en-US" dirty="0"/>
           </a:p>
@@ -14528,11 +14321,6 @@
               </a:rPr>
               <a:t>추가</a:t>
             </a:r>
-            <a:endParaRPr lang="ko-KR" altLang="en-US" sz="1600" dirty="0" smtClean="0">
-              <a:latin typeface="Calibri" pitchFamily="34" charset="0"/>
-              <a:ea typeface="+mn-ea"/>
-              <a:cs typeface="Tahoma" pitchFamily="34" charset="0"/>
-            </a:endParaRPr>
           </a:p>
         </p:txBody>
       </p:sp>
@@ -14684,18 +14472,178 @@
                 <a:latin typeface="Courier New" pitchFamily="49" charset="0"/>
                 <a:cs typeface="Courier New" pitchFamily="49" charset="0"/>
               </a:rPr>
+              <a:t> = pay</a:t>
+            </a:r>
+          </a:p>
+          <a:p>
+            <a:r>
+              <a:rPr lang="en-US" altLang="ko-KR" sz="1400" b="1" dirty="0" smtClean="0">
+                <a:solidFill>
+                  <a:schemeClr val="tx1"/>
+                </a:solidFill>
+                <a:latin typeface="Courier New" pitchFamily="49" charset="0"/>
+                <a:cs typeface="Courier New" pitchFamily="49" charset="0"/>
+              </a:rPr>
+              <a:t>    def </a:t>
+            </a:r>
+            <a:r>
+              <a:rPr lang="en-US" altLang="ko-KR" sz="1400" b="1" dirty="0" err="1" smtClean="0">
+                <a:solidFill>
+                  <a:schemeClr val="tx1"/>
+                </a:solidFill>
+                <a:latin typeface="Courier New" pitchFamily="49" charset="0"/>
+                <a:cs typeface="Courier New" pitchFamily="49" charset="0"/>
+              </a:rPr>
+              <a:t>lastName</a:t>
+            </a:r>
+            <a:r>
+              <a:rPr lang="en-US" altLang="ko-KR" sz="1400" b="1" dirty="0" smtClean="0">
+                <a:solidFill>
+                  <a:schemeClr val="tx1"/>
+                </a:solidFill>
+                <a:latin typeface="Courier New" pitchFamily="49" charset="0"/>
+                <a:cs typeface="Courier New" pitchFamily="49" charset="0"/>
+              </a:rPr>
+              <a:t>(self):</a:t>
+            </a:r>
+          </a:p>
+          <a:p>
+            <a:r>
+              <a:rPr lang="en-US" altLang="ko-KR" sz="1400" b="1" dirty="0" smtClean="0">
+                <a:solidFill>
+                  <a:schemeClr val="tx1"/>
+                </a:solidFill>
+                <a:latin typeface="Courier New" pitchFamily="49" charset="0"/>
+                <a:cs typeface="Courier New" pitchFamily="49" charset="0"/>
+              </a:rPr>
+              <a:t>        return </a:t>
+            </a:r>
+            <a:r>
+              <a:rPr lang="en-US" altLang="ko-KR" sz="1400" b="1" dirty="0" err="1" smtClean="0">
+                <a:solidFill>
+                  <a:schemeClr val="tx1"/>
+                </a:solidFill>
+                <a:latin typeface="Courier New" pitchFamily="49" charset="0"/>
+                <a:cs typeface="Courier New" pitchFamily="49" charset="0"/>
+              </a:rPr>
+              <a:t>self.name.split</a:t>
+            </a:r>
+            <a:r>
+              <a:rPr lang="en-US" altLang="ko-KR" sz="1400" b="1" dirty="0" smtClean="0">
+                <a:solidFill>
+                  <a:schemeClr val="tx1"/>
+                </a:solidFill>
+                <a:latin typeface="Courier New" pitchFamily="49" charset="0"/>
+                <a:cs typeface="Courier New" pitchFamily="49" charset="0"/>
+              </a:rPr>
+              <a:t>()[-1]</a:t>
+            </a:r>
+          </a:p>
+          <a:p>
+            <a:r>
+              <a:rPr lang="en-US" altLang="ko-KR" sz="1400" b="1" dirty="0" smtClean="0">
+                <a:solidFill>
+                  <a:schemeClr val="tx1"/>
+                </a:solidFill>
+                <a:latin typeface="Courier New" pitchFamily="49" charset="0"/>
+                <a:cs typeface="Courier New" pitchFamily="49" charset="0"/>
+              </a:rPr>
+              <a:t>    def </a:t>
+            </a:r>
+            <a:r>
+              <a:rPr lang="en-US" altLang="ko-KR" sz="1400" b="1" dirty="0" err="1" smtClean="0">
+                <a:solidFill>
+                  <a:schemeClr val="tx1"/>
+                </a:solidFill>
+                <a:latin typeface="Courier New" pitchFamily="49" charset="0"/>
+                <a:cs typeface="Courier New" pitchFamily="49" charset="0"/>
+              </a:rPr>
+              <a:t>giveRaise</a:t>
+            </a:r>
+            <a:r>
+              <a:rPr lang="en-US" altLang="ko-KR" sz="1400" b="1" dirty="0" smtClean="0">
+                <a:solidFill>
+                  <a:schemeClr val="tx1"/>
+                </a:solidFill>
+                <a:latin typeface="Courier New" pitchFamily="49" charset="0"/>
+                <a:cs typeface="Courier New" pitchFamily="49" charset="0"/>
+              </a:rPr>
+              <a:t>(self, percent):</a:t>
+            </a:r>
+          </a:p>
+          <a:p>
+            <a:r>
+              <a:rPr lang="en-US" altLang="ko-KR" sz="1400" b="1" dirty="0" smtClean="0">
+                <a:solidFill>
+                  <a:schemeClr val="tx1"/>
+                </a:solidFill>
+                <a:latin typeface="Courier New" pitchFamily="49" charset="0"/>
+                <a:cs typeface="Courier New" pitchFamily="49" charset="0"/>
+              </a:rPr>
+              <a:t>        </a:t>
+            </a:r>
+            <a:r>
+              <a:rPr lang="en-US" altLang="ko-KR" sz="1400" b="1" dirty="0" err="1" smtClean="0">
+                <a:solidFill>
+                  <a:schemeClr val="tx1"/>
+                </a:solidFill>
+                <a:latin typeface="Courier New" pitchFamily="49" charset="0"/>
+                <a:cs typeface="Courier New" pitchFamily="49" charset="0"/>
+              </a:rPr>
+              <a:t>self.pay</a:t>
+            </a:r>
+            <a:r>
+              <a:rPr lang="en-US" altLang="ko-KR" sz="1400" b="1" dirty="0" smtClean="0">
+                <a:solidFill>
+                  <a:schemeClr val="tx1"/>
+                </a:solidFill>
+                <a:latin typeface="Courier New" pitchFamily="49" charset="0"/>
+                <a:cs typeface="Courier New" pitchFamily="49" charset="0"/>
+              </a:rPr>
               <a:t> = </a:t>
             </a:r>
             <a:r>
-              <a:rPr lang="en-US" altLang="ko-KR" sz="1400" dirty="0" smtClean="0">
+              <a:rPr lang="en-US" altLang="ko-KR" sz="1400" b="1" dirty="0" err="1" smtClean="0">
                 <a:solidFill>
                   <a:schemeClr val="tx1"/>
                 </a:solidFill>
                 <a:latin typeface="Courier New" pitchFamily="49" charset="0"/>
                 <a:cs typeface="Courier New" pitchFamily="49" charset="0"/>
               </a:rPr>
-              <a:t>pay</a:t>
-            </a:r>
+              <a:t>int</a:t>
+            </a:r>
+            <a:r>
+              <a:rPr lang="en-US" altLang="ko-KR" sz="1400" b="1" dirty="0" smtClean="0">
+                <a:solidFill>
+                  <a:schemeClr val="tx1"/>
+                </a:solidFill>
+                <a:latin typeface="Courier New" pitchFamily="49" charset="0"/>
+                <a:cs typeface="Courier New" pitchFamily="49" charset="0"/>
+              </a:rPr>
+              <a:t>(</a:t>
+            </a:r>
+            <a:r>
+              <a:rPr lang="en-US" altLang="ko-KR" sz="1400" b="1" dirty="0" err="1" smtClean="0">
+                <a:solidFill>
+                  <a:schemeClr val="tx1"/>
+                </a:solidFill>
+                <a:latin typeface="Courier New" pitchFamily="49" charset="0"/>
+                <a:cs typeface="Courier New" pitchFamily="49" charset="0"/>
+              </a:rPr>
+              <a:t>self.pay</a:t>
+            </a:r>
+            <a:r>
+              <a:rPr lang="en-US" altLang="ko-KR" sz="1400" b="1" dirty="0" smtClean="0">
+                <a:solidFill>
+                  <a:schemeClr val="tx1"/>
+                </a:solidFill>
+                <a:latin typeface="Courier New" pitchFamily="49" charset="0"/>
+                <a:cs typeface="Courier New" pitchFamily="49" charset="0"/>
+              </a:rPr>
+              <a:t> * (1+percent))</a:t>
+            </a:r>
+          </a:p>
+          <a:p>
             <a:endParaRPr lang="en-US" altLang="ko-KR" sz="1400" dirty="0" smtClean="0">
               <a:solidFill>
                 <a:schemeClr val="tx1"/>
@@ -14706,282 +14654,38 @@
           </a:p>
           <a:p>
             <a:r>
-              <a:rPr lang="en-US" altLang="ko-KR" sz="1400" b="1" dirty="0" smtClean="0">
+              <a:rPr lang="en-US" altLang="ko-KR" sz="1400" dirty="0" smtClean="0">
                 <a:solidFill>
                   <a:schemeClr val="tx1"/>
                 </a:solidFill>
                 <a:latin typeface="Courier New" pitchFamily="49" charset="0"/>
                 <a:cs typeface="Courier New" pitchFamily="49" charset="0"/>
               </a:rPr>
-              <a:t>    </a:t>
-            </a:r>
-            <a:r>
-              <a:rPr lang="en-US" altLang="ko-KR" sz="1400" b="1" dirty="0" smtClean="0">
+              <a:t>bob = Person('Bob Smith')</a:t>
+            </a:r>
+          </a:p>
+          <a:p>
+            <a:r>
+              <a:rPr lang="en-US" altLang="ko-KR" sz="1400" dirty="0" smtClean="0">
                 <a:solidFill>
                   <a:schemeClr val="tx1"/>
                 </a:solidFill>
                 <a:latin typeface="Courier New" pitchFamily="49" charset="0"/>
                 <a:cs typeface="Courier New" pitchFamily="49" charset="0"/>
               </a:rPr>
-              <a:t>def </a:t>
-            </a:r>
-            <a:r>
-              <a:rPr lang="en-US" altLang="ko-KR" sz="1400" b="1" dirty="0" err="1" smtClean="0">
+              <a:t>sue = Person('Sue Jones', job='dev', pay=100000)</a:t>
+            </a:r>
+          </a:p>
+          <a:p>
+            <a:r>
+              <a:rPr lang="en-US" altLang="ko-KR" sz="1400" dirty="0" smtClean="0">
                 <a:solidFill>
                   <a:schemeClr val="tx1"/>
                 </a:solidFill>
                 <a:latin typeface="Courier New" pitchFamily="49" charset="0"/>
                 <a:cs typeface="Courier New" pitchFamily="49" charset="0"/>
               </a:rPr>
-              <a:t>lastName</a:t>
-            </a:r>
-            <a:r>
-              <a:rPr lang="en-US" altLang="ko-KR" sz="1400" b="1" dirty="0" smtClean="0">
-                <a:solidFill>
-                  <a:schemeClr val="tx1"/>
-                </a:solidFill>
-                <a:latin typeface="Courier New" pitchFamily="49" charset="0"/>
-                <a:cs typeface="Courier New" pitchFamily="49" charset="0"/>
-              </a:rPr>
-              <a:t>(self):</a:t>
-            </a:r>
-          </a:p>
-          <a:p>
-            <a:r>
-              <a:rPr lang="en-US" altLang="ko-KR" sz="1400" b="1" dirty="0" smtClean="0">
-                <a:solidFill>
-                  <a:schemeClr val="tx1"/>
-                </a:solidFill>
-                <a:latin typeface="Courier New" pitchFamily="49" charset="0"/>
-                <a:cs typeface="Courier New" pitchFamily="49" charset="0"/>
-              </a:rPr>
-              <a:t> </a:t>
-            </a:r>
-            <a:r>
-              <a:rPr lang="en-US" altLang="ko-KR" sz="1400" b="1" dirty="0" smtClean="0">
-                <a:solidFill>
-                  <a:schemeClr val="tx1"/>
-                </a:solidFill>
-                <a:latin typeface="Courier New" pitchFamily="49" charset="0"/>
-                <a:cs typeface="Courier New" pitchFamily="49" charset="0"/>
-              </a:rPr>
-              <a:t>       return </a:t>
-            </a:r>
-            <a:r>
-              <a:rPr lang="en-US" altLang="ko-KR" sz="1400" b="1" dirty="0" err="1" smtClean="0">
-                <a:solidFill>
-                  <a:schemeClr val="tx1"/>
-                </a:solidFill>
-                <a:latin typeface="Courier New" pitchFamily="49" charset="0"/>
-                <a:cs typeface="Courier New" pitchFamily="49" charset="0"/>
-              </a:rPr>
-              <a:t>self.name.split</a:t>
-            </a:r>
-            <a:r>
-              <a:rPr lang="en-US" altLang="ko-KR" sz="1400" b="1" dirty="0" smtClean="0">
-                <a:solidFill>
-                  <a:schemeClr val="tx1"/>
-                </a:solidFill>
-                <a:latin typeface="Courier New" pitchFamily="49" charset="0"/>
-                <a:cs typeface="Courier New" pitchFamily="49" charset="0"/>
-              </a:rPr>
-              <a:t>()[-1]</a:t>
-            </a:r>
-          </a:p>
-          <a:p>
-            <a:r>
-              <a:rPr lang="en-US" altLang="ko-KR" sz="1400" b="1" dirty="0" smtClean="0">
-                <a:solidFill>
-                  <a:schemeClr val="tx1"/>
-                </a:solidFill>
-                <a:latin typeface="Courier New" pitchFamily="49" charset="0"/>
-                <a:cs typeface="Courier New" pitchFamily="49" charset="0"/>
-              </a:rPr>
-              <a:t> </a:t>
-            </a:r>
-            <a:r>
-              <a:rPr lang="en-US" altLang="ko-KR" sz="1400" b="1" dirty="0" smtClean="0">
-                <a:solidFill>
-                  <a:schemeClr val="tx1"/>
-                </a:solidFill>
-                <a:latin typeface="Courier New" pitchFamily="49" charset="0"/>
-                <a:cs typeface="Courier New" pitchFamily="49" charset="0"/>
-              </a:rPr>
-              <a:t>   def </a:t>
-            </a:r>
-            <a:r>
-              <a:rPr lang="en-US" altLang="ko-KR" sz="1400" b="1" dirty="0" err="1" smtClean="0">
-                <a:solidFill>
-                  <a:schemeClr val="tx1"/>
-                </a:solidFill>
-                <a:latin typeface="Courier New" pitchFamily="49" charset="0"/>
-                <a:cs typeface="Courier New" pitchFamily="49" charset="0"/>
-              </a:rPr>
-              <a:t>giveRaise</a:t>
-            </a:r>
-            <a:r>
-              <a:rPr lang="en-US" altLang="ko-KR" sz="1400" b="1" dirty="0" smtClean="0">
-                <a:solidFill>
-                  <a:schemeClr val="tx1"/>
-                </a:solidFill>
-                <a:latin typeface="Courier New" pitchFamily="49" charset="0"/>
-                <a:cs typeface="Courier New" pitchFamily="49" charset="0"/>
-              </a:rPr>
-              <a:t>(self, percent):</a:t>
-            </a:r>
-          </a:p>
-          <a:p>
-            <a:r>
-              <a:rPr lang="en-US" altLang="ko-KR" sz="1400" b="1" dirty="0" smtClean="0">
-                <a:solidFill>
-                  <a:schemeClr val="tx1"/>
-                </a:solidFill>
-                <a:latin typeface="Courier New" pitchFamily="49" charset="0"/>
-                <a:cs typeface="Courier New" pitchFamily="49" charset="0"/>
-              </a:rPr>
-              <a:t> </a:t>
-            </a:r>
-            <a:r>
-              <a:rPr lang="en-US" altLang="ko-KR" sz="1400" b="1" dirty="0" smtClean="0">
-                <a:solidFill>
-                  <a:schemeClr val="tx1"/>
-                </a:solidFill>
-                <a:latin typeface="Courier New" pitchFamily="49" charset="0"/>
-                <a:cs typeface="Courier New" pitchFamily="49" charset="0"/>
-              </a:rPr>
-              <a:t>       </a:t>
-            </a:r>
-            <a:r>
-              <a:rPr lang="en-US" altLang="ko-KR" sz="1400" b="1" dirty="0" err="1" smtClean="0">
-                <a:solidFill>
-                  <a:schemeClr val="tx1"/>
-                </a:solidFill>
-                <a:latin typeface="Courier New" pitchFamily="49" charset="0"/>
-                <a:cs typeface="Courier New" pitchFamily="49" charset="0"/>
-              </a:rPr>
-              <a:t>self.pay</a:t>
-            </a:r>
-            <a:r>
-              <a:rPr lang="en-US" altLang="ko-KR" sz="1400" b="1" dirty="0" smtClean="0">
-                <a:solidFill>
-                  <a:schemeClr val="tx1"/>
-                </a:solidFill>
-                <a:latin typeface="Courier New" pitchFamily="49" charset="0"/>
-                <a:cs typeface="Courier New" pitchFamily="49" charset="0"/>
-              </a:rPr>
-              <a:t> = </a:t>
-            </a:r>
-            <a:r>
-              <a:rPr lang="en-US" altLang="ko-KR" sz="1400" b="1" dirty="0" err="1" smtClean="0">
-                <a:solidFill>
-                  <a:schemeClr val="tx1"/>
-                </a:solidFill>
-                <a:latin typeface="Courier New" pitchFamily="49" charset="0"/>
-                <a:cs typeface="Courier New" pitchFamily="49" charset="0"/>
-              </a:rPr>
-              <a:t>int</a:t>
-            </a:r>
-            <a:r>
-              <a:rPr lang="en-US" altLang="ko-KR" sz="1400" b="1" dirty="0" smtClean="0">
-                <a:solidFill>
-                  <a:schemeClr val="tx1"/>
-                </a:solidFill>
-                <a:latin typeface="Courier New" pitchFamily="49" charset="0"/>
-                <a:cs typeface="Courier New" pitchFamily="49" charset="0"/>
-              </a:rPr>
-              <a:t>(</a:t>
-            </a:r>
-            <a:r>
-              <a:rPr lang="en-US" altLang="ko-KR" sz="1400" b="1" dirty="0" err="1" smtClean="0">
-                <a:solidFill>
-                  <a:schemeClr val="tx1"/>
-                </a:solidFill>
-                <a:latin typeface="Courier New" pitchFamily="49" charset="0"/>
-                <a:cs typeface="Courier New" pitchFamily="49" charset="0"/>
-              </a:rPr>
-              <a:t>self.pay</a:t>
-            </a:r>
-            <a:r>
-              <a:rPr lang="en-US" altLang="ko-KR" sz="1400" b="1" dirty="0" smtClean="0">
-                <a:solidFill>
-                  <a:schemeClr val="tx1"/>
-                </a:solidFill>
-                <a:latin typeface="Courier New" pitchFamily="49" charset="0"/>
-                <a:cs typeface="Courier New" pitchFamily="49" charset="0"/>
-              </a:rPr>
-              <a:t> * (1+percent))</a:t>
-            </a:r>
-            <a:endParaRPr lang="en-US" altLang="ko-KR" sz="1400" b="1" dirty="0" smtClean="0">
-              <a:solidFill>
-                <a:schemeClr val="tx1"/>
-              </a:solidFill>
-              <a:latin typeface="Courier New" pitchFamily="49" charset="0"/>
-              <a:cs typeface="Courier New" pitchFamily="49" charset="0"/>
-            </a:endParaRPr>
-          </a:p>
-          <a:p>
-            <a:endParaRPr lang="en-US" altLang="ko-KR" sz="1400" dirty="0" smtClean="0">
-              <a:solidFill>
-                <a:schemeClr val="tx1"/>
-              </a:solidFill>
-              <a:latin typeface="Courier New" pitchFamily="49" charset="0"/>
-              <a:cs typeface="Courier New" pitchFamily="49" charset="0"/>
-            </a:endParaRPr>
-          </a:p>
-          <a:p>
-            <a:r>
-              <a:rPr lang="en-US" altLang="ko-KR" sz="1400" dirty="0" smtClean="0">
-                <a:solidFill>
-                  <a:schemeClr val="tx1"/>
-                </a:solidFill>
-                <a:latin typeface="Courier New" pitchFamily="49" charset="0"/>
-                <a:cs typeface="Courier New" pitchFamily="49" charset="0"/>
-              </a:rPr>
-              <a:t>bob = Person('Bob Smith')</a:t>
-            </a:r>
-          </a:p>
-          <a:p>
-            <a:r>
-              <a:rPr lang="en-US" altLang="ko-KR" sz="1400" dirty="0" smtClean="0">
-                <a:solidFill>
-                  <a:schemeClr val="tx1"/>
-                </a:solidFill>
-                <a:latin typeface="Courier New" pitchFamily="49" charset="0"/>
-                <a:cs typeface="Courier New" pitchFamily="49" charset="0"/>
-              </a:rPr>
-              <a:t>sue </a:t>
-            </a:r>
-            <a:r>
-              <a:rPr lang="en-US" altLang="ko-KR" sz="1400" dirty="0" smtClean="0">
-                <a:solidFill>
-                  <a:schemeClr val="tx1"/>
-                </a:solidFill>
-                <a:latin typeface="Courier New" pitchFamily="49" charset="0"/>
-                <a:cs typeface="Courier New" pitchFamily="49" charset="0"/>
-              </a:rPr>
-              <a:t>= Person('Sue Jones', job='dev', pay=100000)</a:t>
-            </a:r>
-          </a:p>
-          <a:p>
-            <a:r>
-              <a:rPr lang="en-US" altLang="ko-KR" sz="1400" dirty="0" smtClean="0">
-                <a:solidFill>
-                  <a:schemeClr val="tx1"/>
-                </a:solidFill>
-                <a:latin typeface="Courier New" pitchFamily="49" charset="0"/>
-                <a:cs typeface="Courier New" pitchFamily="49" charset="0"/>
-              </a:rPr>
-              <a:t>print(bob.name</a:t>
-            </a:r>
-            <a:r>
-              <a:rPr lang="en-US" altLang="ko-KR" sz="1400" dirty="0" smtClean="0">
-                <a:solidFill>
-                  <a:schemeClr val="tx1"/>
-                </a:solidFill>
-                <a:latin typeface="Courier New" pitchFamily="49" charset="0"/>
-                <a:cs typeface="Courier New" pitchFamily="49" charset="0"/>
-              </a:rPr>
-              <a:t>, </a:t>
+              <a:t>print(bob.name, </a:t>
             </a:r>
             <a:r>
               <a:rPr lang="en-US" altLang="ko-KR" sz="1400" dirty="0" err="1" smtClean="0">
@@ -15028,17 +14732,7 @@
                 <a:latin typeface="Courier New" pitchFamily="49" charset="0"/>
                 <a:cs typeface="Courier New" pitchFamily="49" charset="0"/>
               </a:rPr>
-              <a:t>print(sue.name</a:t>
-            </a:r>
-            <a:r>
-              <a:rPr lang="en-US" altLang="ko-KR" sz="1400" dirty="0" smtClean="0">
-                <a:solidFill>
-                  <a:schemeClr val="tx1"/>
-                </a:solidFill>
-                <a:latin typeface="Courier New" pitchFamily="49" charset="0"/>
-                <a:cs typeface="Courier New" pitchFamily="49" charset="0"/>
-              </a:rPr>
-              <a:t>, </a:t>
+              <a:t>print(sue.name, </a:t>
             </a:r>
             <a:r>
               <a:rPr lang="en-US" altLang="ko-KR" sz="1400" dirty="0" err="1" smtClean="0">
@@ -15073,20 +14767,7 @@
                 <a:latin typeface="Courier New" pitchFamily="49" charset="0"/>
                 <a:cs typeface="Courier New" pitchFamily="49" charset="0"/>
               </a:rPr>
-              <a:t>('Sue Jones', 100000</a:t>
-            </a:r>
-            <a:r>
-              <a:rPr lang="en-US" altLang="ko-KR" sz="1400" dirty="0" smtClean="0">
-                <a:solidFill>
-                  <a:schemeClr val="tx2">
-                    <a:lumMod val="50000"/>
-                    <a:lumOff val="50000"/>
-                  </a:schemeClr>
-                </a:solidFill>
-                <a:latin typeface="Courier New" pitchFamily="49" charset="0"/>
-                <a:cs typeface="Courier New" pitchFamily="49" charset="0"/>
-              </a:rPr>
-              <a:t>)</a:t>
+              <a:t>('Sue Jones', 100000)</a:t>
             </a:r>
           </a:p>
           <a:p>
@@ -15293,11 +14974,7 @@
           <a:p>
             <a:r>
               <a:rPr lang="en-US" altLang="ko-KR" dirty="0" smtClean="0"/>
-              <a:t>C</a:t>
-            </a:r>
-            <a:r>
-              <a:rPr lang="en-US" altLang="ko-KR" dirty="0" smtClean="0"/>
-              <a:t>lass attribute overloading</a:t>
+              <a:t>Class attribute overloading</a:t>
             </a:r>
             <a:endParaRPr lang="ko-KR" altLang="en-US" dirty="0"/>
           </a:p>
@@ -15534,9 +15211,157 @@
                 <a:latin typeface="Courier New" pitchFamily="49" charset="0"/>
                 <a:cs typeface="Courier New" pitchFamily="49" charset="0"/>
               </a:rPr>
+              <a:t> = pay</a:t>
+            </a:r>
+          </a:p>
+          <a:p>
+            <a:r>
+              <a:rPr lang="en-US" altLang="ko-KR" sz="1400" b="1" dirty="0" smtClean="0">
+                <a:solidFill>
+                  <a:schemeClr val="tx1"/>
+                </a:solidFill>
+                <a:latin typeface="Courier New" pitchFamily="49" charset="0"/>
+                <a:cs typeface="Courier New" pitchFamily="49" charset="0"/>
+              </a:rPr>
+              <a:t>    </a:t>
+            </a:r>
+            <a:r>
+              <a:rPr lang="en-US" altLang="ko-KR" sz="1400" dirty="0" smtClean="0">
+                <a:solidFill>
+                  <a:schemeClr val="tx1"/>
+                </a:solidFill>
+                <a:latin typeface="Courier New" pitchFamily="49" charset="0"/>
+                <a:cs typeface="Courier New" pitchFamily="49" charset="0"/>
+              </a:rPr>
+              <a:t>def </a:t>
+            </a:r>
+            <a:r>
+              <a:rPr lang="en-US" altLang="ko-KR" sz="1400" dirty="0" err="1" smtClean="0">
+                <a:solidFill>
+                  <a:schemeClr val="tx1"/>
+                </a:solidFill>
+                <a:latin typeface="Courier New" pitchFamily="49" charset="0"/>
+                <a:cs typeface="Courier New" pitchFamily="49" charset="0"/>
+              </a:rPr>
+              <a:t>lastName</a:t>
+            </a:r>
+            <a:r>
+              <a:rPr lang="en-US" altLang="ko-KR" sz="1400" dirty="0" smtClean="0">
+                <a:solidFill>
+                  <a:schemeClr val="tx1"/>
+                </a:solidFill>
+                <a:latin typeface="Courier New" pitchFamily="49" charset="0"/>
+                <a:cs typeface="Courier New" pitchFamily="49" charset="0"/>
+              </a:rPr>
+              <a:t>(self):</a:t>
+            </a:r>
+          </a:p>
+          <a:p>
+            <a:r>
+              <a:rPr lang="en-US" altLang="ko-KR" sz="1400" dirty="0" smtClean="0">
+                <a:solidFill>
+                  <a:schemeClr val="tx1"/>
+                </a:solidFill>
+                <a:latin typeface="Courier New" pitchFamily="49" charset="0"/>
+                <a:cs typeface="Courier New" pitchFamily="49" charset="0"/>
+              </a:rPr>
+              <a:t>        return </a:t>
+            </a:r>
+            <a:r>
+              <a:rPr lang="en-US" altLang="ko-KR" sz="1400" dirty="0" err="1" smtClean="0">
+                <a:solidFill>
+                  <a:schemeClr val="tx1"/>
+                </a:solidFill>
+                <a:latin typeface="Courier New" pitchFamily="49" charset="0"/>
+                <a:cs typeface="Courier New" pitchFamily="49" charset="0"/>
+              </a:rPr>
+              <a:t>self.name.split</a:t>
+            </a:r>
+            <a:r>
+              <a:rPr lang="en-US" altLang="ko-KR" sz="1400" dirty="0" smtClean="0">
+                <a:solidFill>
+                  <a:schemeClr val="tx1"/>
+                </a:solidFill>
+                <a:latin typeface="Courier New" pitchFamily="49" charset="0"/>
+                <a:cs typeface="Courier New" pitchFamily="49" charset="0"/>
+              </a:rPr>
+              <a:t>()[-1]</a:t>
+            </a:r>
+          </a:p>
+          <a:p>
+            <a:r>
+              <a:rPr lang="en-US" altLang="ko-KR" sz="1400" dirty="0" smtClean="0">
+                <a:solidFill>
+                  <a:schemeClr val="tx1"/>
+                </a:solidFill>
+                <a:latin typeface="Courier New" pitchFamily="49" charset="0"/>
+                <a:cs typeface="Courier New" pitchFamily="49" charset="0"/>
+              </a:rPr>
+              <a:t>    def </a:t>
+            </a:r>
+            <a:r>
+              <a:rPr lang="en-US" altLang="ko-KR" sz="1400" dirty="0" err="1" smtClean="0">
+                <a:solidFill>
+                  <a:schemeClr val="tx1"/>
+                </a:solidFill>
+                <a:latin typeface="Courier New" pitchFamily="49" charset="0"/>
+                <a:cs typeface="Courier New" pitchFamily="49" charset="0"/>
+              </a:rPr>
+              <a:t>giveRaise</a:t>
+            </a:r>
+            <a:r>
+              <a:rPr lang="en-US" altLang="ko-KR" sz="1400" dirty="0" smtClean="0">
+                <a:solidFill>
+                  <a:schemeClr val="tx1"/>
+                </a:solidFill>
+                <a:latin typeface="Courier New" pitchFamily="49" charset="0"/>
+                <a:cs typeface="Courier New" pitchFamily="49" charset="0"/>
+              </a:rPr>
+              <a:t>(self, percent):</a:t>
+            </a:r>
+          </a:p>
+          <a:p>
+            <a:r>
+              <a:rPr lang="en-US" altLang="ko-KR" sz="1400" dirty="0" smtClean="0">
+                <a:solidFill>
+                  <a:schemeClr val="tx1"/>
+                </a:solidFill>
+                <a:latin typeface="Courier New" pitchFamily="49" charset="0"/>
+                <a:cs typeface="Courier New" pitchFamily="49" charset="0"/>
+              </a:rPr>
+              <a:t>        </a:t>
+            </a:r>
+            <a:r>
+              <a:rPr lang="en-US" altLang="ko-KR" sz="1400" dirty="0" err="1" smtClean="0">
+                <a:solidFill>
+                  <a:schemeClr val="tx1"/>
+                </a:solidFill>
+                <a:latin typeface="Courier New" pitchFamily="49" charset="0"/>
+                <a:cs typeface="Courier New" pitchFamily="49" charset="0"/>
+              </a:rPr>
+              <a:t>self.pay</a:t>
+            </a:r>
+            <a:r>
+              <a:rPr lang="en-US" altLang="ko-KR" sz="1400" dirty="0" smtClean="0">
+                <a:solidFill>
+                  <a:schemeClr val="tx1"/>
+                </a:solidFill>
+                <a:latin typeface="Courier New" pitchFamily="49" charset="0"/>
+                <a:cs typeface="Courier New" pitchFamily="49" charset="0"/>
+              </a:rPr>
               <a:t> = </a:t>
             </a:r>
             <a:r>
+              <a:rPr lang="en-US" altLang="ko-KR" sz="1400" dirty="0" err="1" smtClean="0">
+                <a:solidFill>
+                  <a:schemeClr val="tx1"/>
+                </a:solidFill>
+                <a:latin typeface="Courier New" pitchFamily="49" charset="0"/>
+                <a:cs typeface="Courier New" pitchFamily="49" charset="0"/>
+              </a:rPr>
+              <a:t>int</a:t>
+            </a:r>
+            <a:r>
               <a:rPr lang="en-US" altLang="ko-KR" sz="1400" dirty="0" smtClean="0">
                 <a:solidFill>
                   <a:schemeClr val="tx1"/>
@@ -15544,8 +15369,94 @@
                 <a:latin typeface="Courier New" pitchFamily="49" charset="0"/>
                 <a:cs typeface="Courier New" pitchFamily="49" charset="0"/>
               </a:rPr>
-              <a:t>pay</a:t>
-            </a:r>
+              <a:t>(</a:t>
+            </a:r>
+            <a:r>
+              <a:rPr lang="en-US" altLang="ko-KR" sz="1400" dirty="0" err="1" smtClean="0">
+                <a:solidFill>
+                  <a:schemeClr val="tx1"/>
+                </a:solidFill>
+                <a:latin typeface="Courier New" pitchFamily="49" charset="0"/>
+                <a:cs typeface="Courier New" pitchFamily="49" charset="0"/>
+              </a:rPr>
+              <a:t>self.pay</a:t>
+            </a:r>
+            <a:r>
+              <a:rPr lang="en-US" altLang="ko-KR" sz="1400" dirty="0" smtClean="0">
+                <a:solidFill>
+                  <a:schemeClr val="tx1"/>
+                </a:solidFill>
+                <a:latin typeface="Courier New" pitchFamily="49" charset="0"/>
+                <a:cs typeface="Courier New" pitchFamily="49" charset="0"/>
+              </a:rPr>
+              <a:t> * (1+percent))</a:t>
+            </a:r>
+          </a:p>
+          <a:p>
+            <a:r>
+              <a:rPr lang="en-US" altLang="ko-KR" sz="1400" b="1" dirty="0" smtClean="0">
+                <a:solidFill>
+                  <a:schemeClr val="tx1"/>
+                </a:solidFill>
+                <a:latin typeface="Courier New" pitchFamily="49" charset="0"/>
+                <a:cs typeface="Courier New" pitchFamily="49" charset="0"/>
+              </a:rPr>
+              <a:t>    def __</a:t>
+            </a:r>
+            <a:r>
+              <a:rPr lang="en-US" altLang="ko-KR" sz="1400" b="1" dirty="0" err="1" smtClean="0">
+                <a:solidFill>
+                  <a:schemeClr val="tx1"/>
+                </a:solidFill>
+                <a:latin typeface="Courier New" pitchFamily="49" charset="0"/>
+                <a:cs typeface="Courier New" pitchFamily="49" charset="0"/>
+              </a:rPr>
+              <a:t>repr</a:t>
+            </a:r>
+            <a:r>
+              <a:rPr lang="en-US" altLang="ko-KR" sz="1400" b="1" dirty="0" smtClean="0">
+                <a:solidFill>
+                  <a:schemeClr val="tx1"/>
+                </a:solidFill>
+                <a:latin typeface="Courier New" pitchFamily="49" charset="0"/>
+                <a:cs typeface="Courier New" pitchFamily="49" charset="0"/>
+              </a:rPr>
+              <a:t>__(self):</a:t>
+            </a:r>
+          </a:p>
+          <a:p>
+            <a:r>
+              <a:rPr lang="en-US" altLang="ko-KR" sz="1400" b="1" dirty="0" smtClean="0">
+                <a:solidFill>
+                  <a:schemeClr val="tx1"/>
+                </a:solidFill>
+                <a:latin typeface="Courier New" pitchFamily="49" charset="0"/>
+                <a:cs typeface="Courier New" pitchFamily="49" charset="0"/>
+              </a:rPr>
+              <a:t>        return ‘[Person: %s, %s]’ % (self.name, </a:t>
+            </a:r>
+            <a:r>
+              <a:rPr lang="en-US" altLang="ko-KR" sz="1400" b="1" dirty="0" err="1" smtClean="0">
+                <a:solidFill>
+                  <a:schemeClr val="tx1"/>
+                </a:solidFill>
+                <a:latin typeface="Courier New" pitchFamily="49" charset="0"/>
+                <a:cs typeface="Courier New" pitchFamily="49" charset="0"/>
+              </a:rPr>
+              <a:t>self.pay</a:t>
+            </a:r>
+            <a:r>
+              <a:rPr lang="en-US" altLang="ko-KR" sz="1400" b="1" dirty="0" smtClean="0">
+                <a:solidFill>
+                  <a:schemeClr val="tx1"/>
+                </a:solidFill>
+                <a:latin typeface="Courier New" pitchFamily="49" charset="0"/>
+                <a:cs typeface="Courier New" pitchFamily="49" charset="0"/>
+              </a:rPr>
+              <a:t>)</a:t>
+            </a:r>
+          </a:p>
+          <a:p>
             <a:endParaRPr lang="en-US" altLang="ko-KR" sz="1400" dirty="0" smtClean="0">
               <a:solidFill>
                 <a:schemeClr val="tx1"/>
@@ -15556,6 +15467,30 @@
           </a:p>
           <a:p>
             <a:r>
+              <a:rPr lang="en-US" altLang="ko-KR" sz="1400" dirty="0" smtClean="0">
+                <a:solidFill>
+                  <a:schemeClr val="tx1"/>
+                </a:solidFill>
+                <a:latin typeface="Courier New" pitchFamily="49" charset="0"/>
+                <a:cs typeface="Courier New" pitchFamily="49" charset="0"/>
+              </a:rPr>
+              <a:t>bob = Person('Bob Smith')</a:t>
+            </a:r>
+          </a:p>
+          <a:p>
+            <a:r>
+              <a:rPr lang="en-US" altLang="ko-KR" sz="1400" dirty="0" smtClean="0">
+                <a:solidFill>
+                  <a:schemeClr val="tx1"/>
+                </a:solidFill>
+                <a:latin typeface="Courier New" pitchFamily="49" charset="0"/>
+                <a:cs typeface="Courier New" pitchFamily="49" charset="0"/>
+              </a:rPr>
+              <a:t>sue = Person('Sue Jones', job='dev', pay=100000)</a:t>
+            </a:r>
+          </a:p>
+          <a:p>
+            <a:r>
               <a:rPr lang="en-US" altLang="ko-KR" sz="1400" b="1" dirty="0" smtClean="0">
                 <a:solidFill>
                   <a:schemeClr val="tx1"/>
@@ -15563,357 +15498,8 @@
                 <a:latin typeface="Courier New" pitchFamily="49" charset="0"/>
                 <a:cs typeface="Courier New" pitchFamily="49" charset="0"/>
               </a:rPr>
-              <a:t>    </a:t>
-            </a:r>
-            <a:r>
-              <a:rPr lang="en-US" altLang="ko-KR" sz="1400" dirty="0" smtClean="0">
-                <a:solidFill>
-                  <a:schemeClr val="tx1"/>
-                </a:solidFill>
-                <a:latin typeface="Courier New" pitchFamily="49" charset="0"/>
-                <a:cs typeface="Courier New" pitchFamily="49" charset="0"/>
-              </a:rPr>
-              <a:t>def </a:t>
-            </a:r>
-            <a:r>
-              <a:rPr lang="en-US" altLang="ko-KR" sz="1400" dirty="0" err="1" smtClean="0">
-                <a:solidFill>
-                  <a:schemeClr val="tx1"/>
-                </a:solidFill>
-                <a:latin typeface="Courier New" pitchFamily="49" charset="0"/>
-                <a:cs typeface="Courier New" pitchFamily="49" charset="0"/>
-              </a:rPr>
-              <a:t>lastName</a:t>
-            </a:r>
-            <a:r>
-              <a:rPr lang="en-US" altLang="ko-KR" sz="1400" dirty="0" smtClean="0">
-                <a:solidFill>
-                  <a:schemeClr val="tx1"/>
-                </a:solidFill>
-                <a:latin typeface="Courier New" pitchFamily="49" charset="0"/>
-                <a:cs typeface="Courier New" pitchFamily="49" charset="0"/>
-              </a:rPr>
-              <a:t>(self):</a:t>
-            </a:r>
-          </a:p>
-          <a:p>
-            <a:r>
-              <a:rPr lang="en-US" altLang="ko-KR" sz="1400" dirty="0" smtClean="0">
-                <a:solidFill>
-                  <a:schemeClr val="tx1"/>
-                </a:solidFill>
-                <a:latin typeface="Courier New" pitchFamily="49" charset="0"/>
-                <a:cs typeface="Courier New" pitchFamily="49" charset="0"/>
-              </a:rPr>
-              <a:t> </a:t>
-            </a:r>
-            <a:r>
-              <a:rPr lang="en-US" altLang="ko-KR" sz="1400" dirty="0" smtClean="0">
-                <a:solidFill>
-                  <a:schemeClr val="tx1"/>
-                </a:solidFill>
-                <a:latin typeface="Courier New" pitchFamily="49" charset="0"/>
-                <a:cs typeface="Courier New" pitchFamily="49" charset="0"/>
-              </a:rPr>
-              <a:t>       return </a:t>
-            </a:r>
-            <a:r>
-              <a:rPr lang="en-US" altLang="ko-KR" sz="1400" dirty="0" err="1" smtClean="0">
-                <a:solidFill>
-                  <a:schemeClr val="tx1"/>
-                </a:solidFill>
-                <a:latin typeface="Courier New" pitchFamily="49" charset="0"/>
-                <a:cs typeface="Courier New" pitchFamily="49" charset="0"/>
-              </a:rPr>
-              <a:t>self.name.split</a:t>
-            </a:r>
-            <a:r>
-              <a:rPr lang="en-US" altLang="ko-KR" sz="1400" dirty="0" smtClean="0">
-                <a:solidFill>
-                  <a:schemeClr val="tx1"/>
-                </a:solidFill>
-                <a:latin typeface="Courier New" pitchFamily="49" charset="0"/>
-                <a:cs typeface="Courier New" pitchFamily="49" charset="0"/>
-              </a:rPr>
-              <a:t>()[-1]</a:t>
-            </a:r>
-          </a:p>
-          <a:p>
-            <a:r>
-              <a:rPr lang="en-US" altLang="ko-KR" sz="1400" dirty="0" smtClean="0">
-                <a:solidFill>
-                  <a:schemeClr val="tx1"/>
-                </a:solidFill>
-                <a:latin typeface="Courier New" pitchFamily="49" charset="0"/>
-                <a:cs typeface="Courier New" pitchFamily="49" charset="0"/>
-              </a:rPr>
-              <a:t> </a:t>
-            </a:r>
-            <a:r>
-              <a:rPr lang="en-US" altLang="ko-KR" sz="1400" dirty="0" smtClean="0">
-                <a:solidFill>
-                  <a:schemeClr val="tx1"/>
-                </a:solidFill>
-                <a:latin typeface="Courier New" pitchFamily="49" charset="0"/>
-                <a:cs typeface="Courier New" pitchFamily="49" charset="0"/>
-              </a:rPr>
-              <a:t>   def </a:t>
-            </a:r>
-            <a:r>
-              <a:rPr lang="en-US" altLang="ko-KR" sz="1400" dirty="0" err="1" smtClean="0">
-                <a:solidFill>
-                  <a:schemeClr val="tx1"/>
-                </a:solidFill>
-                <a:latin typeface="Courier New" pitchFamily="49" charset="0"/>
-                <a:cs typeface="Courier New" pitchFamily="49" charset="0"/>
-              </a:rPr>
-              <a:t>giveRaise</a:t>
-            </a:r>
-            <a:r>
-              <a:rPr lang="en-US" altLang="ko-KR" sz="1400" dirty="0" smtClean="0">
-                <a:solidFill>
-                  <a:schemeClr val="tx1"/>
-                </a:solidFill>
-                <a:latin typeface="Courier New" pitchFamily="49" charset="0"/>
-                <a:cs typeface="Courier New" pitchFamily="49" charset="0"/>
-              </a:rPr>
-              <a:t>(self, percent):</a:t>
-            </a:r>
-          </a:p>
-          <a:p>
-            <a:r>
-              <a:rPr lang="en-US" altLang="ko-KR" sz="1400" dirty="0" smtClean="0">
-                <a:solidFill>
-                  <a:schemeClr val="tx1"/>
-                </a:solidFill>
-                <a:latin typeface="Courier New" pitchFamily="49" charset="0"/>
-                <a:cs typeface="Courier New" pitchFamily="49" charset="0"/>
-              </a:rPr>
-              <a:t> </a:t>
-            </a:r>
-            <a:r>
-              <a:rPr lang="en-US" altLang="ko-KR" sz="1400" dirty="0" smtClean="0">
-                <a:solidFill>
-                  <a:schemeClr val="tx1"/>
-                </a:solidFill>
-                <a:latin typeface="Courier New" pitchFamily="49" charset="0"/>
-                <a:cs typeface="Courier New" pitchFamily="49" charset="0"/>
-              </a:rPr>
-              <a:t>       </a:t>
-            </a:r>
-            <a:r>
-              <a:rPr lang="en-US" altLang="ko-KR" sz="1400" dirty="0" err="1" smtClean="0">
-                <a:solidFill>
-                  <a:schemeClr val="tx1"/>
-                </a:solidFill>
-                <a:latin typeface="Courier New" pitchFamily="49" charset="0"/>
-                <a:cs typeface="Courier New" pitchFamily="49" charset="0"/>
-              </a:rPr>
-              <a:t>self.pay</a:t>
-            </a:r>
-            <a:r>
-              <a:rPr lang="en-US" altLang="ko-KR" sz="1400" dirty="0" smtClean="0">
-                <a:solidFill>
-                  <a:schemeClr val="tx1"/>
-                </a:solidFill>
-                <a:latin typeface="Courier New" pitchFamily="49" charset="0"/>
-                <a:cs typeface="Courier New" pitchFamily="49" charset="0"/>
-              </a:rPr>
-              <a:t> = </a:t>
-            </a:r>
-            <a:r>
-              <a:rPr lang="en-US" altLang="ko-KR" sz="1400" dirty="0" err="1" smtClean="0">
-                <a:solidFill>
-                  <a:schemeClr val="tx1"/>
-                </a:solidFill>
-                <a:latin typeface="Courier New" pitchFamily="49" charset="0"/>
-                <a:cs typeface="Courier New" pitchFamily="49" charset="0"/>
-              </a:rPr>
-              <a:t>int</a:t>
-            </a:r>
-            <a:r>
-              <a:rPr lang="en-US" altLang="ko-KR" sz="1400" dirty="0" smtClean="0">
-                <a:solidFill>
-                  <a:schemeClr val="tx1"/>
-                </a:solidFill>
-                <a:latin typeface="Courier New" pitchFamily="49" charset="0"/>
-                <a:cs typeface="Courier New" pitchFamily="49" charset="0"/>
-              </a:rPr>
-              <a:t>(</a:t>
-            </a:r>
-            <a:r>
-              <a:rPr lang="en-US" altLang="ko-KR" sz="1400" dirty="0" err="1" smtClean="0">
-                <a:solidFill>
-                  <a:schemeClr val="tx1"/>
-                </a:solidFill>
-                <a:latin typeface="Courier New" pitchFamily="49" charset="0"/>
-                <a:cs typeface="Courier New" pitchFamily="49" charset="0"/>
-              </a:rPr>
-              <a:t>self.pay</a:t>
-            </a:r>
-            <a:r>
-              <a:rPr lang="en-US" altLang="ko-KR" sz="1400" dirty="0" smtClean="0">
-                <a:solidFill>
-                  <a:schemeClr val="tx1"/>
-                </a:solidFill>
-                <a:latin typeface="Courier New" pitchFamily="49" charset="0"/>
-                <a:cs typeface="Courier New" pitchFamily="49" charset="0"/>
-              </a:rPr>
-              <a:t> * (1+percent))</a:t>
-            </a:r>
-          </a:p>
-          <a:p>
-            <a:r>
-              <a:rPr lang="en-US" altLang="ko-KR" sz="1400" b="1" dirty="0" smtClean="0">
-                <a:solidFill>
-                  <a:schemeClr val="tx1"/>
-                </a:solidFill>
-                <a:latin typeface="Courier New" pitchFamily="49" charset="0"/>
-                <a:cs typeface="Courier New" pitchFamily="49" charset="0"/>
-              </a:rPr>
-              <a:t> </a:t>
-            </a:r>
-            <a:r>
-              <a:rPr lang="en-US" altLang="ko-KR" sz="1400" b="1" dirty="0" smtClean="0">
-                <a:solidFill>
-                  <a:schemeClr val="tx1"/>
-                </a:solidFill>
-                <a:latin typeface="Courier New" pitchFamily="49" charset="0"/>
-                <a:cs typeface="Courier New" pitchFamily="49" charset="0"/>
-              </a:rPr>
-              <a:t>   def __</a:t>
-            </a:r>
-            <a:r>
-              <a:rPr lang="en-US" altLang="ko-KR" sz="1400" b="1" dirty="0" err="1" smtClean="0">
-                <a:solidFill>
-                  <a:schemeClr val="tx1"/>
-                </a:solidFill>
-                <a:latin typeface="Courier New" pitchFamily="49" charset="0"/>
-                <a:cs typeface="Courier New" pitchFamily="49" charset="0"/>
-              </a:rPr>
-              <a:t>repr</a:t>
-            </a:r>
-            <a:r>
-              <a:rPr lang="en-US" altLang="ko-KR" sz="1400" b="1" dirty="0" smtClean="0">
-                <a:solidFill>
-                  <a:schemeClr val="tx1"/>
-                </a:solidFill>
-                <a:latin typeface="Courier New" pitchFamily="49" charset="0"/>
-                <a:cs typeface="Courier New" pitchFamily="49" charset="0"/>
-              </a:rPr>
-              <a:t>__(self):</a:t>
-            </a:r>
-          </a:p>
-          <a:p>
-            <a:r>
-              <a:rPr lang="en-US" altLang="ko-KR" sz="1400" b="1" dirty="0" smtClean="0">
-                <a:solidFill>
-                  <a:schemeClr val="tx1"/>
-                </a:solidFill>
-                <a:latin typeface="Courier New" pitchFamily="49" charset="0"/>
-                <a:cs typeface="Courier New" pitchFamily="49" charset="0"/>
-              </a:rPr>
-              <a:t> </a:t>
-            </a:r>
-            <a:r>
-              <a:rPr lang="en-US" altLang="ko-KR" sz="1400" b="1" dirty="0" smtClean="0">
-                <a:solidFill>
-                  <a:schemeClr val="tx1"/>
-                </a:solidFill>
-                <a:latin typeface="Courier New" pitchFamily="49" charset="0"/>
-                <a:cs typeface="Courier New" pitchFamily="49" charset="0"/>
-              </a:rPr>
-              <a:t>       return ‘[Person: %s, %s]’ % (self.name, </a:t>
-            </a:r>
-            <a:r>
-              <a:rPr lang="en-US" altLang="ko-KR" sz="1400" b="1" dirty="0" err="1" smtClean="0">
-                <a:solidFill>
-                  <a:schemeClr val="tx1"/>
-                </a:solidFill>
-                <a:latin typeface="Courier New" pitchFamily="49" charset="0"/>
-                <a:cs typeface="Courier New" pitchFamily="49" charset="0"/>
-              </a:rPr>
-              <a:t>self.pay</a:t>
-            </a:r>
-            <a:r>
-              <a:rPr lang="en-US" altLang="ko-KR" sz="1400" b="1" dirty="0" smtClean="0">
-                <a:solidFill>
-                  <a:schemeClr val="tx1"/>
-                </a:solidFill>
-                <a:latin typeface="Courier New" pitchFamily="49" charset="0"/>
-                <a:cs typeface="Courier New" pitchFamily="49" charset="0"/>
-              </a:rPr>
-              <a:t>)</a:t>
-            </a:r>
-            <a:endParaRPr lang="en-US" altLang="ko-KR" sz="1400" b="1" dirty="0" smtClean="0">
-              <a:solidFill>
-                <a:schemeClr val="tx1"/>
-              </a:solidFill>
-              <a:latin typeface="Courier New" pitchFamily="49" charset="0"/>
-              <a:cs typeface="Courier New" pitchFamily="49" charset="0"/>
-            </a:endParaRPr>
-          </a:p>
-          <a:p>
-            <a:endParaRPr lang="en-US" altLang="ko-KR" sz="1400" dirty="0" smtClean="0">
-              <a:solidFill>
-                <a:schemeClr val="tx1"/>
-              </a:solidFill>
-              <a:latin typeface="Courier New" pitchFamily="49" charset="0"/>
-              <a:cs typeface="Courier New" pitchFamily="49" charset="0"/>
-            </a:endParaRPr>
-          </a:p>
-          <a:p>
-            <a:r>
-              <a:rPr lang="en-US" altLang="ko-KR" sz="1400" dirty="0" smtClean="0">
-                <a:solidFill>
-                  <a:schemeClr val="tx1"/>
-                </a:solidFill>
-                <a:latin typeface="Courier New" pitchFamily="49" charset="0"/>
-                <a:cs typeface="Courier New" pitchFamily="49" charset="0"/>
-              </a:rPr>
-              <a:t>bob = Person('Bob Smith')</a:t>
-            </a:r>
-          </a:p>
-          <a:p>
-            <a:r>
-              <a:rPr lang="en-US" altLang="ko-KR" sz="1400" dirty="0" smtClean="0">
-                <a:solidFill>
-                  <a:schemeClr val="tx1"/>
-                </a:solidFill>
-                <a:latin typeface="Courier New" pitchFamily="49" charset="0"/>
-                <a:cs typeface="Courier New" pitchFamily="49" charset="0"/>
-              </a:rPr>
-              <a:t>sue </a:t>
-            </a:r>
-            <a:r>
-              <a:rPr lang="en-US" altLang="ko-KR" sz="1400" dirty="0" smtClean="0">
-                <a:solidFill>
-                  <a:schemeClr val="tx1"/>
-                </a:solidFill>
-                <a:latin typeface="Courier New" pitchFamily="49" charset="0"/>
-                <a:cs typeface="Courier New" pitchFamily="49" charset="0"/>
-              </a:rPr>
-              <a:t>= Person('Sue Jones', job='dev', pay=100000)</a:t>
-            </a:r>
-          </a:p>
-          <a:p>
-            <a:r>
-              <a:rPr lang="en-US" altLang="ko-KR" sz="1400" b="1" dirty="0" smtClean="0">
-                <a:solidFill>
-                  <a:schemeClr val="tx1"/>
-                </a:solidFill>
-                <a:latin typeface="Courier New" pitchFamily="49" charset="0"/>
-                <a:cs typeface="Courier New" pitchFamily="49" charset="0"/>
-              </a:rPr>
               <a:t>print(bob)</a:t>
             </a:r>
-            <a:endParaRPr lang="en-US" altLang="ko-KR" sz="1400" b="1" dirty="0" smtClean="0">
-              <a:solidFill>
-                <a:schemeClr val="tx1"/>
-              </a:solidFill>
-              <a:latin typeface="Courier New" pitchFamily="49" charset="0"/>
-              <a:cs typeface="Courier New" pitchFamily="49" charset="0"/>
-            </a:endParaRPr>
           </a:p>
           <a:p>
             <a:r>
@@ -15929,16 +15515,6 @@
               </a:rPr>
               <a:t>[Person: Bob Smith, 0] </a:t>
             </a:r>
-            <a:endParaRPr lang="en-US" altLang="ko-KR" sz="1400" dirty="0" smtClean="0">
-              <a:solidFill>
-                <a:schemeClr val="tx2">
-                  <a:lumMod val="50000"/>
-                  <a:lumOff val="50000"/>
-                </a:schemeClr>
-              </a:solidFill>
-              <a:latin typeface="Courier New" pitchFamily="49" charset="0"/>
-              <a:cs typeface="Courier New" pitchFamily="49" charset="0"/>
-            </a:endParaRPr>
           </a:p>
           <a:p>
             <a:r>
@@ -15951,13 +15527,6 @@
               </a:rPr>
               <a:t>print(sue)</a:t>
             </a:r>
-            <a:endParaRPr lang="en-US" altLang="ko-KR" sz="1400" b="1" dirty="0" smtClean="0">
-              <a:solidFill>
-                <a:schemeClr val="tx1"/>
-              </a:solidFill>
-              <a:latin typeface="Courier New" pitchFamily="49" charset="0"/>
-              <a:cs typeface="Courier New" pitchFamily="49" charset="0"/>
-            </a:endParaRPr>
           </a:p>
           <a:p>
             <a:r>
@@ -15973,16 +15542,6 @@
               </a:rPr>
               <a:t>[Person: Sue Jones, 100000] </a:t>
             </a:r>
-            <a:endParaRPr lang="en-US" altLang="ko-KR" sz="1400" dirty="0" smtClean="0">
-              <a:solidFill>
-                <a:schemeClr val="tx2">
-                  <a:lumMod val="50000"/>
-                  <a:lumOff val="50000"/>
-                </a:schemeClr>
-              </a:solidFill>
-              <a:latin typeface="Courier New" pitchFamily="49" charset="0"/>
-              <a:cs typeface="Courier New" pitchFamily="49" charset="0"/>
-            </a:endParaRPr>
           </a:p>
           <a:p>
             <a:r>
@@ -16097,20 +15656,7 @@
                 <a:latin typeface="Courier New" pitchFamily="49" charset="0"/>
                 <a:cs typeface="Courier New" pitchFamily="49" charset="0"/>
               </a:rPr>
-              <a:t>[Person: Sue Jones, 110000</a:t>
-            </a:r>
-            <a:r>
-              <a:rPr lang="en-US" altLang="ko-KR" sz="1400" dirty="0" smtClean="0">
-                <a:solidFill>
-                  <a:schemeClr val="tx2">
-                    <a:lumMod val="50000"/>
-                    <a:lumOff val="50000"/>
-                  </a:schemeClr>
-                </a:solidFill>
-                <a:latin typeface="Courier New" pitchFamily="49" charset="0"/>
-                <a:cs typeface="Courier New" pitchFamily="49" charset="0"/>
-              </a:rPr>
-              <a:t>]</a:t>
+              <a:t>[Person: Sue Jones, 110000]</a:t>
             </a:r>
             <a:endParaRPr lang="ko-KR" altLang="en-US" sz="1400" dirty="0">
               <a:solidFill>
@@ -16242,21 +15788,8 @@
                 <a:ea typeface="+mn-ea"/>
                 <a:cs typeface="Tahoma" pitchFamily="34" charset="0"/>
               </a:rPr>
-              <a:t>객체의 상</a:t>
-            </a:r>
-            <a:r>
-              <a:rPr lang="ko-KR" altLang="en-US" sz="1600" dirty="0" smtClean="0">
-                <a:latin typeface="Calibri" pitchFamily="34" charset="0"/>
-                <a:ea typeface="+mn-ea"/>
-                <a:cs typeface="Tahoma" pitchFamily="34" charset="0"/>
-              </a:rPr>
-              <a:t>속</a:t>
-            </a:r>
-            <a:endParaRPr lang="ko-KR" altLang="en-US" sz="1600" dirty="0" smtClean="0">
-              <a:latin typeface="Calibri" pitchFamily="34" charset="0"/>
-              <a:ea typeface="+mn-ea"/>
-              <a:cs typeface="Tahoma" pitchFamily="34" charset="0"/>
-            </a:endParaRPr>
+              <a:t>객체의 상속</a:t>
+            </a:r>
           </a:p>
         </p:txBody>
       </p:sp>
@@ -16408,9 +15941,147 @@
                 <a:latin typeface="Courier New" pitchFamily="49" charset="0"/>
                 <a:cs typeface="Courier New" pitchFamily="49" charset="0"/>
               </a:rPr>
+              <a:t> = pay</a:t>
+            </a:r>
+          </a:p>
+          <a:p>
+            <a:r>
+              <a:rPr lang="en-US" altLang="ko-KR" sz="1400" dirty="0" smtClean="0">
+                <a:solidFill>
+                  <a:schemeClr val="tx1"/>
+                </a:solidFill>
+                <a:latin typeface="Courier New" pitchFamily="49" charset="0"/>
+                <a:cs typeface="Courier New" pitchFamily="49" charset="0"/>
+              </a:rPr>
+              <a:t>    def </a:t>
+            </a:r>
+            <a:r>
+              <a:rPr lang="en-US" altLang="ko-KR" sz="1400" dirty="0" err="1" smtClean="0">
+                <a:solidFill>
+                  <a:schemeClr val="tx1"/>
+                </a:solidFill>
+                <a:latin typeface="Courier New" pitchFamily="49" charset="0"/>
+                <a:cs typeface="Courier New" pitchFamily="49" charset="0"/>
+              </a:rPr>
+              <a:t>lastName</a:t>
+            </a:r>
+            <a:r>
+              <a:rPr lang="en-US" altLang="ko-KR" sz="1400" dirty="0" smtClean="0">
+                <a:solidFill>
+                  <a:schemeClr val="tx1"/>
+                </a:solidFill>
+                <a:latin typeface="Courier New" pitchFamily="49" charset="0"/>
+                <a:cs typeface="Courier New" pitchFamily="49" charset="0"/>
+              </a:rPr>
+              <a:t>(self):</a:t>
+            </a:r>
+          </a:p>
+          <a:p>
+            <a:r>
+              <a:rPr lang="en-US" altLang="ko-KR" sz="1400" dirty="0" smtClean="0">
+                <a:solidFill>
+                  <a:schemeClr val="tx1"/>
+                </a:solidFill>
+                <a:latin typeface="Courier New" pitchFamily="49" charset="0"/>
+                <a:cs typeface="Courier New" pitchFamily="49" charset="0"/>
+              </a:rPr>
+              <a:t>        return </a:t>
+            </a:r>
+            <a:r>
+              <a:rPr lang="en-US" altLang="ko-KR" sz="1400" dirty="0" err="1" smtClean="0">
+                <a:solidFill>
+                  <a:schemeClr val="tx1"/>
+                </a:solidFill>
+                <a:latin typeface="Courier New" pitchFamily="49" charset="0"/>
+                <a:cs typeface="Courier New" pitchFamily="49" charset="0"/>
+              </a:rPr>
+              <a:t>self.name.split</a:t>
+            </a:r>
+            <a:r>
+              <a:rPr lang="en-US" altLang="ko-KR" sz="1400" dirty="0" smtClean="0">
+                <a:solidFill>
+                  <a:schemeClr val="tx1"/>
+                </a:solidFill>
+                <a:latin typeface="Courier New" pitchFamily="49" charset="0"/>
+                <a:cs typeface="Courier New" pitchFamily="49" charset="0"/>
+              </a:rPr>
+              <a:t>()[-1]</a:t>
+            </a:r>
+          </a:p>
+          <a:p>
+            <a:r>
+              <a:rPr lang="en-US" altLang="ko-KR" sz="1400" dirty="0" smtClean="0">
+                <a:solidFill>
+                  <a:schemeClr val="tx1"/>
+                </a:solidFill>
+                <a:latin typeface="Courier New" pitchFamily="49" charset="0"/>
+                <a:cs typeface="Courier New" pitchFamily="49" charset="0"/>
+              </a:rPr>
+              <a:t>    def </a:t>
+            </a:r>
+            <a:r>
+              <a:rPr lang="en-US" altLang="ko-KR" sz="1400" dirty="0" err="1" smtClean="0">
+                <a:solidFill>
+                  <a:schemeClr val="tx1"/>
+                </a:solidFill>
+                <a:latin typeface="Courier New" pitchFamily="49" charset="0"/>
+                <a:cs typeface="Courier New" pitchFamily="49" charset="0"/>
+              </a:rPr>
+              <a:t>giveRaise</a:t>
+            </a:r>
+            <a:r>
+              <a:rPr lang="en-US" altLang="ko-KR" sz="1400" dirty="0" smtClean="0">
+                <a:solidFill>
+                  <a:schemeClr val="tx1"/>
+                </a:solidFill>
+                <a:latin typeface="Courier New" pitchFamily="49" charset="0"/>
+                <a:cs typeface="Courier New" pitchFamily="49" charset="0"/>
+              </a:rPr>
+              <a:t>(self, percent):</a:t>
+            </a:r>
+          </a:p>
+          <a:p>
+            <a:r>
+              <a:rPr lang="en-US" altLang="ko-KR" sz="1400" dirty="0" smtClean="0">
+                <a:solidFill>
+                  <a:schemeClr val="tx1"/>
+                </a:solidFill>
+                <a:latin typeface="Courier New" pitchFamily="49" charset="0"/>
+                <a:cs typeface="Courier New" pitchFamily="49" charset="0"/>
+              </a:rPr>
+              <a:t>        </a:t>
+            </a:r>
+            <a:r>
+              <a:rPr lang="en-US" altLang="ko-KR" sz="1400" dirty="0" err="1" smtClean="0">
+                <a:solidFill>
+                  <a:schemeClr val="tx1"/>
+                </a:solidFill>
+                <a:latin typeface="Courier New" pitchFamily="49" charset="0"/>
+                <a:cs typeface="Courier New" pitchFamily="49" charset="0"/>
+              </a:rPr>
+              <a:t>self.pay</a:t>
+            </a:r>
+            <a:r>
+              <a:rPr lang="en-US" altLang="ko-KR" sz="1400" dirty="0" smtClean="0">
+                <a:solidFill>
+                  <a:schemeClr val="tx1"/>
+                </a:solidFill>
+                <a:latin typeface="Courier New" pitchFamily="49" charset="0"/>
+                <a:cs typeface="Courier New" pitchFamily="49" charset="0"/>
+              </a:rPr>
               <a:t> = </a:t>
             </a:r>
             <a:r>
+              <a:rPr lang="en-US" altLang="ko-KR" sz="1400" dirty="0" err="1" smtClean="0">
+                <a:solidFill>
+                  <a:schemeClr val="tx1"/>
+                </a:solidFill>
+                <a:latin typeface="Courier New" pitchFamily="49" charset="0"/>
+                <a:cs typeface="Courier New" pitchFamily="49" charset="0"/>
+              </a:rPr>
+              <a:t>int</a:t>
+            </a:r>
+            <a:r>
               <a:rPr lang="en-US" altLang="ko-KR" sz="1400" dirty="0" smtClean="0">
                 <a:solidFill>
                   <a:schemeClr val="tx1"/>
@@ -16418,8 +16089,94 @@
                 <a:latin typeface="Courier New" pitchFamily="49" charset="0"/>
                 <a:cs typeface="Courier New" pitchFamily="49" charset="0"/>
               </a:rPr>
-              <a:t>pay</a:t>
-            </a:r>
+              <a:t>(</a:t>
+            </a:r>
+            <a:r>
+              <a:rPr lang="en-US" altLang="ko-KR" sz="1400" dirty="0" err="1" smtClean="0">
+                <a:solidFill>
+                  <a:schemeClr val="tx1"/>
+                </a:solidFill>
+                <a:latin typeface="Courier New" pitchFamily="49" charset="0"/>
+                <a:cs typeface="Courier New" pitchFamily="49" charset="0"/>
+              </a:rPr>
+              <a:t>self.pay</a:t>
+            </a:r>
+            <a:r>
+              <a:rPr lang="en-US" altLang="ko-KR" sz="1400" dirty="0" smtClean="0">
+                <a:solidFill>
+                  <a:schemeClr val="tx1"/>
+                </a:solidFill>
+                <a:latin typeface="Courier New" pitchFamily="49" charset="0"/>
+                <a:cs typeface="Courier New" pitchFamily="49" charset="0"/>
+              </a:rPr>
+              <a:t> * (1+percent))</a:t>
+            </a:r>
+          </a:p>
+          <a:p>
+            <a:r>
+              <a:rPr lang="en-US" altLang="ko-KR" sz="1400" dirty="0" smtClean="0">
+                <a:solidFill>
+                  <a:schemeClr val="tx1"/>
+                </a:solidFill>
+                <a:latin typeface="Courier New" pitchFamily="49" charset="0"/>
+                <a:cs typeface="Courier New" pitchFamily="49" charset="0"/>
+              </a:rPr>
+              <a:t>    def __</a:t>
+            </a:r>
+            <a:r>
+              <a:rPr lang="en-US" altLang="ko-KR" sz="1400" dirty="0" err="1" smtClean="0">
+                <a:solidFill>
+                  <a:schemeClr val="tx1"/>
+                </a:solidFill>
+                <a:latin typeface="Courier New" pitchFamily="49" charset="0"/>
+                <a:cs typeface="Courier New" pitchFamily="49" charset="0"/>
+              </a:rPr>
+              <a:t>repr</a:t>
+            </a:r>
+            <a:r>
+              <a:rPr lang="en-US" altLang="ko-KR" sz="1400" dirty="0" smtClean="0">
+                <a:solidFill>
+                  <a:schemeClr val="tx1"/>
+                </a:solidFill>
+                <a:latin typeface="Courier New" pitchFamily="49" charset="0"/>
+                <a:cs typeface="Courier New" pitchFamily="49" charset="0"/>
+              </a:rPr>
+              <a:t>__(self):</a:t>
+            </a:r>
+          </a:p>
+          <a:p>
+            <a:r>
+              <a:rPr lang="en-US" altLang="ko-KR" sz="1400" dirty="0" smtClean="0">
+                <a:solidFill>
+                  <a:schemeClr val="tx1"/>
+                </a:solidFill>
+                <a:latin typeface="Courier New" pitchFamily="49" charset="0"/>
+                <a:cs typeface="Courier New" pitchFamily="49" charset="0"/>
+              </a:rPr>
+              <a:t>        return ‘[Person: %s, %s]’ % (self.name, </a:t>
+            </a:r>
+            <a:r>
+              <a:rPr lang="en-US" altLang="ko-KR" sz="1400" dirty="0" err="1" smtClean="0">
+                <a:solidFill>
+                  <a:schemeClr val="tx1"/>
+                </a:solidFill>
+                <a:latin typeface="Courier New" pitchFamily="49" charset="0"/>
+                <a:cs typeface="Courier New" pitchFamily="49" charset="0"/>
+              </a:rPr>
+              <a:t>self.pay</a:t>
+            </a:r>
+            <a:r>
+              <a:rPr lang="en-US" altLang="ko-KR" sz="1400" dirty="0" smtClean="0">
+                <a:solidFill>
+                  <a:schemeClr val="tx1"/>
+                </a:solidFill>
+                <a:latin typeface="Courier New" pitchFamily="49" charset="0"/>
+                <a:cs typeface="Courier New" pitchFamily="49" charset="0"/>
+              </a:rPr>
+              <a:t>)</a:t>
+            </a:r>
+          </a:p>
+          <a:p>
             <a:endParaRPr lang="en-US" altLang="ko-KR" sz="1400" dirty="0" smtClean="0">
               <a:solidFill>
                 <a:schemeClr val="tx1"/>
@@ -16430,295 +16187,101 @@
           </a:p>
           <a:p>
             <a:r>
-              <a:rPr lang="en-US" altLang="ko-KR" sz="1400" dirty="0" smtClean="0">
+              <a:rPr lang="en-US" altLang="ko-KR" sz="1400" b="1" dirty="0" smtClean="0">
                 <a:solidFill>
                   <a:schemeClr val="tx1"/>
                 </a:solidFill>
                 <a:latin typeface="Courier New" pitchFamily="49" charset="0"/>
                 <a:cs typeface="Courier New" pitchFamily="49" charset="0"/>
               </a:rPr>
-              <a:t>    </a:t>
-            </a:r>
-            <a:r>
-              <a:rPr lang="en-US" altLang="ko-KR" sz="1400" dirty="0" smtClean="0">
+              <a:t>class Manager(Person):</a:t>
+            </a:r>
+          </a:p>
+          <a:p>
+            <a:r>
+              <a:rPr lang="en-US" altLang="ko-KR" sz="1400" b="1" dirty="0" smtClean="0">
                 <a:solidFill>
                   <a:schemeClr val="tx1"/>
                 </a:solidFill>
                 <a:latin typeface="Courier New" pitchFamily="49" charset="0"/>
                 <a:cs typeface="Courier New" pitchFamily="49" charset="0"/>
               </a:rPr>
-              <a:t>def </a:t>
-            </a:r>
-            <a:r>
-              <a:rPr lang="en-US" altLang="ko-KR" sz="1400" dirty="0" err="1" smtClean="0">
+              <a:t>    def </a:t>
+            </a:r>
+            <a:r>
+              <a:rPr lang="en-US" altLang="ko-KR" sz="1400" b="1" dirty="0" err="1" smtClean="0">
                 <a:solidFill>
                   <a:schemeClr val="tx1"/>
                 </a:solidFill>
                 <a:latin typeface="Courier New" pitchFamily="49" charset="0"/>
                 <a:cs typeface="Courier New" pitchFamily="49" charset="0"/>
               </a:rPr>
-              <a:t>lastName</a:t>
-            </a:r>
-            <a:r>
-              <a:rPr lang="en-US" altLang="ko-KR" sz="1400" dirty="0" smtClean="0">
+              <a:t>giveRaise</a:t>
+            </a:r>
+            <a:r>
+              <a:rPr lang="en-US" altLang="ko-KR" sz="1400" b="1" dirty="0" smtClean="0">
                 <a:solidFill>
                   <a:schemeClr val="tx1"/>
                 </a:solidFill>
                 <a:latin typeface="Courier New" pitchFamily="49" charset="0"/>
                 <a:cs typeface="Courier New" pitchFamily="49" charset="0"/>
               </a:rPr>
-              <a:t>(self):</a:t>
-            </a:r>
-          </a:p>
-          <a:p>
-            <a:r>
-              <a:rPr lang="en-US" altLang="ko-KR" sz="1400" dirty="0" smtClean="0">
+              <a:t>(self, percent, bonus=.10):</a:t>
+            </a:r>
+          </a:p>
+          <a:p>
+            <a:r>
+              <a:rPr lang="en-US" altLang="ko-KR" sz="1400" b="1" dirty="0" smtClean="0">
                 <a:solidFill>
                   <a:schemeClr val="tx1"/>
                 </a:solidFill>
                 <a:latin typeface="Courier New" pitchFamily="49" charset="0"/>
                 <a:cs typeface="Courier New" pitchFamily="49" charset="0"/>
               </a:rPr>
-              <a:t> </a:t>
-            </a:r>
-            <a:r>
-              <a:rPr lang="en-US" altLang="ko-KR" sz="1400" dirty="0" smtClean="0">
+              <a:t>        </a:t>
+            </a:r>
+            <a:r>
+              <a:rPr lang="en-US" altLang="ko-KR" sz="1400" b="1" dirty="0" err="1" smtClean="0">
                 <a:solidFill>
                   <a:schemeClr val="tx1"/>
                 </a:solidFill>
                 <a:latin typeface="Courier New" pitchFamily="49" charset="0"/>
                 <a:cs typeface="Courier New" pitchFamily="49" charset="0"/>
               </a:rPr>
-              <a:t>       return </a:t>
-            </a:r>
-            <a:r>
-              <a:rPr lang="en-US" altLang="ko-KR" sz="1400" dirty="0" err="1" smtClean="0">
+              <a:t>Person.giveRaise</a:t>
+            </a:r>
+            <a:r>
+              <a:rPr lang="en-US" altLang="ko-KR" sz="1400" b="1" dirty="0" smtClean="0">
                 <a:solidFill>
                   <a:schemeClr val="tx1"/>
                 </a:solidFill>
                 <a:latin typeface="Courier New" pitchFamily="49" charset="0"/>
                 <a:cs typeface="Courier New" pitchFamily="49" charset="0"/>
               </a:rPr>
-              <a:t>self.name.split</a:t>
-            </a:r>
-            <a:r>
-              <a:rPr lang="en-US" altLang="ko-KR" sz="1400" dirty="0" smtClean="0">
+              <a:t>(self, </a:t>
+            </a:r>
+            <a:r>
+              <a:rPr lang="en-US" altLang="ko-KR" sz="1400" b="1" dirty="0" err="1" smtClean="0">
                 <a:solidFill>
                   <a:schemeClr val="tx1"/>
                 </a:solidFill>
                 <a:latin typeface="Courier New" pitchFamily="49" charset="0"/>
                 <a:cs typeface="Courier New" pitchFamily="49" charset="0"/>
               </a:rPr>
-              <a:t>()[-1]</a:t>
-            </a:r>
-          </a:p>
-          <a:p>
-            <a:r>
-              <a:rPr lang="en-US" altLang="ko-KR" sz="1400" dirty="0" smtClean="0">
+              <a:t>percent+bonus</a:t>
+            </a:r>
+            <a:r>
+              <a:rPr lang="en-US" altLang="ko-KR" sz="1400" b="1" dirty="0" smtClean="0">
                 <a:solidFill>
                   <a:schemeClr val="tx1"/>
                 </a:solidFill>
                 <a:latin typeface="Courier New" pitchFamily="49" charset="0"/>
                 <a:cs typeface="Courier New" pitchFamily="49" charset="0"/>
               </a:rPr>
-              <a:t> </a:t>
-            </a:r>
-            <a:r>
-              <a:rPr lang="en-US" altLang="ko-KR" sz="1400" dirty="0" smtClean="0">
-                <a:solidFill>
-                  <a:schemeClr val="tx1"/>
-                </a:solidFill>
-                <a:latin typeface="Courier New" pitchFamily="49" charset="0"/>
-                <a:cs typeface="Courier New" pitchFamily="49" charset="0"/>
-              </a:rPr>
-              <a:t>   def </a:t>
-            </a:r>
-            <a:r>
-              <a:rPr lang="en-US" altLang="ko-KR" sz="1400" dirty="0" err="1" smtClean="0">
-                <a:solidFill>
-                  <a:schemeClr val="tx1"/>
-                </a:solidFill>
-                <a:latin typeface="Courier New" pitchFamily="49" charset="0"/>
-                <a:cs typeface="Courier New" pitchFamily="49" charset="0"/>
-              </a:rPr>
-              <a:t>giveRaise</a:t>
-            </a:r>
-            <a:r>
-              <a:rPr lang="en-US" altLang="ko-KR" sz="1400" dirty="0" smtClean="0">
-                <a:solidFill>
-                  <a:schemeClr val="tx1"/>
-                </a:solidFill>
-                <a:latin typeface="Courier New" pitchFamily="49" charset="0"/>
-                <a:cs typeface="Courier New" pitchFamily="49" charset="0"/>
-              </a:rPr>
-              <a:t>(self, percent):</a:t>
-            </a:r>
-          </a:p>
-          <a:p>
-            <a:r>
-              <a:rPr lang="en-US" altLang="ko-KR" sz="1400" dirty="0" smtClean="0">
-                <a:solidFill>
-                  <a:schemeClr val="tx1"/>
-                </a:solidFill>
-                <a:latin typeface="Courier New" pitchFamily="49" charset="0"/>
-                <a:cs typeface="Courier New" pitchFamily="49" charset="0"/>
-              </a:rPr>
-              <a:t> </a:t>
-            </a:r>
-            <a:r>
-              <a:rPr lang="en-US" altLang="ko-KR" sz="1400" dirty="0" smtClean="0">
-                <a:solidFill>
-                  <a:schemeClr val="tx1"/>
-                </a:solidFill>
-                <a:latin typeface="Courier New" pitchFamily="49" charset="0"/>
-                <a:cs typeface="Courier New" pitchFamily="49" charset="0"/>
-              </a:rPr>
-              <a:t>       </a:t>
-            </a:r>
-            <a:r>
-              <a:rPr lang="en-US" altLang="ko-KR" sz="1400" dirty="0" err="1" smtClean="0">
-                <a:solidFill>
-                  <a:schemeClr val="tx1"/>
-                </a:solidFill>
-                <a:latin typeface="Courier New" pitchFamily="49" charset="0"/>
-                <a:cs typeface="Courier New" pitchFamily="49" charset="0"/>
-              </a:rPr>
-              <a:t>self.pay</a:t>
-            </a:r>
-            <a:r>
-              <a:rPr lang="en-US" altLang="ko-KR" sz="1400" dirty="0" smtClean="0">
-                <a:solidFill>
-                  <a:schemeClr val="tx1"/>
-                </a:solidFill>
-                <a:latin typeface="Courier New" pitchFamily="49" charset="0"/>
-                <a:cs typeface="Courier New" pitchFamily="49" charset="0"/>
-              </a:rPr>
-              <a:t> = </a:t>
-            </a:r>
-            <a:r>
-              <a:rPr lang="en-US" altLang="ko-KR" sz="1400" dirty="0" err="1" smtClean="0">
-                <a:solidFill>
-                  <a:schemeClr val="tx1"/>
-                </a:solidFill>
-                <a:latin typeface="Courier New" pitchFamily="49" charset="0"/>
-                <a:cs typeface="Courier New" pitchFamily="49" charset="0"/>
-              </a:rPr>
-              <a:t>int</a:t>
-            </a:r>
-            <a:r>
-              <a:rPr lang="en-US" altLang="ko-KR" sz="1400" dirty="0" smtClean="0">
-                <a:solidFill>
-                  <a:schemeClr val="tx1"/>
-                </a:solidFill>
-                <a:latin typeface="Courier New" pitchFamily="49" charset="0"/>
-                <a:cs typeface="Courier New" pitchFamily="49" charset="0"/>
-              </a:rPr>
-              <a:t>(</a:t>
-            </a:r>
-            <a:r>
-              <a:rPr lang="en-US" altLang="ko-KR" sz="1400" dirty="0" err="1" smtClean="0">
-                <a:solidFill>
-                  <a:schemeClr val="tx1"/>
-                </a:solidFill>
-                <a:latin typeface="Courier New" pitchFamily="49" charset="0"/>
-                <a:cs typeface="Courier New" pitchFamily="49" charset="0"/>
-              </a:rPr>
-              <a:t>self.pay</a:t>
-            </a:r>
-            <a:r>
-              <a:rPr lang="en-US" altLang="ko-KR" sz="1400" dirty="0" smtClean="0">
-                <a:solidFill>
-                  <a:schemeClr val="tx1"/>
-                </a:solidFill>
-                <a:latin typeface="Courier New" pitchFamily="49" charset="0"/>
-                <a:cs typeface="Courier New" pitchFamily="49" charset="0"/>
-              </a:rPr>
-              <a:t> * (1+percent))</a:t>
-            </a:r>
-          </a:p>
-          <a:p>
-            <a:r>
-              <a:rPr lang="en-US" altLang="ko-KR" sz="1400" dirty="0" smtClean="0">
-                <a:solidFill>
-                  <a:schemeClr val="tx1"/>
-                </a:solidFill>
-                <a:latin typeface="Courier New" pitchFamily="49" charset="0"/>
-                <a:cs typeface="Courier New" pitchFamily="49" charset="0"/>
-              </a:rPr>
-              <a:t> </a:t>
-            </a:r>
-            <a:r>
-              <a:rPr lang="en-US" altLang="ko-KR" sz="1400" dirty="0" smtClean="0">
-                <a:solidFill>
-                  <a:schemeClr val="tx1"/>
-                </a:solidFill>
-                <a:latin typeface="Courier New" pitchFamily="49" charset="0"/>
-                <a:cs typeface="Courier New" pitchFamily="49" charset="0"/>
-              </a:rPr>
-              <a:t>   def __</a:t>
-            </a:r>
-            <a:r>
-              <a:rPr lang="en-US" altLang="ko-KR" sz="1400" dirty="0" err="1" smtClean="0">
-                <a:solidFill>
-                  <a:schemeClr val="tx1"/>
-                </a:solidFill>
-                <a:latin typeface="Courier New" pitchFamily="49" charset="0"/>
-                <a:cs typeface="Courier New" pitchFamily="49" charset="0"/>
-              </a:rPr>
-              <a:t>repr</a:t>
-            </a:r>
-            <a:r>
-              <a:rPr lang="en-US" altLang="ko-KR" sz="1400" dirty="0" smtClean="0">
-                <a:solidFill>
-                  <a:schemeClr val="tx1"/>
-                </a:solidFill>
-                <a:latin typeface="Courier New" pitchFamily="49" charset="0"/>
-                <a:cs typeface="Courier New" pitchFamily="49" charset="0"/>
-              </a:rPr>
-              <a:t>__(self):</a:t>
-            </a:r>
-          </a:p>
-          <a:p>
-            <a:r>
-              <a:rPr lang="en-US" altLang="ko-KR" sz="1400" dirty="0" smtClean="0">
-                <a:solidFill>
-                  <a:schemeClr val="tx1"/>
-                </a:solidFill>
-                <a:latin typeface="Courier New" pitchFamily="49" charset="0"/>
-                <a:cs typeface="Courier New" pitchFamily="49" charset="0"/>
-              </a:rPr>
-              <a:t> </a:t>
-            </a:r>
-            <a:r>
-              <a:rPr lang="en-US" altLang="ko-KR" sz="1400" dirty="0" smtClean="0">
-                <a:solidFill>
-                  <a:schemeClr val="tx1"/>
-                </a:solidFill>
-                <a:latin typeface="Courier New" pitchFamily="49" charset="0"/>
-                <a:cs typeface="Courier New" pitchFamily="49" charset="0"/>
-              </a:rPr>
-              <a:t>       return ‘[Person: %s, %s]’ % (self.name, </a:t>
-            </a:r>
-            <a:r>
-              <a:rPr lang="en-US" altLang="ko-KR" sz="1400" dirty="0" err="1" smtClean="0">
-                <a:solidFill>
-                  <a:schemeClr val="tx1"/>
-                </a:solidFill>
-                <a:latin typeface="Courier New" pitchFamily="49" charset="0"/>
-                <a:cs typeface="Courier New" pitchFamily="49" charset="0"/>
-              </a:rPr>
-              <a:t>self.pay</a:t>
-            </a:r>
-            <a:r>
-              <a:rPr lang="en-US" altLang="ko-KR" sz="1400" dirty="0" smtClean="0">
-                <a:solidFill>
-                  <a:schemeClr val="tx1"/>
-                </a:solidFill>
-                <a:latin typeface="Courier New" pitchFamily="49" charset="0"/>
-                <a:cs typeface="Courier New" pitchFamily="49" charset="0"/>
-              </a:rPr>
               <a:t>)</a:t>
             </a:r>
+          </a:p>
+          <a:p>
             <a:endParaRPr lang="en-US" altLang="ko-KR" sz="1400" dirty="0" smtClean="0">
               <a:solidFill>
                 <a:schemeClr val="tx1"/>
@@ -16728,15 +16291,6 @@
             </a:endParaRPr>
           </a:p>
           <a:p>
-            <a:endParaRPr lang="en-US" altLang="ko-KR" sz="1400" dirty="0" smtClean="0">
-              <a:solidFill>
-                <a:schemeClr val="tx1"/>
-              </a:solidFill>
-              <a:latin typeface="Courier New" pitchFamily="49" charset="0"/>
-              <a:cs typeface="Courier New" pitchFamily="49" charset="0"/>
-            </a:endParaRPr>
-          </a:p>
-          <a:p>
             <a:r>
               <a:rPr lang="en-US" altLang="ko-KR" sz="1400" b="1" dirty="0" smtClean="0">
                 <a:solidFill>
@@ -16745,142 +16299,7 @@
                 <a:latin typeface="Courier New" pitchFamily="49" charset="0"/>
                 <a:cs typeface="Courier New" pitchFamily="49" charset="0"/>
               </a:rPr>
-              <a:t>class Manager(Person):</a:t>
-            </a:r>
-          </a:p>
-          <a:p>
-            <a:r>
-              <a:rPr lang="en-US" altLang="ko-KR" sz="1400" b="1" dirty="0" smtClean="0">
-                <a:solidFill>
-                  <a:schemeClr val="tx1"/>
-                </a:solidFill>
-                <a:latin typeface="Courier New" pitchFamily="49" charset="0"/>
-                <a:cs typeface="Courier New" pitchFamily="49" charset="0"/>
-              </a:rPr>
-              <a:t> </a:t>
-            </a:r>
-            <a:r>
-              <a:rPr lang="en-US" altLang="ko-KR" sz="1400" b="1" dirty="0" smtClean="0">
-                <a:solidFill>
-                  <a:schemeClr val="tx1"/>
-                </a:solidFill>
-                <a:latin typeface="Courier New" pitchFamily="49" charset="0"/>
-                <a:cs typeface="Courier New" pitchFamily="49" charset="0"/>
-              </a:rPr>
-              <a:t>   def </a:t>
-            </a:r>
-            <a:r>
-              <a:rPr lang="en-US" altLang="ko-KR" sz="1400" b="1" dirty="0" err="1" smtClean="0">
-                <a:solidFill>
-                  <a:schemeClr val="tx1"/>
-                </a:solidFill>
-                <a:latin typeface="Courier New" pitchFamily="49" charset="0"/>
-                <a:cs typeface="Courier New" pitchFamily="49" charset="0"/>
-              </a:rPr>
-              <a:t>giveRaise</a:t>
-            </a:r>
-            <a:r>
-              <a:rPr lang="en-US" altLang="ko-KR" sz="1400" b="1" dirty="0" smtClean="0">
-                <a:solidFill>
-                  <a:schemeClr val="tx1"/>
-                </a:solidFill>
-                <a:latin typeface="Courier New" pitchFamily="49" charset="0"/>
-                <a:cs typeface="Courier New" pitchFamily="49" charset="0"/>
-              </a:rPr>
-              <a:t>(self, percent, bonus=.10):</a:t>
-            </a:r>
-          </a:p>
-          <a:p>
-            <a:r>
-              <a:rPr lang="en-US" altLang="ko-KR" sz="1400" b="1" dirty="0" smtClean="0">
-                <a:solidFill>
-                  <a:schemeClr val="tx1"/>
-                </a:solidFill>
-                <a:latin typeface="Courier New" pitchFamily="49" charset="0"/>
-                <a:cs typeface="Courier New" pitchFamily="49" charset="0"/>
-              </a:rPr>
-              <a:t> </a:t>
-            </a:r>
-            <a:r>
-              <a:rPr lang="en-US" altLang="ko-KR" sz="1400" b="1" dirty="0" smtClean="0">
-                <a:solidFill>
-                  <a:schemeClr val="tx1"/>
-                </a:solidFill>
-                <a:latin typeface="Courier New" pitchFamily="49" charset="0"/>
-                <a:cs typeface="Courier New" pitchFamily="49" charset="0"/>
-              </a:rPr>
-              <a:t>       </a:t>
-            </a:r>
-            <a:r>
-              <a:rPr lang="en-US" altLang="ko-KR" sz="1400" b="1" dirty="0" err="1" smtClean="0">
-                <a:solidFill>
-                  <a:schemeClr val="tx1"/>
-                </a:solidFill>
-                <a:latin typeface="Courier New" pitchFamily="49" charset="0"/>
-                <a:cs typeface="Courier New" pitchFamily="49" charset="0"/>
-              </a:rPr>
-              <a:t>Person.giveRaise</a:t>
-            </a:r>
-            <a:r>
-              <a:rPr lang="en-US" altLang="ko-KR" sz="1400" b="1" dirty="0" smtClean="0">
-                <a:solidFill>
-                  <a:schemeClr val="tx1"/>
-                </a:solidFill>
-                <a:latin typeface="Courier New" pitchFamily="49" charset="0"/>
-                <a:cs typeface="Courier New" pitchFamily="49" charset="0"/>
-              </a:rPr>
-              <a:t>(self, </a:t>
-            </a:r>
-            <a:r>
-              <a:rPr lang="en-US" altLang="ko-KR" sz="1400" b="1" dirty="0" err="1" smtClean="0">
-                <a:solidFill>
-                  <a:schemeClr val="tx1"/>
-                </a:solidFill>
-                <a:latin typeface="Courier New" pitchFamily="49" charset="0"/>
-                <a:cs typeface="Courier New" pitchFamily="49" charset="0"/>
-              </a:rPr>
-              <a:t>percent+bonus</a:t>
-            </a:r>
-            <a:r>
-              <a:rPr lang="en-US" altLang="ko-KR" sz="1400" b="1" dirty="0" smtClean="0">
-                <a:solidFill>
-                  <a:schemeClr val="tx1"/>
-                </a:solidFill>
-                <a:latin typeface="Courier New" pitchFamily="49" charset="0"/>
-                <a:cs typeface="Courier New" pitchFamily="49" charset="0"/>
-              </a:rPr>
-              <a:t>)</a:t>
-            </a:r>
-          </a:p>
-          <a:p>
-            <a:endParaRPr lang="en-US" altLang="ko-KR" sz="1400" dirty="0" smtClean="0">
-              <a:solidFill>
-                <a:schemeClr val="tx1"/>
-              </a:solidFill>
-              <a:latin typeface="Courier New" pitchFamily="49" charset="0"/>
-              <a:cs typeface="Courier New" pitchFamily="49" charset="0"/>
-            </a:endParaRPr>
-          </a:p>
-          <a:p>
-            <a:r>
-              <a:rPr lang="en-US" altLang="ko-KR" sz="1400" b="1" dirty="0" smtClean="0">
-                <a:solidFill>
-                  <a:schemeClr val="tx1"/>
-                </a:solidFill>
-                <a:latin typeface="Courier New" pitchFamily="49" charset="0"/>
-                <a:cs typeface="Courier New" pitchFamily="49" charset="0"/>
-              </a:rPr>
-              <a:t>tom </a:t>
-            </a:r>
-            <a:r>
-              <a:rPr lang="en-US" altLang="ko-KR" sz="1400" b="1" dirty="0" smtClean="0">
-                <a:solidFill>
-                  <a:schemeClr val="tx1"/>
-                </a:solidFill>
-                <a:latin typeface="Courier New" pitchFamily="49" charset="0"/>
-                <a:cs typeface="Courier New" pitchFamily="49" charset="0"/>
-              </a:rPr>
-              <a:t>= Manager('Tom Jones', 'mgr', 50000)</a:t>
+              <a:t>tom = Manager('Tom Jones', 'mgr', 50000)</a:t>
             </a:r>
           </a:p>
           <a:p>
@@ -16961,17 +16380,7 @@
                 <a:latin typeface="Courier New" pitchFamily="49" charset="0"/>
                 <a:cs typeface="Courier New" pitchFamily="49" charset="0"/>
               </a:rPr>
-              <a:t>print(tom</a:t>
-            </a:r>
-            <a:r>
-              <a:rPr lang="en-US" altLang="ko-KR" sz="1400" b="1" dirty="0" smtClean="0">
-                <a:solidFill>
-                  <a:schemeClr val="tx1"/>
-                </a:solidFill>
-                <a:latin typeface="Courier New" pitchFamily="49" charset="0"/>
-                <a:cs typeface="Courier New" pitchFamily="49" charset="0"/>
-              </a:rPr>
-              <a:t>)</a:t>
+              <a:t>print(tom)</a:t>
             </a:r>
           </a:p>
           <a:p>
@@ -16988,16 +16397,6 @@
               </a:rPr>
               <a:t>[Person: Tom Jones, 60000]</a:t>
             </a:r>
-            <a:endParaRPr lang="en-US" altLang="ko-KR" sz="1400" dirty="0" smtClean="0">
-              <a:solidFill>
-                <a:schemeClr val="tx2">
-                  <a:lumMod val="50000"/>
-                  <a:lumOff val="50000"/>
-                </a:schemeClr>
-              </a:solidFill>
-              <a:latin typeface="Courier New" pitchFamily="49" charset="0"/>
-              <a:cs typeface="Courier New" pitchFamily="49" charset="0"/>
-            </a:endParaRPr>
           </a:p>
           <a:p>
             <a:endParaRPr lang="ko-KR" altLang="en-US" sz="1000" dirty="0">
@@ -17022,6 +16421,87 @@
 </file>
 
 <file path=ppt/slides/slide23.xml><?xml version="1.0" encoding="utf-8"?>
+<p:sld xmlns:a="http://schemas.openxmlformats.org/drawingml/2006/main" xmlns:r="http://schemas.openxmlformats.org/officeDocument/2006/relationships" xmlns:p="http://schemas.openxmlformats.org/presentationml/2006/main">
+  <p:cSld>
+    <p:spTree>
+      <p:nvGrpSpPr>
+        <p:cNvPr id="1" name=""/>
+        <p:cNvGrpSpPr/>
+        <p:nvPr/>
+      </p:nvGrpSpPr>
+      <p:grpSpPr>
+        <a:xfrm>
+          <a:off x="0" y="0"/>
+          <a:ext cx="0" cy="0"/>
+          <a:chOff x="0" y="0"/>
+          <a:chExt cx="0" cy="0"/>
+        </a:xfrm>
+      </p:grpSpPr>
+      <p:sp>
+        <p:nvSpPr>
+          <p:cNvPr id="2" name="제목 1"/>
+          <p:cNvSpPr>
+            <a:spLocks noGrp="1"/>
+          </p:cNvSpPr>
+          <p:nvPr>
+            <p:ph type="title"/>
+          </p:nvPr>
+        </p:nvSpPr>
+        <p:spPr/>
+        <p:txBody>
+          <a:bodyPr/>
+          <a:lstStyle/>
+          <a:p>
+            <a:r>
+              <a:rPr lang="en-US" altLang="ko-KR" dirty="0" smtClean="0"/>
+              <a:t>S</a:t>
+            </a:r>
+            <a:r>
+              <a:rPr lang="en-US" altLang="ko-KR" dirty="0" smtClean="0"/>
+              <a:t>tatic and Class methods</a:t>
+            </a:r>
+            <a:endParaRPr lang="ko-KR" altLang="en-US" dirty="0"/>
+          </a:p>
+        </p:txBody>
+      </p:sp>
+      <p:sp>
+        <p:nvSpPr>
+          <p:cNvPr id="3" name="슬라이드 번호 개체 틀 2"/>
+          <p:cNvSpPr>
+            <a:spLocks noGrp="1"/>
+          </p:cNvSpPr>
+          <p:nvPr>
+            <p:ph type="sldNum" sz="quarter" idx="11"/>
+          </p:nvPr>
+        </p:nvSpPr>
+        <p:spPr/>
+        <p:txBody>
+          <a:bodyPr/>
+          <a:lstStyle/>
+          <a:p>
+            <a:pPr>
+              <a:defRPr/>
+            </a:pPr>
+            <a:fld id="{CFC1C585-8D88-4881-9D26-0E2BBA634611}" type="slidenum">
+              <a:rPr lang="ko-KR" altLang="en-US" smtClean="0"/>
+              <a:pPr>
+                <a:defRPr/>
+              </a:pPr>
+              <a:t>23</a:t>
+            </a:fld>
+            <a:endParaRPr lang="ko-KR" altLang="en-US"/>
+          </a:p>
+        </p:txBody>
+      </p:sp>
+    </p:spTree>
+  </p:cSld>
+  <p:clrMapOvr>
+    <a:masterClrMapping/>
+  </p:clrMapOvr>
+</p:sld>
+</file>
+
+<file path=ppt/slides/slide24.xml><?xml version="1.0" encoding="utf-8"?>
 <p:sld xmlns:a="http://schemas.openxmlformats.org/drawingml/2006/main" xmlns:r="http://schemas.openxmlformats.org/officeDocument/2006/relationships" xmlns:p="http://schemas.openxmlformats.org/presentationml/2006/main">
   <p:cSld>
     <p:spTree>
@@ -19203,11 +18683,7 @@
           <a:p>
             <a:r>
               <a:rPr lang="en-US" altLang="ko-KR" dirty="0" smtClean="0"/>
-              <a:t>Do </a:t>
-            </a:r>
-            <a:r>
-              <a:rPr lang="en-US" altLang="ko-KR" dirty="0" smtClean="0"/>
-              <a:t>it yourself</a:t>
+              <a:t>Do it yourself</a:t>
             </a:r>
             <a:endParaRPr lang="ko-KR" altLang="en-US" dirty="0"/>
           </a:p>

--- a/python/20140901.python-wxpython-seminar.pptx
+++ b/python/20140901.python-wxpython-seminar.pptx
@@ -5,10 +5,10 @@
     <p:sldMasterId id="2147484056" r:id="rId1"/>
   </p:sldMasterIdLst>
   <p:notesMasterIdLst>
-    <p:notesMasterId r:id="rId28"/>
+    <p:notesMasterId r:id="rId29"/>
   </p:notesMasterIdLst>
   <p:handoutMasterIdLst>
-    <p:handoutMasterId r:id="rId29"/>
+    <p:handoutMasterId r:id="rId30"/>
   </p:handoutMasterIdLst>
   <p:sldIdLst>
     <p:sldId id="328" r:id="rId2"/>
@@ -36,7 +36,8 @@
     <p:sldId id="350" r:id="rId24"/>
     <p:sldId id="351" r:id="rId25"/>
     <p:sldId id="352" r:id="rId26"/>
-    <p:sldId id="331" r:id="rId27"/>
+    <p:sldId id="355" r:id="rId27"/>
+    <p:sldId id="331" r:id="rId28"/>
   </p:sldIdLst>
   <p:sldSz cx="9144000" cy="6858000" type="screen4x3"/>
   <p:notesSz cx="6735763" cy="9866313"/>
@@ -256,7 +257,7 @@
             <a:fld id="{F5728EAC-602E-4E66-9F21-00F34D3478F9}" type="datetimeFigureOut">
               <a:rPr lang="ko-KR" altLang="en-US" smtClean="0"/>
               <a:pPr/>
-              <a:t>2014-09-15</a:t>
+              <a:t>2014-09-16</a:t>
             </a:fld>
             <a:endParaRPr lang="ko-KR" altLang="en-US"/>
           </a:p>
@@ -444,7 +445,7 @@
               <a:pPr>
                 <a:defRPr/>
               </a:pPr>
-              <a:t>2014-09-15</a:t>
+              <a:t>2014-09-16</a:t>
             </a:fld>
             <a:endParaRPr lang="ko-KR" altLang="en-US"/>
           </a:p>
@@ -642,7 +643,7 @@
     </p:spTree>
     <p:extLst>
       <p:ext uri="{BB962C8B-B14F-4D97-AF65-F5344CB8AC3E}">
-        <p14:creationId xmlns="" xmlns:p14="http://schemas.microsoft.com/office/powerpoint/2010/main" val="3168244481"/>
+        <p14:creationId xmlns:p14="http://schemas.microsoft.com/office/powerpoint/2010/main" xmlns="" val="3168244481"/>
       </p:ext>
     </p:extLst>
   </p:cSld>
@@ -867,6 +868,93 @@
 </p:notes>
 </file>
 
+<file path=ppt/notesSlides/notesSlide10.xml><?xml version="1.0" encoding="utf-8"?>
+<p:notes xmlns:a="http://schemas.openxmlformats.org/drawingml/2006/main" xmlns:r="http://schemas.openxmlformats.org/officeDocument/2006/relationships" xmlns:p="http://schemas.openxmlformats.org/presentationml/2006/main">
+  <p:cSld>
+    <p:spTree>
+      <p:nvGrpSpPr>
+        <p:cNvPr id="1" name=""/>
+        <p:cNvGrpSpPr/>
+        <p:nvPr/>
+      </p:nvGrpSpPr>
+      <p:grpSpPr>
+        <a:xfrm>
+          <a:off x="0" y="0"/>
+          <a:ext cx="0" cy="0"/>
+          <a:chOff x="0" y="0"/>
+          <a:chExt cx="0" cy="0"/>
+        </a:xfrm>
+      </p:grpSpPr>
+      <p:sp>
+        <p:nvSpPr>
+          <p:cNvPr id="2" name="슬라이드 이미지 개체 틀 1"/>
+          <p:cNvSpPr>
+            <a:spLocks noGrp="1" noRot="1" noChangeAspect="1"/>
+          </p:cNvSpPr>
+          <p:nvPr>
+            <p:ph type="sldImg"/>
+          </p:nvPr>
+        </p:nvSpPr>
+        <p:spPr/>
+      </p:sp>
+      <p:sp>
+        <p:nvSpPr>
+          <p:cNvPr id="3" name="슬라이드 노트 개체 틀 2"/>
+          <p:cNvSpPr>
+            <a:spLocks noGrp="1"/>
+          </p:cNvSpPr>
+          <p:nvPr>
+            <p:ph type="body" idx="1"/>
+          </p:nvPr>
+        </p:nvSpPr>
+        <p:spPr/>
+        <p:txBody>
+          <a:bodyPr>
+            <a:normAutofit/>
+          </a:bodyPr>
+          <a:lstStyle/>
+          <a:p>
+            <a:endParaRPr lang="ko-KR" altLang="en-US" dirty="0"/>
+          </a:p>
+        </p:txBody>
+      </p:sp>
+      <p:sp>
+        <p:nvSpPr>
+          <p:cNvPr id="4" name="슬라이드 번호 개체 틀 3"/>
+          <p:cNvSpPr>
+            <a:spLocks noGrp="1"/>
+          </p:cNvSpPr>
+          <p:nvPr>
+            <p:ph type="sldNum" sz="quarter" idx="10"/>
+          </p:nvPr>
+        </p:nvSpPr>
+        <p:spPr/>
+        <p:txBody>
+          <a:bodyPr/>
+          <a:lstStyle/>
+          <a:p>
+            <a:pPr>
+              <a:defRPr/>
+            </a:pPr>
+            <a:fld id="{08443337-762F-402D-950F-09EC38A375C1}" type="slidenum">
+              <a:rPr lang="ko-KR" altLang="en-US" smtClean="0"/>
+              <a:pPr>
+                <a:defRPr/>
+              </a:pPr>
+              <a:t>26</a:t>
+            </a:fld>
+            <a:endParaRPr lang="ko-KR" altLang="en-US"/>
+          </a:p>
+        </p:txBody>
+      </p:sp>
+    </p:spTree>
+  </p:cSld>
+  <p:clrMapOvr>
+    <a:masterClrMapping/>
+  </p:clrMapOvr>
+</p:notes>
+</file>
+
 <file path=ppt/notesSlides/notesSlide2.xml><?xml version="1.0" encoding="utf-8"?>
 <p:notes xmlns:a="http://schemas.openxmlformats.org/drawingml/2006/main" xmlns:r="http://schemas.openxmlformats.org/officeDocument/2006/relationships" xmlns:p="http://schemas.openxmlformats.org/presentationml/2006/main">
   <p:cSld>
@@ -2023,6 +2111,93 @@
                 <a:defRPr/>
               </a:pPr>
               <a:t>21</a:t>
+            </a:fld>
+            <a:endParaRPr lang="ko-KR" altLang="en-US"/>
+          </a:p>
+        </p:txBody>
+      </p:sp>
+    </p:spTree>
+  </p:cSld>
+  <p:clrMapOvr>
+    <a:masterClrMapping/>
+  </p:clrMapOvr>
+</p:notes>
+</file>
+
+<file path=ppt/notesSlides/notesSlide9.xml><?xml version="1.0" encoding="utf-8"?>
+<p:notes xmlns:a="http://schemas.openxmlformats.org/drawingml/2006/main" xmlns:r="http://schemas.openxmlformats.org/officeDocument/2006/relationships" xmlns:p="http://schemas.openxmlformats.org/presentationml/2006/main">
+  <p:cSld>
+    <p:spTree>
+      <p:nvGrpSpPr>
+        <p:cNvPr id="1" name=""/>
+        <p:cNvGrpSpPr/>
+        <p:nvPr/>
+      </p:nvGrpSpPr>
+      <p:grpSpPr>
+        <a:xfrm>
+          <a:off x="0" y="0"/>
+          <a:ext cx="0" cy="0"/>
+          <a:chOff x="0" y="0"/>
+          <a:chExt cx="0" cy="0"/>
+        </a:xfrm>
+      </p:grpSpPr>
+      <p:sp>
+        <p:nvSpPr>
+          <p:cNvPr id="2" name="슬라이드 이미지 개체 틀 1"/>
+          <p:cNvSpPr>
+            <a:spLocks noGrp="1" noRot="1" noChangeAspect="1"/>
+          </p:cNvSpPr>
+          <p:nvPr>
+            <p:ph type="sldImg"/>
+          </p:nvPr>
+        </p:nvSpPr>
+        <p:spPr/>
+      </p:sp>
+      <p:sp>
+        <p:nvSpPr>
+          <p:cNvPr id="3" name="슬라이드 노트 개체 틀 2"/>
+          <p:cNvSpPr>
+            <a:spLocks noGrp="1"/>
+          </p:cNvSpPr>
+          <p:nvPr>
+            <p:ph type="body" idx="1"/>
+          </p:nvPr>
+        </p:nvSpPr>
+        <p:spPr/>
+        <p:txBody>
+          <a:bodyPr>
+            <a:normAutofit/>
+          </a:bodyPr>
+          <a:lstStyle/>
+          <a:p>
+            <a:endParaRPr lang="ko-KR" altLang="en-US" dirty="0"/>
+          </a:p>
+        </p:txBody>
+      </p:sp>
+      <p:sp>
+        <p:nvSpPr>
+          <p:cNvPr id="4" name="슬라이드 번호 개체 틀 3"/>
+          <p:cNvSpPr>
+            <a:spLocks noGrp="1"/>
+          </p:cNvSpPr>
+          <p:nvPr>
+            <p:ph type="sldNum" sz="quarter" idx="10"/>
+          </p:nvPr>
+        </p:nvSpPr>
+        <p:spPr/>
+        <p:txBody>
+          <a:bodyPr/>
+          <a:lstStyle/>
+          <a:p>
+            <a:pPr>
+              <a:defRPr/>
+            </a:pPr>
+            <a:fld id="{08443337-762F-402D-950F-09EC38A375C1}" type="slidenum">
+              <a:rPr lang="ko-KR" altLang="en-US" smtClean="0"/>
+              <a:pPr>
+                <a:defRPr/>
+              </a:pPr>
+              <a:t>25</a:t>
             </a:fld>
             <a:endParaRPr lang="ko-KR" altLang="en-US"/>
           </a:p>
@@ -2927,7 +3102,7 @@
               <a:pPr>
                 <a:defRPr/>
               </a:pPr>
-              <a:t>2014-09-15</a:t>
+              <a:t>2014-09-16</a:t>
             </a:fld>
             <a:endParaRPr lang="ko-KR" altLang="en-US"/>
           </a:p>
@@ -3192,7 +3367,7 @@
               <a:pPr>
                 <a:defRPr/>
               </a:pPr>
-              <a:t>2014-09-15</a:t>
+              <a:t>2014-09-16</a:t>
             </a:fld>
             <a:endParaRPr lang="ko-KR" altLang="en-US"/>
           </a:p>
@@ -6591,7 +6766,7 @@
               <a:pPr>
                 <a:defRPr/>
               </a:pPr>
-              <a:t>2014-09-15</a:t>
+              <a:t>2014-09-16</a:t>
             </a:fld>
             <a:endParaRPr lang="ko-KR" altLang="en-US"/>
           </a:p>
@@ -6885,7 +7060,7 @@
               <a:pPr>
                 <a:defRPr/>
               </a:pPr>
-              <a:t>2014-09-15</a:t>
+              <a:t>2014-09-16</a:t>
             </a:fld>
             <a:endParaRPr lang="ko-KR" altLang="en-US"/>
           </a:p>
@@ -8441,11 +8616,6 @@
               </a:rPr>
               <a:t>을 이용한 객체의 메소드 확인</a:t>
             </a:r>
-            <a:endParaRPr lang="ko-KR" altLang="en-US" sz="1600" dirty="0" smtClean="0">
-              <a:latin typeface="Calibri" pitchFamily="34" charset="0"/>
-              <a:ea typeface="+mn-ea"/>
-              <a:cs typeface="Tahoma" pitchFamily="34" charset="0"/>
-            </a:endParaRPr>
           </a:p>
         </p:txBody>
       </p:sp>
@@ -8509,17 +8679,7 @@
                 <a:latin typeface="Courier New" pitchFamily="49" charset="0"/>
                 <a:cs typeface="Courier New" pitchFamily="49" charset="0"/>
               </a:rPr>
-              <a:t>dir(object</a:t>
-            </a:r>
-            <a:r>
-              <a:rPr lang="en-US" altLang="ko-KR" sz="1200" dirty="0" smtClean="0">
-                <a:solidFill>
-                  <a:schemeClr val="tx1"/>
-                </a:solidFill>
-                <a:latin typeface="Courier New" pitchFamily="49" charset="0"/>
-                <a:cs typeface="Courier New" pitchFamily="49" charset="0"/>
-              </a:rPr>
-              <a:t>)</a:t>
+              <a:t>dir(object)</a:t>
             </a:r>
           </a:p>
           <a:p>
@@ -9144,11 +9304,6 @@
               </a:rPr>
               <a:t> 도움말 보기</a:t>
             </a:r>
-            <a:endParaRPr lang="ko-KR" altLang="en-US" sz="1600" dirty="0" smtClean="0">
-              <a:latin typeface="Calibri" pitchFamily="34" charset="0"/>
-              <a:ea typeface="+mn-ea"/>
-              <a:cs typeface="Tahoma" pitchFamily="34" charset="0"/>
-            </a:endParaRPr>
           </a:p>
         </p:txBody>
       </p:sp>
@@ -9609,8 +9764,10 @@
                 <a:latin typeface="Courier New" pitchFamily="49" charset="0"/>
                 <a:cs typeface="Courier New" pitchFamily="49" charset="0"/>
               </a:rPr>
-              <a:t> | </a:t>
-            </a:r>
+              <a:t> | ...</a:t>
+            </a:r>
+          </a:p>
+          <a:p>
             <a:r>
               <a:rPr lang="en-US" altLang="ko-KR" sz="1000" dirty="0" smtClean="0">
                 <a:solidFill>
@@ -9622,7 +9779,7 @@
                 <a:latin typeface="Courier New" pitchFamily="49" charset="0"/>
                 <a:cs typeface="Courier New" pitchFamily="49" charset="0"/>
               </a:rPr>
-              <a:t>...</a:t>
+              <a:t> |  ----------------------------------------------------------------------</a:t>
             </a:r>
           </a:p>
           <a:p>
@@ -9637,8 +9794,10 @@
                 <a:latin typeface="Courier New" pitchFamily="49" charset="0"/>
                 <a:cs typeface="Courier New" pitchFamily="49" charset="0"/>
               </a:rPr>
-              <a:t> </a:t>
-            </a:r>
+              <a:t> |  Data descriptors defined here:</a:t>
+            </a:r>
+          </a:p>
+          <a:p>
             <a:r>
               <a:rPr lang="en-US" altLang="ko-KR" sz="1000" dirty="0" smtClean="0">
                 <a:solidFill>
@@ -9650,12 +9809,10 @@
                 <a:latin typeface="Courier New" pitchFamily="49" charset="0"/>
                 <a:cs typeface="Courier New" pitchFamily="49" charset="0"/>
               </a:rPr>
-              <a:t>|  ----------------------------------------------------------------------</a:t>
-            </a:r>
-          </a:p>
-          <a:p>
-            <a:r>
-              <a:rPr lang="en-US" altLang="ko-KR" sz="1000" dirty="0" smtClean="0">
+              <a:t> |  __</a:t>
+            </a:r>
+            <a:r>
+              <a:rPr lang="en-US" altLang="ko-KR" sz="1000" dirty="0" err="1" smtClean="0">
                 <a:solidFill>
                   <a:schemeClr val="tx2">
                     <a:lumMod val="50000"/>
@@ -9665,7 +9822,7 @@
                 <a:latin typeface="Courier New" pitchFamily="49" charset="0"/>
                 <a:cs typeface="Courier New" pitchFamily="49" charset="0"/>
               </a:rPr>
-              <a:t> </a:t>
+              <a:t>abstractmethods</a:t>
             </a:r>
             <a:r>
               <a:rPr lang="en-US" altLang="ko-KR" sz="1000" dirty="0" smtClean="0">
@@ -9678,7 +9835,7 @@
                 <a:latin typeface="Courier New" pitchFamily="49" charset="0"/>
                 <a:cs typeface="Courier New" pitchFamily="49" charset="0"/>
               </a:rPr>
-              <a:t>|  Data descriptors defined here:</a:t>
+              <a:t>__</a:t>
             </a:r>
           </a:p>
           <a:p>
@@ -9693,10 +9850,12 @@
                 <a:latin typeface="Courier New" pitchFamily="49" charset="0"/>
                 <a:cs typeface="Courier New" pitchFamily="49" charset="0"/>
               </a:rPr>
-              <a:t> |  __</a:t>
-            </a:r>
-            <a:r>
-              <a:rPr lang="en-US" altLang="ko-KR" sz="1000" dirty="0" err="1" smtClean="0">
+              <a:t> |  __base__</a:t>
+            </a:r>
+          </a:p>
+          <a:p>
+            <a:r>
+              <a:rPr lang="en-US" altLang="ko-KR" sz="1000" dirty="0" smtClean="0">
                 <a:solidFill>
                   <a:schemeClr val="tx2">
                     <a:lumMod val="50000"/>
@@ -9706,8 +9865,10 @@
                 <a:latin typeface="Courier New" pitchFamily="49" charset="0"/>
                 <a:cs typeface="Courier New" pitchFamily="49" charset="0"/>
               </a:rPr>
-              <a:t>abstractmethods</a:t>
-            </a:r>
+              <a:t> |  __bases__</a:t>
+            </a:r>
+          </a:p>
+          <a:p>
             <a:r>
               <a:rPr lang="en-US" altLang="ko-KR" sz="1000" dirty="0" smtClean="0">
                 <a:solidFill>
@@ -9719,12 +9880,10 @@
                 <a:latin typeface="Courier New" pitchFamily="49" charset="0"/>
                 <a:cs typeface="Courier New" pitchFamily="49" charset="0"/>
               </a:rPr>
-              <a:t>__</a:t>
-            </a:r>
-          </a:p>
-          <a:p>
-            <a:r>
-              <a:rPr lang="en-US" altLang="ko-KR" sz="1000" dirty="0" smtClean="0">
+              <a:t> |  __</a:t>
+            </a:r>
+            <a:r>
+              <a:rPr lang="en-US" altLang="ko-KR" sz="1000" dirty="0" err="1" smtClean="0">
                 <a:solidFill>
                   <a:schemeClr val="tx2">
                     <a:lumMod val="50000"/>
@@ -9734,10 +9893,8 @@
                 <a:latin typeface="Courier New" pitchFamily="49" charset="0"/>
                 <a:cs typeface="Courier New" pitchFamily="49" charset="0"/>
               </a:rPr>
-              <a:t> |  __base__</a:t>
-            </a:r>
-          </a:p>
-          <a:p>
+              <a:t>basicsize</a:t>
+            </a:r>
             <a:r>
               <a:rPr lang="en-US" altLang="ko-KR" sz="1000" dirty="0" smtClean="0">
                 <a:solidFill>
@@ -9749,7 +9906,7 @@
                 <a:latin typeface="Courier New" pitchFamily="49" charset="0"/>
                 <a:cs typeface="Courier New" pitchFamily="49" charset="0"/>
               </a:rPr>
-              <a:t> |  __bases__</a:t>
+              <a:t>__</a:t>
             </a:r>
           </a:p>
           <a:p>
@@ -9777,7 +9934,7 @@
                 <a:latin typeface="Courier New" pitchFamily="49" charset="0"/>
                 <a:cs typeface="Courier New" pitchFamily="49" charset="0"/>
               </a:rPr>
-              <a:t>basicsize</a:t>
+              <a:t>dict</a:t>
             </a:r>
             <a:r>
               <a:rPr lang="en-US" altLang="ko-KR" sz="1000" dirty="0" smtClean="0">
@@ -9818,7 +9975,7 @@
                 <a:latin typeface="Courier New" pitchFamily="49" charset="0"/>
                 <a:cs typeface="Courier New" pitchFamily="49" charset="0"/>
               </a:rPr>
-              <a:t>dict</a:t>
+              <a:t>dictoffset</a:t>
             </a:r>
             <a:r>
               <a:rPr lang="en-US" altLang="ko-KR" sz="1000" dirty="0" smtClean="0">
@@ -9846,10 +10003,12 @@
                 <a:latin typeface="Courier New" pitchFamily="49" charset="0"/>
                 <a:cs typeface="Courier New" pitchFamily="49" charset="0"/>
               </a:rPr>
-              <a:t> |  __</a:t>
-            </a:r>
-            <a:r>
-              <a:rPr lang="en-US" altLang="ko-KR" sz="1000" dirty="0" err="1" smtClean="0">
+              <a:t> |  __flags__</a:t>
+            </a:r>
+          </a:p>
+          <a:p>
+            <a:r>
+              <a:rPr lang="en-US" altLang="ko-KR" sz="1000" dirty="0" smtClean="0">
                 <a:solidFill>
                   <a:schemeClr val="tx2">
                     <a:lumMod val="50000"/>
@@ -9859,10 +10018,10 @@
                 <a:latin typeface="Courier New" pitchFamily="49" charset="0"/>
                 <a:cs typeface="Courier New" pitchFamily="49" charset="0"/>
               </a:rPr>
-              <a:t>dictoffset</a:t>
-            </a:r>
-            <a:r>
-              <a:rPr lang="en-US" altLang="ko-KR" sz="1000" dirty="0" smtClean="0">
+              <a:t> |  __</a:t>
+            </a:r>
+            <a:r>
+              <a:rPr lang="en-US" altLang="ko-KR" sz="1000" dirty="0" err="1" smtClean="0">
                 <a:solidFill>
                   <a:schemeClr val="tx2">
                     <a:lumMod val="50000"/>
@@ -9872,10 +10031,8 @@
                 <a:latin typeface="Courier New" pitchFamily="49" charset="0"/>
                 <a:cs typeface="Courier New" pitchFamily="49" charset="0"/>
               </a:rPr>
-              <a:t>__</a:t>
-            </a:r>
-          </a:p>
-          <a:p>
+              <a:t>itemsize</a:t>
+            </a:r>
             <a:r>
               <a:rPr lang="en-US" altLang="ko-KR" sz="1000" dirty="0" smtClean="0">
                 <a:solidFill>
@@ -9887,7 +10044,7 @@
                 <a:latin typeface="Courier New" pitchFamily="49" charset="0"/>
                 <a:cs typeface="Courier New" pitchFamily="49" charset="0"/>
               </a:rPr>
-              <a:t> |  __flags__</a:t>
+              <a:t>__</a:t>
             </a:r>
           </a:p>
           <a:p>
@@ -9915,7 +10072,7 @@
                 <a:latin typeface="Courier New" pitchFamily="49" charset="0"/>
                 <a:cs typeface="Courier New" pitchFamily="49" charset="0"/>
               </a:rPr>
-              <a:t>itemsize</a:t>
+              <a:t>mro</a:t>
             </a:r>
             <a:r>
               <a:rPr lang="en-US" altLang="ko-KR" sz="1000" dirty="0" smtClean="0">
@@ -9956,7 +10113,7 @@
                 <a:latin typeface="Courier New" pitchFamily="49" charset="0"/>
                 <a:cs typeface="Courier New" pitchFamily="49" charset="0"/>
               </a:rPr>
-              <a:t>mro</a:t>
+              <a:t>weakrefoffset</a:t>
             </a:r>
             <a:r>
               <a:rPr lang="en-US" altLang="ko-KR" sz="1000" dirty="0" smtClean="0">
@@ -9984,10 +10141,12 @@
                 <a:latin typeface="Courier New" pitchFamily="49" charset="0"/>
                 <a:cs typeface="Courier New" pitchFamily="49" charset="0"/>
               </a:rPr>
-              <a:t> |  __</a:t>
-            </a:r>
-            <a:r>
-              <a:rPr lang="en-US" altLang="ko-KR" sz="1000" dirty="0" err="1" smtClean="0">
+              <a:t> |  ----------------------------------------------------------------------</a:t>
+            </a:r>
+          </a:p>
+          <a:p>
+            <a:r>
+              <a:rPr lang="en-US" altLang="ko-KR" sz="1000" dirty="0" smtClean="0">
                 <a:solidFill>
                   <a:schemeClr val="tx2">
                     <a:lumMod val="50000"/>
@@ -9997,8 +10156,10 @@
                 <a:latin typeface="Courier New" pitchFamily="49" charset="0"/>
                 <a:cs typeface="Courier New" pitchFamily="49" charset="0"/>
               </a:rPr>
-              <a:t>weakrefoffset</a:t>
-            </a:r>
+              <a:t> |  Data and other attributes defined here:</a:t>
+            </a:r>
+          </a:p>
+          <a:p>
             <a:r>
               <a:rPr lang="en-US" altLang="ko-KR" sz="1000" dirty="0" smtClean="0">
                 <a:solidFill>
@@ -10010,7 +10171,7 @@
                 <a:latin typeface="Courier New" pitchFamily="49" charset="0"/>
                 <a:cs typeface="Courier New" pitchFamily="49" charset="0"/>
               </a:rPr>
-              <a:t>__</a:t>
+              <a:t> |  __new__ = &lt;built-in method __new__ of type object&gt;</a:t>
             </a:r>
           </a:p>
           <a:p>
@@ -10025,12 +10186,10 @@
                 <a:latin typeface="Courier New" pitchFamily="49" charset="0"/>
                 <a:cs typeface="Courier New" pitchFamily="49" charset="0"/>
               </a:rPr>
-              <a:t> |  ----------------------------------------------------------------------</a:t>
-            </a:r>
-          </a:p>
-          <a:p>
-            <a:r>
-              <a:rPr lang="en-US" altLang="ko-KR" sz="1000" dirty="0" smtClean="0">
+              <a:t> |      </a:t>
+            </a:r>
+            <a:r>
+              <a:rPr lang="en-US" altLang="ko-KR" sz="1000" dirty="0" err="1" smtClean="0">
                 <a:solidFill>
                   <a:schemeClr val="tx2">
                     <a:lumMod val="50000"/>
@@ -10040,10 +10199,8 @@
                 <a:latin typeface="Courier New" pitchFamily="49" charset="0"/>
                 <a:cs typeface="Courier New" pitchFamily="49" charset="0"/>
               </a:rPr>
-              <a:t> |  Data and other attributes defined here:</a:t>
-            </a:r>
-          </a:p>
-          <a:p>
+              <a:t>T.__new</a:t>
+            </a:r>
             <a:r>
               <a:rPr lang="en-US" altLang="ko-KR" sz="1000" dirty="0" smtClean="0">
                 <a:solidFill>
@@ -10055,72 +10212,8 @@
                 <a:latin typeface="Courier New" pitchFamily="49" charset="0"/>
                 <a:cs typeface="Courier New" pitchFamily="49" charset="0"/>
               </a:rPr>
-              <a:t> |  __new__ = &lt;built-in method __new__ of type object&gt;</a:t>
-            </a:r>
-          </a:p>
-          <a:p>
-            <a:r>
-              <a:rPr lang="en-US" altLang="ko-KR" sz="1000" dirty="0" smtClean="0">
-                <a:solidFill>
-                  <a:schemeClr val="tx2">
-                    <a:lumMod val="50000"/>
-                    <a:lumOff val="50000"/>
-                  </a:schemeClr>
-                </a:solidFill>
-                <a:latin typeface="Courier New" pitchFamily="49" charset="0"/>
-                <a:cs typeface="Courier New" pitchFamily="49" charset="0"/>
-              </a:rPr>
-              <a:t> |      </a:t>
-            </a:r>
-            <a:r>
-              <a:rPr lang="en-US" altLang="ko-KR" sz="1000" dirty="0" err="1" smtClean="0">
-                <a:solidFill>
-                  <a:schemeClr val="tx2">
-                    <a:lumMod val="50000"/>
-                    <a:lumOff val="50000"/>
-                  </a:schemeClr>
-                </a:solidFill>
-                <a:latin typeface="Courier New" pitchFamily="49" charset="0"/>
-                <a:cs typeface="Courier New" pitchFamily="49" charset="0"/>
-              </a:rPr>
-              <a:t>T.__new</a:t>
-            </a:r>
-            <a:r>
-              <a:rPr lang="en-US" altLang="ko-KR" sz="1000" dirty="0" smtClean="0">
-                <a:solidFill>
-                  <a:schemeClr val="tx2">
-                    <a:lumMod val="50000"/>
-                    <a:lumOff val="50000"/>
-                  </a:schemeClr>
-                </a:solidFill>
-                <a:latin typeface="Courier New" pitchFamily="49" charset="0"/>
-                <a:cs typeface="Courier New" pitchFamily="49" charset="0"/>
-              </a:rPr>
-              <a:t>__(S, ...) -&gt; a new object with type S, a subtype of </a:t>
-            </a:r>
-            <a:r>
-              <a:rPr lang="en-US" altLang="ko-KR" sz="1000" dirty="0" smtClean="0">
-                <a:solidFill>
-                  <a:schemeClr val="tx2">
-                    <a:lumMod val="50000"/>
-                    <a:lumOff val="50000"/>
-                  </a:schemeClr>
-                </a:solidFill>
-                <a:latin typeface="Courier New" pitchFamily="49" charset="0"/>
-                <a:cs typeface="Courier New" pitchFamily="49" charset="0"/>
-              </a:rPr>
-              <a:t>T</a:t>
-            </a:r>
-            <a:endParaRPr lang="en-US" altLang="ko-KR" sz="1000" dirty="0" smtClean="0">
-              <a:solidFill>
-                <a:schemeClr val="tx2">
-                  <a:lumMod val="50000"/>
-                  <a:lumOff val="50000"/>
-                </a:schemeClr>
-              </a:solidFill>
-              <a:latin typeface="Courier New" pitchFamily="49" charset="0"/>
-              <a:cs typeface="Courier New" pitchFamily="49" charset="0"/>
-            </a:endParaRPr>
+              <a:t>__(S, ...) -&gt; a new object with type S, a subtype of T</a:t>
+            </a:r>
           </a:p>
         </p:txBody>
       </p:sp>
@@ -16853,15 +16946,7 @@
                 <a:ea typeface="+mn-ea"/>
                 <a:cs typeface="Tahoma" pitchFamily="34" charset="0"/>
               </a:rPr>
-              <a:t>attribute </a:t>
-            </a:r>
-            <a:r>
-              <a:rPr lang="en-US" altLang="ko-KR" sz="1600" dirty="0" smtClean="0">
-                <a:latin typeface="Calibri" pitchFamily="34" charset="0"/>
-                <a:ea typeface="+mn-ea"/>
-                <a:cs typeface="Tahoma" pitchFamily="34" charset="0"/>
-              </a:rPr>
-              <a:t>overriding</a:t>
+              <a:t>attribute overriding</a:t>
             </a:r>
             <a:endParaRPr lang="ko-KR" altLang="en-US" sz="1600" dirty="0" smtClean="0">
               <a:latin typeface="Calibri" pitchFamily="34" charset="0"/>
@@ -18411,20 +18496,30 @@
                 <a:latin typeface="Courier New" pitchFamily="49" charset="0"/>
                 <a:cs typeface="Courier New" pitchFamily="49" charset="0"/>
               </a:rPr>
-              <a:t>Static metho</a:t>
-            </a:r>
-            <a:r>
-              <a:rPr lang="en-US" altLang="ko-KR" sz="1000" b="1" u="sng" dirty="0" smtClean="0">
+              <a:t>Static method</a:t>
+            </a:r>
+          </a:p>
+          <a:p>
+            <a:r>
+              <a:rPr lang="en-US" altLang="ko-KR" sz="1000" dirty="0" smtClean="0">
                 <a:solidFill>
                   <a:schemeClr val="tx1"/>
                 </a:solidFill>
                 <a:latin typeface="Courier New" pitchFamily="49" charset="0"/>
                 <a:cs typeface="Courier New" pitchFamily="49" charset="0"/>
               </a:rPr>
-              <a:t>d</a:t>
-            </a:r>
-          </a:p>
-          <a:p>
+              <a:t>class </a:t>
+            </a:r>
+            <a:r>
+              <a:rPr lang="en-US" altLang="ko-KR" sz="1000" dirty="0" err="1" smtClean="0">
+                <a:solidFill>
+                  <a:schemeClr val="tx1"/>
+                </a:solidFill>
+                <a:latin typeface="Courier New" pitchFamily="49" charset="0"/>
+                <a:cs typeface="Courier New" pitchFamily="49" charset="0"/>
+              </a:rPr>
+              <a:t>AClass</a:t>
+            </a:r>
             <a:r>
               <a:rPr lang="en-US" altLang="ko-KR" sz="1000" dirty="0" smtClean="0">
                 <a:solidFill>
@@ -18433,7 +18528,19 @@
                 <a:latin typeface="Courier New" pitchFamily="49" charset="0"/>
                 <a:cs typeface="Courier New" pitchFamily="49" charset="0"/>
               </a:rPr>
-              <a:t>class </a:t>
+              <a:t>(object):</a:t>
+            </a:r>
+          </a:p>
+          <a:p>
+            <a:r>
+              <a:rPr lang="en-US" altLang="ko-KR" sz="1000" dirty="0" smtClean="0">
+                <a:solidFill>
+                  <a:schemeClr val="tx1"/>
+                </a:solidFill>
+                <a:latin typeface="Courier New" pitchFamily="49" charset="0"/>
+                <a:cs typeface="Courier New" pitchFamily="49" charset="0"/>
+              </a:rPr>
+              <a:t>    def </a:t>
             </a:r>
             <a:r>
               <a:rPr lang="en-US" altLang="ko-KR" sz="1000" dirty="0" err="1" smtClean="0">
@@ -18443,7 +18550,7 @@
                 <a:latin typeface="Courier New" pitchFamily="49" charset="0"/>
                 <a:cs typeface="Courier New" pitchFamily="49" charset="0"/>
               </a:rPr>
-              <a:t>AClass</a:t>
+              <a:t>astatic</a:t>
             </a:r>
             <a:r>
               <a:rPr lang="en-US" altLang="ko-KR" sz="1000" dirty="0" smtClean="0">
@@ -18453,7 +18560,7 @@
                 <a:latin typeface="Courier New" pitchFamily="49" charset="0"/>
                 <a:cs typeface="Courier New" pitchFamily="49" charset="0"/>
               </a:rPr>
-              <a:t>(object):</a:t>
+              <a:t>( ): </a:t>
             </a:r>
           </a:p>
           <a:p>
@@ -18465,7 +18572,19 @@
                 <a:latin typeface="Courier New" pitchFamily="49" charset="0"/>
                 <a:cs typeface="Courier New" pitchFamily="49" charset="0"/>
               </a:rPr>
-              <a:t>    def </a:t>
+              <a:t>        print(“a static method”)</a:t>
+            </a:r>
+          </a:p>
+          <a:p>
+            <a:r>
+              <a:rPr lang="en-US" altLang="ko-KR" sz="1000" dirty="0" smtClean="0">
+                <a:solidFill>
+                  <a:schemeClr val="tx1"/>
+                </a:solidFill>
+                <a:latin typeface="Courier New" pitchFamily="49" charset="0"/>
+                <a:cs typeface="Courier New" pitchFamily="49" charset="0"/>
+              </a:rPr>
+              <a:t>    </a:t>
             </a:r>
             <a:r>
               <a:rPr lang="en-US" altLang="ko-KR" sz="1000" dirty="0" err="1" smtClean="0">
@@ -18485,8 +18604,50 @@
                 <a:latin typeface="Courier New" pitchFamily="49" charset="0"/>
                 <a:cs typeface="Courier New" pitchFamily="49" charset="0"/>
               </a:rPr>
-              <a:t>( ): </a:t>
-            </a:r>
+              <a:t> = </a:t>
+            </a:r>
+            <a:r>
+              <a:rPr lang="en-US" altLang="ko-KR" sz="1000" dirty="0" err="1" smtClean="0">
+                <a:solidFill>
+                  <a:schemeClr val="tx1"/>
+                </a:solidFill>
+                <a:latin typeface="Courier New" pitchFamily="49" charset="0"/>
+                <a:cs typeface="Courier New" pitchFamily="49" charset="0"/>
+              </a:rPr>
+              <a:t>staticmethod</a:t>
+            </a:r>
+            <a:r>
+              <a:rPr lang="en-US" altLang="ko-KR" sz="1000" dirty="0" smtClean="0">
+                <a:solidFill>
+                  <a:schemeClr val="tx1"/>
+                </a:solidFill>
+                <a:latin typeface="Courier New" pitchFamily="49" charset="0"/>
+                <a:cs typeface="Courier New" pitchFamily="49" charset="0"/>
+              </a:rPr>
+              <a:t>(</a:t>
+            </a:r>
+            <a:r>
+              <a:rPr lang="en-US" altLang="ko-KR" sz="1000" dirty="0" err="1" smtClean="0">
+                <a:solidFill>
+                  <a:schemeClr val="tx1"/>
+                </a:solidFill>
+                <a:latin typeface="Courier New" pitchFamily="49" charset="0"/>
+                <a:cs typeface="Courier New" pitchFamily="49" charset="0"/>
+              </a:rPr>
+              <a:t>astatic</a:t>
+            </a:r>
+            <a:r>
+              <a:rPr lang="en-US" altLang="ko-KR" sz="1000" dirty="0" smtClean="0">
+                <a:solidFill>
+                  <a:schemeClr val="tx1"/>
+                </a:solidFill>
+                <a:latin typeface="Courier New" pitchFamily="49" charset="0"/>
+                <a:cs typeface="Courier New" pitchFamily="49" charset="0"/>
+              </a:rPr>
+              <a:t>)</a:t>
+            </a:r>
+          </a:p>
+          <a:p>
             <a:endParaRPr lang="en-US" altLang="ko-KR" sz="1000" dirty="0" smtClean="0">
               <a:solidFill>
                 <a:schemeClr val="tx1"/>
@@ -18497,6 +18658,16 @@
           </a:p>
           <a:p>
             <a:r>
+              <a:rPr lang="en-US" altLang="ko-KR" sz="1000" dirty="0" err="1" smtClean="0">
+                <a:solidFill>
+                  <a:schemeClr val="tx1"/>
+                </a:solidFill>
+                <a:latin typeface="Courier New" pitchFamily="49" charset="0"/>
+                <a:cs typeface="Courier New" pitchFamily="49" charset="0"/>
+              </a:rPr>
+              <a:t>anInstance</a:t>
+            </a:r>
+            <a:r>
               <a:rPr lang="en-US" altLang="ko-KR" sz="1000" dirty="0" smtClean="0">
                 <a:solidFill>
                   <a:schemeClr val="tx1"/>
@@ -18504,7 +18675,17 @@
                 <a:latin typeface="Courier New" pitchFamily="49" charset="0"/>
                 <a:cs typeface="Courier New" pitchFamily="49" charset="0"/>
               </a:rPr>
-              <a:t> </a:t>
+              <a:t> = </a:t>
+            </a:r>
+            <a:r>
+              <a:rPr lang="en-US" altLang="ko-KR" sz="1000" dirty="0" err="1" smtClean="0">
+                <a:solidFill>
+                  <a:schemeClr val="tx1"/>
+                </a:solidFill>
+                <a:latin typeface="Courier New" pitchFamily="49" charset="0"/>
+                <a:cs typeface="Courier New" pitchFamily="49" charset="0"/>
+              </a:rPr>
+              <a:t>AClass</a:t>
             </a:r>
             <a:r>
               <a:rPr lang="en-US" altLang="ko-KR" sz="1000" dirty="0" smtClean="0">
@@ -18514,7 +18695,19 @@
                 <a:latin typeface="Courier New" pitchFamily="49" charset="0"/>
                 <a:cs typeface="Courier New" pitchFamily="49" charset="0"/>
               </a:rPr>
-              <a:t>       print(“a </a:t>
+              <a:t>( )</a:t>
+            </a:r>
+          </a:p>
+          <a:p>
+            <a:r>
+              <a:rPr lang="en-US" altLang="ko-KR" sz="1000" dirty="0" err="1" smtClean="0">
+                <a:solidFill>
+                  <a:schemeClr val="tx1"/>
+                </a:solidFill>
+                <a:latin typeface="Courier New" pitchFamily="49" charset="0"/>
+                <a:cs typeface="Courier New" pitchFamily="49" charset="0"/>
+              </a:rPr>
+              <a:t>AClass.astatic</a:t>
             </a:r>
             <a:r>
               <a:rPr lang="en-US" altLang="ko-KR" sz="1000" dirty="0" smtClean="0">
@@ -18524,18 +18717,275 @@
                 <a:latin typeface="Courier New" pitchFamily="49" charset="0"/>
                 <a:cs typeface="Courier New" pitchFamily="49" charset="0"/>
               </a:rPr>
-              <a:t>static </a:t>
-            </a:r>
+              <a:t>( ) # possible to call</a:t>
+            </a:r>
+          </a:p>
+          <a:p>
             <a:r>
               <a:rPr lang="en-US" altLang="ko-KR" sz="1000" dirty="0" smtClean="0">
                 <a:solidFill>
+                  <a:schemeClr val="accent2">
+                    <a:lumMod val="60000"/>
+                    <a:lumOff val="40000"/>
+                  </a:schemeClr>
+                </a:solidFill>
+                <a:latin typeface="Courier New" pitchFamily="49" charset="0"/>
+                <a:cs typeface="Courier New" pitchFamily="49" charset="0"/>
+              </a:rPr>
+              <a:t>a static method</a:t>
+            </a:r>
+          </a:p>
+          <a:p>
+            <a:r>
+              <a:rPr lang="en-US" altLang="ko-KR" sz="1000" dirty="0" err="1" smtClean="0">
+                <a:solidFill>
                   <a:schemeClr val="tx1"/>
                 </a:solidFill>
                 <a:latin typeface="Courier New" pitchFamily="49" charset="0"/>
                 <a:cs typeface="Courier New" pitchFamily="49" charset="0"/>
               </a:rPr>
-              <a:t>method”)</a:t>
-            </a:r>
+              <a:t>anInstance.astatic</a:t>
+            </a:r>
+            <a:r>
+              <a:rPr lang="en-US" altLang="ko-KR" sz="1000" dirty="0" smtClean="0">
+                <a:solidFill>
+                  <a:schemeClr val="tx1"/>
+                </a:solidFill>
+                <a:latin typeface="Courier New" pitchFamily="49" charset="0"/>
+                <a:cs typeface="Courier New" pitchFamily="49" charset="0"/>
+              </a:rPr>
+              <a:t>( ) # possible to call</a:t>
+            </a:r>
+          </a:p>
+          <a:p>
+            <a:r>
+              <a:rPr lang="en-US" altLang="ko-KR" sz="1000" dirty="0" smtClean="0">
+                <a:solidFill>
+                  <a:schemeClr val="tx2">
+                    <a:lumMod val="50000"/>
+                    <a:lumOff val="50000"/>
+                  </a:schemeClr>
+                </a:solidFill>
+                <a:latin typeface="Courier New" pitchFamily="49" charset="0"/>
+                <a:cs typeface="Courier New" pitchFamily="49" charset="0"/>
+              </a:rPr>
+              <a:t>a static method</a:t>
+            </a:r>
+          </a:p>
+          <a:p>
+            <a:pPr algn="ctr"/>
+            <a:r>
+              <a:rPr lang="en-US" altLang="ko-KR" sz="1000" dirty="0" smtClean="0">
+                <a:solidFill>
+                  <a:schemeClr val="tx1"/>
+                </a:solidFill>
+                <a:latin typeface="Courier New" pitchFamily="49" charset="0"/>
+                <a:cs typeface="Courier New" pitchFamily="49" charset="0"/>
+              </a:rPr>
+              <a:t>-----------------------------------------------------------------------------------------------------</a:t>
+            </a:r>
+          </a:p>
+          <a:p>
+            <a:r>
+              <a:rPr lang="en-US" altLang="ko-KR" sz="1000" b="1" u="sng" dirty="0" smtClean="0">
+                <a:solidFill>
+                  <a:schemeClr val="tx1"/>
+                </a:solidFill>
+                <a:latin typeface="Courier New" pitchFamily="49" charset="0"/>
+                <a:cs typeface="Courier New" pitchFamily="49" charset="0"/>
+              </a:rPr>
+              <a:t>Class method</a:t>
+            </a:r>
+          </a:p>
+          <a:p>
+            <a:r>
+              <a:rPr lang="en-US" altLang="ko-KR" sz="1000" dirty="0" smtClean="0">
+                <a:solidFill>
+                  <a:schemeClr val="tx1"/>
+                </a:solidFill>
+                <a:latin typeface="Courier New" pitchFamily="49" charset="0"/>
+                <a:cs typeface="Courier New" pitchFamily="49" charset="0"/>
+              </a:rPr>
+              <a:t>class </a:t>
+            </a:r>
+            <a:r>
+              <a:rPr lang="en-US" altLang="ko-KR" sz="1000" dirty="0" err="1" smtClean="0">
+                <a:solidFill>
+                  <a:schemeClr val="tx1"/>
+                </a:solidFill>
+                <a:latin typeface="Courier New" pitchFamily="49" charset="0"/>
+                <a:cs typeface="Courier New" pitchFamily="49" charset="0"/>
+              </a:rPr>
+              <a:t>ABase</a:t>
+            </a:r>
+            <a:r>
+              <a:rPr lang="en-US" altLang="ko-KR" sz="1000" dirty="0" smtClean="0">
+                <a:solidFill>
+                  <a:schemeClr val="tx1"/>
+                </a:solidFill>
+                <a:latin typeface="Courier New" pitchFamily="49" charset="0"/>
+                <a:cs typeface="Courier New" pitchFamily="49" charset="0"/>
+              </a:rPr>
+              <a:t>(object):</a:t>
+            </a:r>
+          </a:p>
+          <a:p>
+            <a:r>
+              <a:rPr lang="en-US" altLang="ko-KR" sz="1000" dirty="0" smtClean="0">
+                <a:solidFill>
+                  <a:schemeClr val="tx1"/>
+                </a:solidFill>
+                <a:latin typeface="Courier New" pitchFamily="49" charset="0"/>
+                <a:cs typeface="Courier New" pitchFamily="49" charset="0"/>
+              </a:rPr>
+              <a:t>    def </a:t>
+            </a:r>
+            <a:r>
+              <a:rPr lang="en-US" altLang="ko-KR" sz="1000" dirty="0" err="1" smtClean="0">
+                <a:solidFill>
+                  <a:schemeClr val="tx1"/>
+                </a:solidFill>
+                <a:latin typeface="Courier New" pitchFamily="49" charset="0"/>
+                <a:cs typeface="Courier New" pitchFamily="49" charset="0"/>
+              </a:rPr>
+              <a:t>aclassmet</a:t>
+            </a:r>
+            <a:r>
+              <a:rPr lang="en-US" altLang="ko-KR" sz="1000" dirty="0" smtClean="0">
+                <a:solidFill>
+                  <a:schemeClr val="tx1"/>
+                </a:solidFill>
+                <a:latin typeface="Courier New" pitchFamily="49" charset="0"/>
+                <a:cs typeface="Courier New" pitchFamily="49" charset="0"/>
+              </a:rPr>
+              <a:t>(</a:t>
+            </a:r>
+            <a:r>
+              <a:rPr lang="en-US" altLang="ko-KR" sz="1000" dirty="0" err="1" smtClean="0">
+                <a:solidFill>
+                  <a:schemeClr val="tx1"/>
+                </a:solidFill>
+                <a:latin typeface="Courier New" pitchFamily="49" charset="0"/>
+                <a:cs typeface="Courier New" pitchFamily="49" charset="0"/>
+              </a:rPr>
+              <a:t>cls</a:t>
+            </a:r>
+            <a:r>
+              <a:rPr lang="en-US" altLang="ko-KR" sz="1000" dirty="0" smtClean="0">
+                <a:solidFill>
+                  <a:schemeClr val="tx1"/>
+                </a:solidFill>
+                <a:latin typeface="Courier New" pitchFamily="49" charset="0"/>
+                <a:cs typeface="Courier New" pitchFamily="49" charset="0"/>
+              </a:rPr>
+              <a:t>): </a:t>
+            </a:r>
+          </a:p>
+          <a:p>
+            <a:r>
+              <a:rPr lang="en-US" altLang="ko-KR" sz="1000" dirty="0" smtClean="0">
+                <a:solidFill>
+                  <a:schemeClr val="tx1"/>
+                </a:solidFill>
+                <a:latin typeface="Courier New" pitchFamily="49" charset="0"/>
+                <a:cs typeface="Courier New" pitchFamily="49" charset="0"/>
+              </a:rPr>
+              <a:t>        print(“a class method for %s” % </a:t>
+            </a:r>
+            <a:r>
+              <a:rPr lang="en-US" altLang="ko-KR" sz="1000" dirty="0" err="1" smtClean="0">
+                <a:solidFill>
+                  <a:schemeClr val="tx1"/>
+                </a:solidFill>
+                <a:latin typeface="Courier New" pitchFamily="49" charset="0"/>
+                <a:cs typeface="Courier New" pitchFamily="49" charset="0"/>
+              </a:rPr>
+              <a:t>cls.__name</a:t>
+            </a:r>
+            <a:r>
+              <a:rPr lang="en-US" altLang="ko-KR" sz="1000" dirty="0" smtClean="0">
+                <a:solidFill>
+                  <a:schemeClr val="tx1"/>
+                </a:solidFill>
+                <a:latin typeface="Courier New" pitchFamily="49" charset="0"/>
+                <a:cs typeface="Courier New" pitchFamily="49" charset="0"/>
+              </a:rPr>
+              <a:t>__)</a:t>
+            </a:r>
+          </a:p>
+          <a:p>
+            <a:r>
+              <a:rPr lang="en-US" altLang="ko-KR" sz="1000" dirty="0" smtClean="0">
+                <a:solidFill>
+                  <a:schemeClr val="tx1"/>
+                </a:solidFill>
+                <a:latin typeface="Courier New" pitchFamily="49" charset="0"/>
+                <a:cs typeface="Courier New" pitchFamily="49" charset="0"/>
+              </a:rPr>
+              <a:t>    </a:t>
+            </a:r>
+            <a:r>
+              <a:rPr lang="en-US" altLang="ko-KR" sz="1000" dirty="0" err="1" smtClean="0">
+                <a:solidFill>
+                  <a:schemeClr val="tx1"/>
+                </a:solidFill>
+                <a:latin typeface="Courier New" pitchFamily="49" charset="0"/>
+                <a:cs typeface="Courier New" pitchFamily="49" charset="0"/>
+              </a:rPr>
+              <a:t>aclassmet</a:t>
+            </a:r>
+            <a:r>
+              <a:rPr lang="en-US" altLang="ko-KR" sz="1000" dirty="0" smtClean="0">
+                <a:solidFill>
+                  <a:schemeClr val="tx1"/>
+                </a:solidFill>
+                <a:latin typeface="Courier New" pitchFamily="49" charset="0"/>
+                <a:cs typeface="Courier New" pitchFamily="49" charset="0"/>
+              </a:rPr>
+              <a:t> = </a:t>
+            </a:r>
+            <a:r>
+              <a:rPr lang="en-US" altLang="ko-KR" sz="1000" dirty="0" err="1" smtClean="0">
+                <a:solidFill>
+                  <a:schemeClr val="tx1"/>
+                </a:solidFill>
+                <a:latin typeface="Courier New" pitchFamily="49" charset="0"/>
+                <a:cs typeface="Courier New" pitchFamily="49" charset="0"/>
+              </a:rPr>
+              <a:t>classmethod</a:t>
+            </a:r>
+            <a:r>
+              <a:rPr lang="en-US" altLang="ko-KR" sz="1000" dirty="0" smtClean="0">
+                <a:solidFill>
+                  <a:schemeClr val="tx1"/>
+                </a:solidFill>
+                <a:latin typeface="Courier New" pitchFamily="49" charset="0"/>
+                <a:cs typeface="Courier New" pitchFamily="49" charset="0"/>
+              </a:rPr>
+              <a:t>(</a:t>
+            </a:r>
+            <a:r>
+              <a:rPr lang="en-US" altLang="ko-KR" sz="1000" dirty="0" err="1" smtClean="0">
+                <a:solidFill>
+                  <a:schemeClr val="tx1"/>
+                </a:solidFill>
+                <a:latin typeface="Courier New" pitchFamily="49" charset="0"/>
+                <a:cs typeface="Courier New" pitchFamily="49" charset="0"/>
+              </a:rPr>
+              <a:t>aclassmet</a:t>
+            </a:r>
+            <a:r>
+              <a:rPr lang="en-US" altLang="ko-KR" sz="1000" dirty="0" smtClean="0">
+                <a:solidFill>
+                  <a:schemeClr val="tx1"/>
+                </a:solidFill>
+                <a:latin typeface="Courier New" pitchFamily="49" charset="0"/>
+                <a:cs typeface="Courier New" pitchFamily="49" charset="0"/>
+              </a:rPr>
+              <a:t>)</a:t>
+            </a:r>
+          </a:p>
+          <a:p>
             <a:endParaRPr lang="en-US" altLang="ko-KR" sz="1000" dirty="0" smtClean="0">
               <a:solidFill>
                 <a:schemeClr val="tx1"/>
@@ -18553,7 +19003,7 @@
                 <a:latin typeface="Courier New" pitchFamily="49" charset="0"/>
                 <a:cs typeface="Courier New" pitchFamily="49" charset="0"/>
               </a:rPr>
-              <a:t>    </a:t>
+              <a:t>class </a:t>
             </a:r>
             <a:r>
               <a:rPr lang="en-US" altLang="ko-KR" sz="1000" dirty="0" err="1" smtClean="0">
@@ -18563,7 +19013,7 @@
                 <a:latin typeface="Courier New" pitchFamily="49" charset="0"/>
                 <a:cs typeface="Courier New" pitchFamily="49" charset="0"/>
               </a:rPr>
-              <a:t>astatic</a:t>
+              <a:t>ADeriv</a:t>
             </a:r>
             <a:r>
               <a:rPr lang="en-US" altLang="ko-KR" sz="1000" dirty="0" smtClean="0">
@@ -18573,7 +19023,17 @@
                 <a:latin typeface="Courier New" pitchFamily="49" charset="0"/>
                 <a:cs typeface="Courier New" pitchFamily="49" charset="0"/>
               </a:rPr>
-              <a:t> </a:t>
+              <a:t>(</a:t>
+            </a:r>
+            <a:r>
+              <a:rPr lang="en-US" altLang="ko-KR" sz="1000" dirty="0" err="1" smtClean="0">
+                <a:solidFill>
+                  <a:schemeClr val="tx1"/>
+                </a:solidFill>
+                <a:latin typeface="Courier New" pitchFamily="49" charset="0"/>
+                <a:cs typeface="Courier New" pitchFamily="49" charset="0"/>
+              </a:rPr>
+              <a:t>ABase</a:t>
             </a:r>
             <a:r>
               <a:rPr lang="en-US" altLang="ko-KR" sz="1000" dirty="0" smtClean="0">
@@ -18583,47 +19043,19 @@
                 <a:latin typeface="Courier New" pitchFamily="49" charset="0"/>
                 <a:cs typeface="Courier New" pitchFamily="49" charset="0"/>
               </a:rPr>
-              <a:t>= </a:t>
-            </a:r>
-            <a:r>
-              <a:rPr lang="en-US" altLang="ko-KR" sz="1000" dirty="0" err="1" smtClean="0">
+              <a:t>):</a:t>
+            </a:r>
+          </a:p>
+          <a:p>
+            <a:r>
+              <a:rPr lang="en-US" altLang="ko-KR" sz="1000" dirty="0" smtClean="0">
                 <a:solidFill>
                   <a:schemeClr val="tx1"/>
                 </a:solidFill>
                 <a:latin typeface="Courier New" pitchFamily="49" charset="0"/>
                 <a:cs typeface="Courier New" pitchFamily="49" charset="0"/>
               </a:rPr>
-              <a:t>staticmethod</a:t>
-            </a:r>
-            <a:r>
-              <a:rPr lang="en-US" altLang="ko-KR" sz="1000" dirty="0" smtClean="0">
-                <a:solidFill>
-                  <a:schemeClr val="tx1"/>
-                </a:solidFill>
-                <a:latin typeface="Courier New" pitchFamily="49" charset="0"/>
-                <a:cs typeface="Courier New" pitchFamily="49" charset="0"/>
-              </a:rPr>
-              <a:t>(</a:t>
-            </a:r>
-            <a:r>
-              <a:rPr lang="en-US" altLang="ko-KR" sz="1000" dirty="0" err="1" smtClean="0">
-                <a:solidFill>
-                  <a:schemeClr val="tx1"/>
-                </a:solidFill>
-                <a:latin typeface="Courier New" pitchFamily="49" charset="0"/>
-                <a:cs typeface="Courier New" pitchFamily="49" charset="0"/>
-              </a:rPr>
-              <a:t>astatic</a:t>
-            </a:r>
-            <a:r>
-              <a:rPr lang="en-US" altLang="ko-KR" sz="1000" dirty="0" smtClean="0">
-                <a:solidFill>
-                  <a:schemeClr val="tx1"/>
-                </a:solidFill>
-                <a:latin typeface="Courier New" pitchFamily="49" charset="0"/>
-                <a:cs typeface="Courier New" pitchFamily="49" charset="0"/>
-              </a:rPr>
-              <a:t>)</a:t>
+              <a:t>    pass</a:t>
             </a:r>
           </a:p>
           <a:p>
@@ -18644,7 +19076,7 @@
                 <a:latin typeface="Courier New" pitchFamily="49" charset="0"/>
                 <a:cs typeface="Courier New" pitchFamily="49" charset="0"/>
               </a:rPr>
-              <a:t>anInstance</a:t>
+              <a:t>bInstance</a:t>
             </a:r>
             <a:r>
               <a:rPr lang="en-US" altLang="ko-KR" sz="1000" dirty="0" smtClean="0">
@@ -18664,7 +19096,7 @@
                 <a:latin typeface="Courier New" pitchFamily="49" charset="0"/>
                 <a:cs typeface="Courier New" pitchFamily="49" charset="0"/>
               </a:rPr>
-              <a:t>AClass</a:t>
+              <a:t>ABase</a:t>
             </a:r>
             <a:r>
               <a:rPr lang="en-US" altLang="ko-KR" sz="1000" dirty="0" smtClean="0">
@@ -18686,7 +19118,7 @@
                 <a:latin typeface="Courier New" pitchFamily="49" charset="0"/>
                 <a:cs typeface="Courier New" pitchFamily="49" charset="0"/>
               </a:rPr>
-              <a:t>AClass.astatic</a:t>
+              <a:t>dInstance</a:t>
             </a:r>
             <a:r>
               <a:rPr lang="en-US" altLang="ko-KR" sz="1000" dirty="0" smtClean="0">
@@ -18696,7 +19128,17 @@
                 <a:latin typeface="Courier New" pitchFamily="49" charset="0"/>
                 <a:cs typeface="Courier New" pitchFamily="49" charset="0"/>
               </a:rPr>
-              <a:t>( ) # </a:t>
+              <a:t> = </a:t>
+            </a:r>
+            <a:r>
+              <a:rPr lang="en-US" altLang="ko-KR" sz="1000" dirty="0" err="1" smtClean="0">
+                <a:solidFill>
+                  <a:schemeClr val="tx1"/>
+                </a:solidFill>
+                <a:latin typeface="Courier New" pitchFamily="49" charset="0"/>
+                <a:cs typeface="Courier New" pitchFamily="49" charset="0"/>
+              </a:rPr>
+              <a:t>ADeriv</a:t>
             </a:r>
             <a:r>
               <a:rPr lang="en-US" altLang="ko-KR" sz="1000" dirty="0" smtClean="0">
@@ -18706,601 +19148,29 @@
                 <a:latin typeface="Courier New" pitchFamily="49" charset="0"/>
                 <a:cs typeface="Courier New" pitchFamily="49" charset="0"/>
               </a:rPr>
-              <a:t>possible to call</a:t>
-            </a:r>
-          </a:p>
-          <a:p>
+              <a:t>( )</a:t>
+            </a:r>
+          </a:p>
+          <a:p>
+            <a:r>
+              <a:rPr lang="en-US" altLang="ko-KR" sz="1000" dirty="0" err="1" smtClean="0">
+                <a:solidFill>
+                  <a:schemeClr val="tx1"/>
+                </a:solidFill>
+                <a:latin typeface="Courier New" pitchFamily="49" charset="0"/>
+                <a:cs typeface="Courier New" pitchFamily="49" charset="0"/>
+              </a:rPr>
+              <a:t>ABase.aclassmet</a:t>
+            </a:r>
             <a:r>
               <a:rPr lang="en-US" altLang="ko-KR" sz="1000" dirty="0" smtClean="0">
                 <a:solidFill>
-                  <a:schemeClr val="accent2">
-                    <a:lumMod val="60000"/>
-                    <a:lumOff val="40000"/>
-                  </a:schemeClr>
-                </a:solidFill>
-                <a:latin typeface="Courier New" pitchFamily="49" charset="0"/>
-                <a:cs typeface="Courier New" pitchFamily="49" charset="0"/>
-              </a:rPr>
-              <a:t>a static method</a:t>
-            </a:r>
-            <a:endParaRPr lang="en-US" altLang="ko-KR" sz="1000" dirty="0" smtClean="0">
-              <a:solidFill>
-                <a:schemeClr val="accent2">
-                  <a:lumMod val="60000"/>
-                  <a:lumOff val="40000"/>
-                </a:schemeClr>
-              </a:solidFill>
-              <a:latin typeface="Courier New" pitchFamily="49" charset="0"/>
-              <a:cs typeface="Courier New" pitchFamily="49" charset="0"/>
-            </a:endParaRPr>
-          </a:p>
-          <a:p>
-            <a:r>
-              <a:rPr lang="en-US" altLang="ko-KR" sz="1000" dirty="0" err="1" smtClean="0">
-                <a:solidFill>
                   <a:schemeClr val="tx1"/>
                 </a:solidFill>
                 <a:latin typeface="Courier New" pitchFamily="49" charset="0"/>
                 <a:cs typeface="Courier New" pitchFamily="49" charset="0"/>
               </a:rPr>
-              <a:t>anInstance.astatic</a:t>
-            </a:r>
-            <a:r>
-              <a:rPr lang="en-US" altLang="ko-KR" sz="1000" dirty="0" smtClean="0">
-                <a:solidFill>
-                  <a:schemeClr val="tx1"/>
-                </a:solidFill>
-                <a:latin typeface="Courier New" pitchFamily="49" charset="0"/>
-                <a:cs typeface="Courier New" pitchFamily="49" charset="0"/>
-              </a:rPr>
-              <a:t>( ) # </a:t>
-            </a:r>
-            <a:r>
-              <a:rPr lang="en-US" altLang="ko-KR" sz="1000" dirty="0" smtClean="0">
-                <a:solidFill>
-                  <a:schemeClr val="tx1"/>
-                </a:solidFill>
-                <a:latin typeface="Courier New" pitchFamily="49" charset="0"/>
-                <a:cs typeface="Courier New" pitchFamily="49" charset="0"/>
-              </a:rPr>
-              <a:t>possible to call</a:t>
-            </a:r>
-          </a:p>
-          <a:p>
-            <a:r>
-              <a:rPr lang="en-US" altLang="ko-KR" sz="1000" dirty="0" smtClean="0">
-                <a:solidFill>
-                  <a:schemeClr val="tx2">
-                    <a:lumMod val="50000"/>
-                    <a:lumOff val="50000"/>
-                  </a:schemeClr>
-                </a:solidFill>
-                <a:latin typeface="Courier New" pitchFamily="49" charset="0"/>
-                <a:cs typeface="Courier New" pitchFamily="49" charset="0"/>
-              </a:rPr>
-              <a:t>a static </a:t>
-            </a:r>
-            <a:r>
-              <a:rPr lang="en-US" altLang="ko-KR" sz="1000" dirty="0" smtClean="0">
-                <a:solidFill>
-                  <a:schemeClr val="tx2">
-                    <a:lumMod val="50000"/>
-                    <a:lumOff val="50000"/>
-                  </a:schemeClr>
-                </a:solidFill>
-                <a:latin typeface="Courier New" pitchFamily="49" charset="0"/>
-                <a:cs typeface="Courier New" pitchFamily="49" charset="0"/>
-              </a:rPr>
-              <a:t>method</a:t>
-            </a:r>
-          </a:p>
-          <a:p>
-            <a:pPr algn="ctr"/>
-            <a:r>
-              <a:rPr lang="en-US" altLang="ko-KR" sz="1000" dirty="0" smtClean="0">
-                <a:solidFill>
-                  <a:schemeClr val="tx1"/>
-                </a:solidFill>
-                <a:latin typeface="Courier New" pitchFamily="49" charset="0"/>
-                <a:cs typeface="Courier New" pitchFamily="49" charset="0"/>
-              </a:rPr>
-              <a:t>-----------------------------------------------------------------------------------------------------</a:t>
-            </a:r>
-            <a:endParaRPr lang="en-US" altLang="ko-KR" sz="1000" dirty="0" smtClean="0">
-              <a:solidFill>
-                <a:schemeClr val="tx1"/>
-              </a:solidFill>
-              <a:latin typeface="Courier New" pitchFamily="49" charset="0"/>
-              <a:cs typeface="Courier New" pitchFamily="49" charset="0"/>
-            </a:endParaRPr>
-          </a:p>
-          <a:p>
-            <a:r>
-              <a:rPr lang="en-US" altLang="ko-KR" sz="1000" b="1" u="sng" dirty="0" smtClean="0">
-                <a:solidFill>
-                  <a:schemeClr val="tx1"/>
-                </a:solidFill>
-                <a:latin typeface="Courier New" pitchFamily="49" charset="0"/>
-                <a:cs typeface="Courier New" pitchFamily="49" charset="0"/>
-              </a:rPr>
-              <a:t>Class method</a:t>
-            </a:r>
-            <a:endParaRPr lang="en-US" altLang="ko-KR" sz="1000" b="1" u="sng" dirty="0" smtClean="0">
-              <a:solidFill>
-                <a:schemeClr val="tx1"/>
-              </a:solidFill>
-              <a:latin typeface="Courier New" pitchFamily="49" charset="0"/>
-              <a:cs typeface="Courier New" pitchFamily="49" charset="0"/>
-            </a:endParaRPr>
-          </a:p>
-          <a:p>
-            <a:r>
-              <a:rPr lang="en-US" altLang="ko-KR" sz="1000" dirty="0" smtClean="0">
-                <a:solidFill>
-                  <a:schemeClr val="tx1"/>
-                </a:solidFill>
-                <a:latin typeface="Courier New" pitchFamily="49" charset="0"/>
-                <a:cs typeface="Courier New" pitchFamily="49" charset="0"/>
-              </a:rPr>
-              <a:t>class </a:t>
-            </a:r>
-            <a:r>
-              <a:rPr lang="en-US" altLang="ko-KR" sz="1000" dirty="0" err="1" smtClean="0">
-                <a:solidFill>
-                  <a:schemeClr val="tx1"/>
-                </a:solidFill>
-                <a:latin typeface="Courier New" pitchFamily="49" charset="0"/>
-                <a:cs typeface="Courier New" pitchFamily="49" charset="0"/>
-              </a:rPr>
-              <a:t>ABase</a:t>
-            </a:r>
-            <a:r>
-              <a:rPr lang="en-US" altLang="ko-KR" sz="1000" dirty="0" smtClean="0">
-                <a:solidFill>
-                  <a:schemeClr val="tx1"/>
-                </a:solidFill>
-                <a:latin typeface="Courier New" pitchFamily="49" charset="0"/>
-                <a:cs typeface="Courier New" pitchFamily="49" charset="0"/>
-              </a:rPr>
-              <a:t>(object):</a:t>
-            </a:r>
-          </a:p>
-          <a:p>
-            <a:r>
-              <a:rPr lang="en-US" altLang="ko-KR" sz="1000" dirty="0" smtClean="0">
-                <a:solidFill>
-                  <a:schemeClr val="tx1"/>
-                </a:solidFill>
-                <a:latin typeface="Courier New" pitchFamily="49" charset="0"/>
-                <a:cs typeface="Courier New" pitchFamily="49" charset="0"/>
-              </a:rPr>
-              <a:t>    def </a:t>
-            </a:r>
-            <a:r>
-              <a:rPr lang="en-US" altLang="ko-KR" sz="1000" dirty="0" err="1" smtClean="0">
-                <a:solidFill>
-                  <a:schemeClr val="tx1"/>
-                </a:solidFill>
-                <a:latin typeface="Courier New" pitchFamily="49" charset="0"/>
-                <a:cs typeface="Courier New" pitchFamily="49" charset="0"/>
-              </a:rPr>
-              <a:t>aclassmet</a:t>
-            </a:r>
-            <a:r>
-              <a:rPr lang="en-US" altLang="ko-KR" sz="1000" dirty="0" smtClean="0">
-                <a:solidFill>
-                  <a:schemeClr val="tx1"/>
-                </a:solidFill>
-                <a:latin typeface="Courier New" pitchFamily="49" charset="0"/>
-                <a:cs typeface="Courier New" pitchFamily="49" charset="0"/>
-              </a:rPr>
-              <a:t>(</a:t>
-            </a:r>
-            <a:r>
-              <a:rPr lang="en-US" altLang="ko-KR" sz="1000" dirty="0" err="1" smtClean="0">
-                <a:solidFill>
-                  <a:schemeClr val="tx1"/>
-                </a:solidFill>
-                <a:latin typeface="Courier New" pitchFamily="49" charset="0"/>
-                <a:cs typeface="Courier New" pitchFamily="49" charset="0"/>
-              </a:rPr>
-              <a:t>cls</a:t>
-            </a:r>
-            <a:r>
-              <a:rPr lang="en-US" altLang="ko-KR" sz="1000" dirty="0" smtClean="0">
-                <a:solidFill>
-                  <a:schemeClr val="tx1"/>
-                </a:solidFill>
-                <a:latin typeface="Courier New" pitchFamily="49" charset="0"/>
-                <a:cs typeface="Courier New" pitchFamily="49" charset="0"/>
-              </a:rPr>
-              <a:t>): </a:t>
-            </a:r>
-            <a:endParaRPr lang="en-US" altLang="ko-KR" sz="1000" dirty="0" smtClean="0">
-              <a:solidFill>
-                <a:schemeClr val="tx1"/>
-              </a:solidFill>
-              <a:latin typeface="Courier New" pitchFamily="49" charset="0"/>
-              <a:cs typeface="Courier New" pitchFamily="49" charset="0"/>
-            </a:endParaRPr>
-          </a:p>
-          <a:p>
-            <a:r>
-              <a:rPr lang="en-US" altLang="ko-KR" sz="1000" dirty="0" smtClean="0">
-                <a:solidFill>
-                  <a:schemeClr val="tx1"/>
-                </a:solidFill>
-                <a:latin typeface="Courier New" pitchFamily="49" charset="0"/>
-                <a:cs typeface="Courier New" pitchFamily="49" charset="0"/>
-              </a:rPr>
-              <a:t> </a:t>
-            </a:r>
-            <a:r>
-              <a:rPr lang="en-US" altLang="ko-KR" sz="1000" dirty="0" smtClean="0">
-                <a:solidFill>
-                  <a:schemeClr val="tx1"/>
-                </a:solidFill>
-                <a:latin typeface="Courier New" pitchFamily="49" charset="0"/>
-                <a:cs typeface="Courier New" pitchFamily="49" charset="0"/>
-              </a:rPr>
-              <a:t>       print(“a </a:t>
-            </a:r>
-            <a:r>
-              <a:rPr lang="en-US" altLang="ko-KR" sz="1000" dirty="0" smtClean="0">
-                <a:solidFill>
-                  <a:schemeClr val="tx1"/>
-                </a:solidFill>
-                <a:latin typeface="Courier New" pitchFamily="49" charset="0"/>
-                <a:cs typeface="Courier New" pitchFamily="49" charset="0"/>
-              </a:rPr>
-              <a:t>class method </a:t>
-            </a:r>
-            <a:r>
-              <a:rPr lang="en-US" altLang="ko-KR" sz="1000" dirty="0" smtClean="0">
-                <a:solidFill>
-                  <a:schemeClr val="tx1"/>
-                </a:solidFill>
-                <a:latin typeface="Courier New" pitchFamily="49" charset="0"/>
-                <a:cs typeface="Courier New" pitchFamily="49" charset="0"/>
-              </a:rPr>
-              <a:t>for %s” % </a:t>
-            </a:r>
-            <a:r>
-              <a:rPr lang="en-US" altLang="ko-KR" sz="1000" dirty="0" err="1" smtClean="0">
-                <a:solidFill>
-                  <a:schemeClr val="tx1"/>
-                </a:solidFill>
-                <a:latin typeface="Courier New" pitchFamily="49" charset="0"/>
-                <a:cs typeface="Courier New" pitchFamily="49" charset="0"/>
-              </a:rPr>
-              <a:t>cls</a:t>
-            </a:r>
-            <a:r>
-              <a:rPr lang="en-US" altLang="ko-KR" sz="1000" dirty="0" err="1" smtClean="0">
-                <a:solidFill>
-                  <a:schemeClr val="tx1"/>
-                </a:solidFill>
-                <a:latin typeface="Courier New" pitchFamily="49" charset="0"/>
-                <a:cs typeface="Courier New" pitchFamily="49" charset="0"/>
-              </a:rPr>
-              <a:t>.__</a:t>
-            </a:r>
-            <a:r>
-              <a:rPr lang="en-US" altLang="ko-KR" sz="1000" dirty="0" err="1" smtClean="0">
-                <a:solidFill>
-                  <a:schemeClr val="tx1"/>
-                </a:solidFill>
-                <a:latin typeface="Courier New" pitchFamily="49" charset="0"/>
-                <a:cs typeface="Courier New" pitchFamily="49" charset="0"/>
-              </a:rPr>
-              <a:t>name</a:t>
-            </a:r>
-            <a:r>
-              <a:rPr lang="en-US" altLang="ko-KR" sz="1000" dirty="0" smtClean="0">
-                <a:solidFill>
-                  <a:schemeClr val="tx1"/>
-                </a:solidFill>
-                <a:latin typeface="Courier New" pitchFamily="49" charset="0"/>
-                <a:cs typeface="Courier New" pitchFamily="49" charset="0"/>
-              </a:rPr>
-              <a:t>__)</a:t>
-            </a:r>
-            <a:endParaRPr lang="en-US" altLang="ko-KR" sz="1000" dirty="0" smtClean="0">
-              <a:solidFill>
-                <a:schemeClr val="tx1"/>
-              </a:solidFill>
-              <a:latin typeface="Courier New" pitchFamily="49" charset="0"/>
-              <a:cs typeface="Courier New" pitchFamily="49" charset="0"/>
-            </a:endParaRPr>
-          </a:p>
-          <a:p>
-            <a:r>
-              <a:rPr lang="en-US" altLang="ko-KR" sz="1000" dirty="0" smtClean="0">
-                <a:solidFill>
-                  <a:schemeClr val="tx1"/>
-                </a:solidFill>
-                <a:latin typeface="Courier New" pitchFamily="49" charset="0"/>
-                <a:cs typeface="Courier New" pitchFamily="49" charset="0"/>
-              </a:rPr>
-              <a:t>    </a:t>
-            </a:r>
-            <a:r>
-              <a:rPr lang="en-US" altLang="ko-KR" sz="1000" dirty="0" err="1" smtClean="0">
-                <a:solidFill>
-                  <a:schemeClr val="tx1"/>
-                </a:solidFill>
-                <a:latin typeface="Courier New" pitchFamily="49" charset="0"/>
-                <a:cs typeface="Courier New" pitchFamily="49" charset="0"/>
-              </a:rPr>
-              <a:t>aclassmet</a:t>
-            </a:r>
-            <a:r>
-              <a:rPr lang="en-US" altLang="ko-KR" sz="1000" dirty="0" smtClean="0">
-                <a:solidFill>
-                  <a:schemeClr val="tx1"/>
-                </a:solidFill>
-                <a:latin typeface="Courier New" pitchFamily="49" charset="0"/>
-                <a:cs typeface="Courier New" pitchFamily="49" charset="0"/>
-              </a:rPr>
-              <a:t> </a:t>
-            </a:r>
-            <a:r>
-              <a:rPr lang="en-US" altLang="ko-KR" sz="1000" dirty="0" smtClean="0">
-                <a:solidFill>
-                  <a:schemeClr val="tx1"/>
-                </a:solidFill>
-                <a:latin typeface="Courier New" pitchFamily="49" charset="0"/>
-                <a:cs typeface="Courier New" pitchFamily="49" charset="0"/>
-              </a:rPr>
-              <a:t>= </a:t>
-            </a:r>
-            <a:r>
-              <a:rPr lang="en-US" altLang="ko-KR" sz="1000" dirty="0" err="1" smtClean="0">
-                <a:solidFill>
-                  <a:schemeClr val="tx1"/>
-                </a:solidFill>
-                <a:latin typeface="Courier New" pitchFamily="49" charset="0"/>
-                <a:cs typeface="Courier New" pitchFamily="49" charset="0"/>
-              </a:rPr>
-              <a:t>classmethod</a:t>
-            </a:r>
-            <a:r>
-              <a:rPr lang="en-US" altLang="ko-KR" sz="1000" dirty="0" smtClean="0">
-                <a:solidFill>
-                  <a:schemeClr val="tx1"/>
-                </a:solidFill>
-                <a:latin typeface="Courier New" pitchFamily="49" charset="0"/>
-                <a:cs typeface="Courier New" pitchFamily="49" charset="0"/>
-              </a:rPr>
-              <a:t>(</a:t>
-            </a:r>
-            <a:r>
-              <a:rPr lang="en-US" altLang="ko-KR" sz="1000" dirty="0" err="1" smtClean="0">
-                <a:solidFill>
-                  <a:schemeClr val="tx1"/>
-                </a:solidFill>
-                <a:latin typeface="Courier New" pitchFamily="49" charset="0"/>
-                <a:cs typeface="Courier New" pitchFamily="49" charset="0"/>
-              </a:rPr>
-              <a:t>aclassmet</a:t>
-            </a:r>
-            <a:r>
-              <a:rPr lang="en-US" altLang="ko-KR" sz="1000" dirty="0" smtClean="0">
-                <a:solidFill>
-                  <a:schemeClr val="tx1"/>
-                </a:solidFill>
-                <a:latin typeface="Courier New" pitchFamily="49" charset="0"/>
-                <a:cs typeface="Courier New" pitchFamily="49" charset="0"/>
-              </a:rPr>
-              <a:t>)</a:t>
-            </a:r>
-          </a:p>
-          <a:p>
-            <a:endParaRPr lang="en-US" altLang="ko-KR" sz="1000" dirty="0" smtClean="0">
-              <a:solidFill>
-                <a:schemeClr val="tx1"/>
-              </a:solidFill>
-              <a:latin typeface="Courier New" pitchFamily="49" charset="0"/>
-              <a:cs typeface="Courier New" pitchFamily="49" charset="0"/>
-            </a:endParaRPr>
-          </a:p>
-          <a:p>
-            <a:r>
-              <a:rPr lang="en-US" altLang="ko-KR" sz="1000" dirty="0" smtClean="0">
-                <a:solidFill>
-                  <a:schemeClr val="tx1"/>
-                </a:solidFill>
-                <a:latin typeface="Courier New" pitchFamily="49" charset="0"/>
-                <a:cs typeface="Courier New" pitchFamily="49" charset="0"/>
-              </a:rPr>
-              <a:t>class </a:t>
-            </a:r>
-            <a:r>
-              <a:rPr lang="en-US" altLang="ko-KR" sz="1000" dirty="0" err="1" smtClean="0">
-                <a:solidFill>
-                  <a:schemeClr val="tx1"/>
-                </a:solidFill>
-                <a:latin typeface="Courier New" pitchFamily="49" charset="0"/>
-                <a:cs typeface="Courier New" pitchFamily="49" charset="0"/>
-              </a:rPr>
-              <a:t>ADeriv</a:t>
-            </a:r>
-            <a:r>
-              <a:rPr lang="en-US" altLang="ko-KR" sz="1000" dirty="0" smtClean="0">
-                <a:solidFill>
-                  <a:schemeClr val="tx1"/>
-                </a:solidFill>
-                <a:latin typeface="Courier New" pitchFamily="49" charset="0"/>
-                <a:cs typeface="Courier New" pitchFamily="49" charset="0"/>
-              </a:rPr>
-              <a:t>(</a:t>
-            </a:r>
-            <a:r>
-              <a:rPr lang="en-US" altLang="ko-KR" sz="1000" dirty="0" err="1" smtClean="0">
-                <a:solidFill>
-                  <a:schemeClr val="tx1"/>
-                </a:solidFill>
-                <a:latin typeface="Courier New" pitchFamily="49" charset="0"/>
-                <a:cs typeface="Courier New" pitchFamily="49" charset="0"/>
-              </a:rPr>
-              <a:t>ABase</a:t>
-            </a:r>
-            <a:r>
-              <a:rPr lang="en-US" altLang="ko-KR" sz="1000" dirty="0" smtClean="0">
-                <a:solidFill>
-                  <a:schemeClr val="tx1"/>
-                </a:solidFill>
-                <a:latin typeface="Courier New" pitchFamily="49" charset="0"/>
-                <a:cs typeface="Courier New" pitchFamily="49" charset="0"/>
-              </a:rPr>
-              <a:t>):</a:t>
-            </a:r>
-          </a:p>
-          <a:p>
-            <a:r>
-              <a:rPr lang="en-US" altLang="ko-KR" sz="1000" dirty="0" smtClean="0">
-                <a:solidFill>
-                  <a:schemeClr val="tx1"/>
-                </a:solidFill>
-                <a:latin typeface="Courier New" pitchFamily="49" charset="0"/>
-                <a:cs typeface="Courier New" pitchFamily="49" charset="0"/>
-              </a:rPr>
-              <a:t> </a:t>
-            </a:r>
-            <a:r>
-              <a:rPr lang="en-US" altLang="ko-KR" sz="1000" dirty="0" smtClean="0">
-                <a:solidFill>
-                  <a:schemeClr val="tx1"/>
-                </a:solidFill>
-                <a:latin typeface="Courier New" pitchFamily="49" charset="0"/>
-                <a:cs typeface="Courier New" pitchFamily="49" charset="0"/>
-              </a:rPr>
-              <a:t>   pass</a:t>
-            </a:r>
-          </a:p>
-          <a:p>
-            <a:endParaRPr lang="en-US" altLang="ko-KR" sz="1000" dirty="0" smtClean="0">
-              <a:solidFill>
-                <a:schemeClr val="tx1"/>
-              </a:solidFill>
-              <a:latin typeface="Courier New" pitchFamily="49" charset="0"/>
-              <a:cs typeface="Courier New" pitchFamily="49" charset="0"/>
-            </a:endParaRPr>
-          </a:p>
-          <a:p>
-            <a:r>
-              <a:rPr lang="en-US" altLang="ko-KR" sz="1000" dirty="0" err="1" smtClean="0">
-                <a:solidFill>
-                  <a:schemeClr val="tx1"/>
-                </a:solidFill>
-                <a:latin typeface="Courier New" pitchFamily="49" charset="0"/>
-                <a:cs typeface="Courier New" pitchFamily="49" charset="0"/>
-              </a:rPr>
-              <a:t>bInstance</a:t>
-            </a:r>
-            <a:r>
-              <a:rPr lang="en-US" altLang="ko-KR" sz="1000" dirty="0" smtClean="0">
-                <a:solidFill>
-                  <a:schemeClr val="tx1"/>
-                </a:solidFill>
-                <a:latin typeface="Courier New" pitchFamily="49" charset="0"/>
-                <a:cs typeface="Courier New" pitchFamily="49" charset="0"/>
-              </a:rPr>
-              <a:t> = </a:t>
-            </a:r>
-            <a:r>
-              <a:rPr lang="en-US" altLang="ko-KR" sz="1000" dirty="0" err="1" smtClean="0">
-                <a:solidFill>
-                  <a:schemeClr val="tx1"/>
-                </a:solidFill>
-                <a:latin typeface="Courier New" pitchFamily="49" charset="0"/>
-                <a:cs typeface="Courier New" pitchFamily="49" charset="0"/>
-              </a:rPr>
-              <a:t>ABase</a:t>
-            </a:r>
-            <a:r>
-              <a:rPr lang="en-US" altLang="ko-KR" sz="1000" dirty="0" smtClean="0">
-                <a:solidFill>
-                  <a:schemeClr val="tx1"/>
-                </a:solidFill>
-                <a:latin typeface="Courier New" pitchFamily="49" charset="0"/>
-                <a:cs typeface="Courier New" pitchFamily="49" charset="0"/>
-              </a:rPr>
               <a:t>( )</a:t>
-            </a:r>
-          </a:p>
-          <a:p>
-            <a:r>
-              <a:rPr lang="en-US" altLang="ko-KR" sz="1000" dirty="0" err="1" smtClean="0">
-                <a:solidFill>
-                  <a:schemeClr val="tx1"/>
-                </a:solidFill>
-                <a:latin typeface="Courier New" pitchFamily="49" charset="0"/>
-                <a:cs typeface="Courier New" pitchFamily="49" charset="0"/>
-              </a:rPr>
-              <a:t>dInstance</a:t>
-            </a:r>
-            <a:r>
-              <a:rPr lang="en-US" altLang="ko-KR" sz="1000" dirty="0" smtClean="0">
-                <a:solidFill>
-                  <a:schemeClr val="tx1"/>
-                </a:solidFill>
-                <a:latin typeface="Courier New" pitchFamily="49" charset="0"/>
-                <a:cs typeface="Courier New" pitchFamily="49" charset="0"/>
-              </a:rPr>
-              <a:t> = </a:t>
-            </a:r>
-            <a:r>
-              <a:rPr lang="en-US" altLang="ko-KR" sz="1000" dirty="0" err="1" smtClean="0">
-                <a:solidFill>
-                  <a:schemeClr val="tx1"/>
-                </a:solidFill>
-                <a:latin typeface="Courier New" pitchFamily="49" charset="0"/>
-                <a:cs typeface="Courier New" pitchFamily="49" charset="0"/>
-              </a:rPr>
-              <a:t>ADeriv</a:t>
-            </a:r>
-            <a:r>
-              <a:rPr lang="en-US" altLang="ko-KR" sz="1000" dirty="0" smtClean="0">
-                <a:solidFill>
-                  <a:schemeClr val="tx1"/>
-                </a:solidFill>
-                <a:latin typeface="Courier New" pitchFamily="49" charset="0"/>
-                <a:cs typeface="Courier New" pitchFamily="49" charset="0"/>
-              </a:rPr>
-              <a:t>( )</a:t>
-            </a:r>
-          </a:p>
-          <a:p>
-            <a:r>
-              <a:rPr lang="en-US" altLang="ko-KR" sz="1000" dirty="0" err="1" smtClean="0">
-                <a:solidFill>
-                  <a:schemeClr val="tx1"/>
-                </a:solidFill>
-                <a:latin typeface="Courier New" pitchFamily="49" charset="0"/>
-                <a:cs typeface="Courier New" pitchFamily="49" charset="0"/>
-              </a:rPr>
-              <a:t>ABase.aclassmet</a:t>
-            </a:r>
-            <a:r>
-              <a:rPr lang="en-US" altLang="ko-KR" sz="1000" dirty="0" smtClean="0">
-                <a:solidFill>
-                  <a:schemeClr val="tx1"/>
-                </a:solidFill>
-                <a:latin typeface="Courier New" pitchFamily="49" charset="0"/>
-                <a:cs typeface="Courier New" pitchFamily="49" charset="0"/>
-              </a:rPr>
-              <a:t>( </a:t>
-            </a:r>
-            <a:r>
-              <a:rPr lang="en-US" altLang="ko-KR" sz="1000" dirty="0" smtClean="0">
-                <a:solidFill>
-                  <a:schemeClr val="tx1"/>
-                </a:solidFill>
-                <a:latin typeface="Courier New" pitchFamily="49" charset="0"/>
-                <a:cs typeface="Courier New" pitchFamily="49" charset="0"/>
-              </a:rPr>
-              <a:t>)</a:t>
             </a:r>
           </a:p>
           <a:p>
@@ -19375,20 +19245,7 @@
                 <a:latin typeface="Courier New" pitchFamily="49" charset="0"/>
                 <a:cs typeface="Courier New" pitchFamily="49" charset="0"/>
               </a:rPr>
-              <a:t>a </a:t>
-            </a:r>
-            <a:r>
-              <a:rPr lang="en-US" altLang="ko-KR" sz="1000" dirty="0" smtClean="0">
-                <a:solidFill>
-                  <a:schemeClr val="tx2">
-                    <a:lumMod val="50000"/>
-                    <a:lumOff val="50000"/>
-                  </a:schemeClr>
-                </a:solidFill>
-                <a:latin typeface="Courier New" pitchFamily="49" charset="0"/>
-                <a:cs typeface="Courier New" pitchFamily="49" charset="0"/>
-              </a:rPr>
-              <a:t>class method for </a:t>
+              <a:t>a class method for </a:t>
             </a:r>
             <a:r>
               <a:rPr lang="en-US" altLang="ko-KR" sz="1000" dirty="0" err="1" smtClean="0">
@@ -19448,20 +19305,7 @@
                 <a:latin typeface="Courier New" pitchFamily="49" charset="0"/>
                 <a:cs typeface="Courier New" pitchFamily="49" charset="0"/>
               </a:rPr>
-              <a:t>a </a:t>
-            </a:r>
-            <a:r>
-              <a:rPr lang="en-US" altLang="ko-KR" sz="1000" dirty="0" smtClean="0">
-                <a:solidFill>
-                  <a:schemeClr val="tx2">
-                    <a:lumMod val="50000"/>
-                    <a:lumOff val="50000"/>
-                  </a:schemeClr>
-                </a:solidFill>
-                <a:latin typeface="Courier New" pitchFamily="49" charset="0"/>
-                <a:cs typeface="Courier New" pitchFamily="49" charset="0"/>
-              </a:rPr>
-              <a:t>class method for </a:t>
+              <a:t>a class method for </a:t>
             </a:r>
             <a:r>
               <a:rPr lang="en-US" altLang="ko-KR" sz="1000" dirty="0" err="1" smtClean="0">
@@ -19521,20 +19365,7 @@
                 <a:latin typeface="Courier New" pitchFamily="49" charset="0"/>
                 <a:cs typeface="Courier New" pitchFamily="49" charset="0"/>
               </a:rPr>
-              <a:t>a </a:t>
-            </a:r>
-            <a:r>
-              <a:rPr lang="en-US" altLang="ko-KR" sz="1000" dirty="0" smtClean="0">
-                <a:solidFill>
-                  <a:schemeClr val="tx2">
-                    <a:lumMod val="50000"/>
-                    <a:lumOff val="50000"/>
-                  </a:schemeClr>
-                </a:solidFill>
-                <a:latin typeface="Courier New" pitchFamily="49" charset="0"/>
-                <a:cs typeface="Courier New" pitchFamily="49" charset="0"/>
-              </a:rPr>
-              <a:t>class method for </a:t>
+              <a:t>a class method for </a:t>
             </a:r>
             <a:r>
               <a:rPr lang="en-US" altLang="ko-KR" sz="1000" dirty="0" err="1" smtClean="0">
@@ -19583,6 +19414,941 @@
 </file>
 
 <file path=ppt/slides/slide26.xml><?xml version="1.0" encoding="utf-8"?>
+<p:sld xmlns:a="http://schemas.openxmlformats.org/drawingml/2006/main" xmlns:r="http://schemas.openxmlformats.org/officeDocument/2006/relationships" xmlns:p="http://schemas.openxmlformats.org/presentationml/2006/main">
+  <p:cSld>
+    <p:spTree>
+      <p:nvGrpSpPr>
+        <p:cNvPr id="1" name=""/>
+        <p:cNvGrpSpPr/>
+        <p:nvPr/>
+      </p:nvGrpSpPr>
+      <p:grpSpPr>
+        <a:xfrm>
+          <a:off x="0" y="0"/>
+          <a:ext cx="0" cy="0"/>
+          <a:chOff x="0" y="0"/>
+          <a:chExt cx="0" cy="0"/>
+        </a:xfrm>
+      </p:grpSpPr>
+      <p:sp>
+        <p:nvSpPr>
+          <p:cNvPr id="2" name="제목 1"/>
+          <p:cNvSpPr>
+            <a:spLocks noGrp="1"/>
+          </p:cNvSpPr>
+          <p:nvPr>
+            <p:ph type="title"/>
+          </p:nvPr>
+        </p:nvSpPr>
+        <p:spPr/>
+        <p:txBody>
+          <a:bodyPr/>
+          <a:lstStyle/>
+          <a:p>
+            <a:r>
+              <a:rPr lang="en-US" altLang="ko-KR" dirty="0" smtClean="0"/>
+              <a:t>Decorator</a:t>
+            </a:r>
+            <a:endParaRPr lang="ko-KR" altLang="en-US" dirty="0"/>
+          </a:p>
+        </p:txBody>
+      </p:sp>
+      <p:sp>
+        <p:nvSpPr>
+          <p:cNvPr id="3" name="슬라이드 번호 개체 틀 2"/>
+          <p:cNvSpPr>
+            <a:spLocks noGrp="1"/>
+          </p:cNvSpPr>
+          <p:nvPr>
+            <p:ph type="sldNum" sz="quarter" idx="11"/>
+          </p:nvPr>
+        </p:nvSpPr>
+        <p:spPr/>
+        <p:txBody>
+          <a:bodyPr/>
+          <a:lstStyle/>
+          <a:p>
+            <a:pPr>
+              <a:defRPr/>
+            </a:pPr>
+            <a:fld id="{CFC1C585-8D88-4881-9D26-0E2BBA634611}" type="slidenum">
+              <a:rPr lang="ko-KR" altLang="en-US" smtClean="0"/>
+              <a:pPr>
+                <a:defRPr/>
+              </a:pPr>
+              <a:t>26</a:t>
+            </a:fld>
+            <a:endParaRPr lang="ko-KR" altLang="en-US"/>
+          </a:p>
+        </p:txBody>
+      </p:sp>
+      <p:graphicFrame>
+        <p:nvGraphicFramePr>
+          <p:cNvPr id="4" name="표 3"/>
+          <p:cNvGraphicFramePr>
+            <a:graphicFrameLocks noGrp="1"/>
+          </p:cNvGraphicFramePr>
+          <p:nvPr/>
+        </p:nvGraphicFramePr>
+        <p:xfrm>
+          <a:off x="251520" y="748928"/>
+          <a:ext cx="8640960" cy="2110604"/>
+        </p:xfrm>
+        <a:graphic>
+          <a:graphicData uri="http://schemas.openxmlformats.org/drawingml/2006/table">
+            <a:tbl>
+              <a:tblPr firstRow="1" bandRow="1">
+                <a:tableStyleId>{00A15C55-8517-42AA-B614-E9B94910E393}</a:tableStyleId>
+              </a:tblPr>
+              <a:tblGrid>
+                <a:gridCol w="8640960"/>
+              </a:tblGrid>
+              <a:tr h="373244">
+                <a:tc>
+                  <a:txBody>
+                    <a:bodyPr/>
+                    <a:lstStyle/>
+                    <a:p>
+                      <a:pPr latinLnBrk="1"/>
+                      <a:r>
+                        <a:rPr lang="en-US" altLang="ko-KR" dirty="0" smtClean="0"/>
+                        <a:t>Syntax</a:t>
+                      </a:r>
+                      <a:endParaRPr lang="ko-KR" altLang="en-US" dirty="0"/>
+                    </a:p>
+                  </a:txBody>
+                  <a:tcPr/>
+                </a:tc>
+              </a:tr>
+              <a:tr h="1370724">
+                <a:tc>
+                  <a:txBody>
+                    <a:bodyPr/>
+                    <a:lstStyle/>
+                    <a:p>
+                      <a:pPr latinLnBrk="1"/>
+                      <a:r>
+                        <a:rPr lang="en-US" altLang="ko-KR" sz="1200" dirty="0" smtClean="0">
+                          <a:latin typeface="Courier New" pitchFamily="49" charset="0"/>
+                          <a:cs typeface="Courier New" pitchFamily="49" charset="0"/>
+                        </a:rPr>
+                        <a:t>@</a:t>
+                      </a:r>
+                      <a:r>
+                        <a:rPr lang="en-US" altLang="ko-KR" sz="1200" b="1" dirty="0" smtClean="0">
+                          <a:latin typeface="Courier New" pitchFamily="49" charset="0"/>
+                          <a:cs typeface="Courier New" pitchFamily="49" charset="0"/>
+                        </a:rPr>
+                        <a:t>decorator</a:t>
+                      </a:r>
+                    </a:p>
+                    <a:p>
+                      <a:pPr latinLnBrk="1"/>
+                      <a:r>
+                        <a:rPr lang="en-US" altLang="ko-KR" sz="1200" dirty="0" smtClean="0">
+                          <a:latin typeface="Courier New" pitchFamily="49" charset="0"/>
+                          <a:cs typeface="Courier New" pitchFamily="49" charset="0"/>
+                        </a:rPr>
+                        <a:t>def function(arg1</a:t>
+                      </a:r>
+                      <a:r>
+                        <a:rPr lang="en-US" altLang="ko-KR" sz="1200" dirty="0" smtClean="0">
+                          <a:latin typeface="Courier New" pitchFamily="49" charset="0"/>
+                          <a:cs typeface="Courier New" pitchFamily="49" charset="0"/>
+                        </a:rPr>
+                        <a:t>, arg2, … </a:t>
+                      </a:r>
+                      <a:r>
+                        <a:rPr lang="en-US" altLang="ko-KR" sz="1200" dirty="0" err="1" smtClean="0">
+                          <a:latin typeface="Courier New" pitchFamily="49" charset="0"/>
+                          <a:cs typeface="Courier New" pitchFamily="49" charset="0"/>
+                        </a:rPr>
+                        <a:t>argN</a:t>
+                      </a:r>
+                      <a:r>
+                        <a:rPr lang="en-US" altLang="ko-KR" sz="1200" dirty="0" smtClean="0">
+                          <a:latin typeface="Courier New" pitchFamily="49" charset="0"/>
+                          <a:cs typeface="Courier New" pitchFamily="49" charset="0"/>
+                        </a:rPr>
+                        <a:t>):</a:t>
+                      </a:r>
+                    </a:p>
+                    <a:p>
+                      <a:pPr latinLnBrk="1"/>
+                      <a:r>
+                        <a:rPr lang="en-US" altLang="ko-KR" sz="1200" dirty="0" smtClean="0">
+                          <a:latin typeface="Courier New" pitchFamily="49" charset="0"/>
+                          <a:cs typeface="Courier New" pitchFamily="49" charset="0"/>
+                        </a:rPr>
+                        <a:t>    statements</a:t>
+                      </a:r>
+                    </a:p>
+                    <a:p>
+                      <a:pPr latinLnBrk="1"/>
+                      <a:r>
+                        <a:rPr lang="en-US" altLang="ko-KR" sz="1200" dirty="0" smtClean="0">
+                          <a:latin typeface="Courier New" pitchFamily="49" charset="0"/>
+                          <a:cs typeface="Courier New" pitchFamily="49" charset="0"/>
+                        </a:rPr>
+                        <a:t>    return </a:t>
+                      </a:r>
+                      <a:r>
+                        <a:rPr lang="en-US" altLang="ko-KR" sz="1200" dirty="0" smtClean="0">
+                          <a:latin typeface="Courier New" pitchFamily="49" charset="0"/>
+                          <a:cs typeface="Courier New" pitchFamily="49" charset="0"/>
+                        </a:rPr>
+                        <a:t>value</a:t>
+                      </a:r>
+                    </a:p>
+                    <a:p>
+                      <a:pPr algn="ctr" latinLnBrk="1"/>
+                      <a:r>
+                        <a:rPr lang="en-US" altLang="ko-KR" sz="1200" dirty="0" smtClean="0">
+                          <a:latin typeface="Courier New" pitchFamily="49" charset="0"/>
+                          <a:cs typeface="Courier New" pitchFamily="49" charset="0"/>
+                        </a:rPr>
+                        <a:t>-------------------------------------------------------------------------------------------</a:t>
+                      </a:r>
+                    </a:p>
+                    <a:p>
+                      <a:pPr latinLnBrk="1"/>
+                      <a:r>
+                        <a:rPr lang="en-US" altLang="ko-KR" sz="1200" dirty="0" smtClean="0">
+                          <a:latin typeface="Courier New" pitchFamily="49" charset="0"/>
+                          <a:cs typeface="Courier New" pitchFamily="49" charset="0"/>
+                        </a:rPr>
+                        <a:t>def</a:t>
+                      </a:r>
+                      <a:r>
+                        <a:rPr lang="en-US" altLang="ko-KR" sz="1200" baseline="0" dirty="0" smtClean="0">
+                          <a:latin typeface="Courier New" pitchFamily="49" charset="0"/>
+                          <a:cs typeface="Courier New" pitchFamily="49" charset="0"/>
+                        </a:rPr>
+                        <a:t> function(arg1, arg2, ... </a:t>
+                      </a:r>
+                      <a:r>
+                        <a:rPr lang="en-US" altLang="ko-KR" sz="1200" baseline="0" dirty="0" err="1" smtClean="0">
+                          <a:latin typeface="Courier New" pitchFamily="49" charset="0"/>
+                          <a:cs typeface="Courier New" pitchFamily="49" charset="0"/>
+                        </a:rPr>
+                        <a:t>argN</a:t>
+                      </a:r>
+                      <a:r>
+                        <a:rPr lang="en-US" altLang="ko-KR" sz="1200" baseline="0" dirty="0" smtClean="0">
+                          <a:latin typeface="Courier New" pitchFamily="49" charset="0"/>
+                          <a:cs typeface="Courier New" pitchFamily="49" charset="0"/>
+                        </a:rPr>
+                        <a:t>):</a:t>
+                      </a:r>
+                    </a:p>
+                    <a:p>
+                      <a:pPr latinLnBrk="1"/>
+                      <a:r>
+                        <a:rPr lang="en-US" altLang="ko-KR" sz="1200" baseline="0" dirty="0" smtClean="0">
+                          <a:latin typeface="Courier New" pitchFamily="49" charset="0"/>
+                          <a:cs typeface="Courier New" pitchFamily="49" charset="0"/>
+                        </a:rPr>
+                        <a:t>    statements</a:t>
+                      </a:r>
+                    </a:p>
+                    <a:p>
+                      <a:pPr latinLnBrk="1"/>
+                      <a:r>
+                        <a:rPr lang="en-US" altLang="ko-KR" sz="1200" baseline="0" dirty="0" smtClean="0">
+                          <a:latin typeface="Courier New" pitchFamily="49" charset="0"/>
+                          <a:cs typeface="Courier New" pitchFamily="49" charset="0"/>
+                        </a:rPr>
+                        <a:t>    return value</a:t>
+                      </a:r>
+                    </a:p>
+                    <a:p>
+                      <a:pPr latinLnBrk="1"/>
+                      <a:r>
+                        <a:rPr lang="en-US" altLang="ko-KR" sz="1200" baseline="0" dirty="0" smtClean="0">
+                          <a:latin typeface="Courier New" pitchFamily="49" charset="0"/>
+                          <a:cs typeface="Courier New" pitchFamily="49" charset="0"/>
+                        </a:rPr>
+                        <a:t>function = </a:t>
+                      </a:r>
+                      <a:r>
+                        <a:rPr lang="en-US" altLang="ko-KR" sz="1200" b="1" baseline="0" dirty="0" smtClean="0">
+                          <a:latin typeface="Courier New" pitchFamily="49" charset="0"/>
+                          <a:cs typeface="Courier New" pitchFamily="49" charset="0"/>
+                        </a:rPr>
+                        <a:t>decorator</a:t>
+                      </a:r>
+                      <a:r>
+                        <a:rPr lang="en-US" altLang="ko-KR" sz="1200" baseline="0" dirty="0" smtClean="0">
+                          <a:latin typeface="Courier New" pitchFamily="49" charset="0"/>
+                          <a:cs typeface="Courier New" pitchFamily="49" charset="0"/>
+                        </a:rPr>
+                        <a:t>(function)</a:t>
+                      </a:r>
+                      <a:endParaRPr lang="en-US" altLang="ko-KR" sz="1200" dirty="0">
+                        <a:latin typeface="Courier New" pitchFamily="49" charset="0"/>
+                        <a:cs typeface="Courier New" pitchFamily="49" charset="0"/>
+                      </a:endParaRPr>
+                    </a:p>
+                  </a:txBody>
+                  <a:tcPr/>
+                </a:tc>
+              </a:tr>
+            </a:tbl>
+          </a:graphicData>
+        </a:graphic>
+      </p:graphicFrame>
+      <p:graphicFrame>
+        <p:nvGraphicFramePr>
+          <p:cNvPr id="5" name="표 4"/>
+          <p:cNvGraphicFramePr>
+            <a:graphicFrameLocks noGrp="1"/>
+          </p:cNvGraphicFramePr>
+          <p:nvPr/>
+        </p:nvGraphicFramePr>
+        <p:xfrm>
+          <a:off x="251520" y="3068960"/>
+          <a:ext cx="8640960" cy="3474720"/>
+        </p:xfrm>
+        <a:graphic>
+          <a:graphicData uri="http://schemas.openxmlformats.org/drawingml/2006/table">
+            <a:tbl>
+              <a:tblPr firstRow="1" bandRow="1">
+                <a:tableStyleId>{00A15C55-8517-42AA-B614-E9B94910E393}</a:tableStyleId>
+              </a:tblPr>
+              <a:tblGrid>
+                <a:gridCol w="8640960"/>
+              </a:tblGrid>
+              <a:tr h="360040">
+                <a:tc>
+                  <a:txBody>
+                    <a:bodyPr/>
+                    <a:lstStyle/>
+                    <a:p>
+                      <a:pPr latinLnBrk="1"/>
+                      <a:r>
+                        <a:rPr lang="en-US" altLang="ko-KR" dirty="0" smtClean="0"/>
+                        <a:t>Example</a:t>
+                      </a:r>
+                      <a:endParaRPr lang="ko-KR" altLang="en-US" dirty="0"/>
+                    </a:p>
+                  </a:txBody>
+                  <a:tcPr/>
+                </a:tc>
+              </a:tr>
+              <a:tr h="3006754">
+                <a:tc>
+                  <a:txBody>
+                    <a:bodyPr/>
+                    <a:lstStyle/>
+                    <a:p>
+                      <a:pPr latinLnBrk="1"/>
+                      <a:r>
+                        <a:rPr lang="en-US" altLang="ko-KR" sz="1100" dirty="0" smtClean="0">
+                          <a:solidFill>
+                            <a:schemeClr val="tx1"/>
+                          </a:solidFill>
+                          <a:latin typeface="Courier New" pitchFamily="49" charset="0"/>
+                          <a:cs typeface="Courier New" pitchFamily="49" charset="0"/>
+                        </a:rPr>
+                        <a:t>@trace</a:t>
+                      </a:r>
+                    </a:p>
+                    <a:p>
+                      <a:pPr latinLnBrk="1"/>
+                      <a:r>
+                        <a:rPr lang="en-US" altLang="ko-KR" sz="1100" dirty="0" smtClean="0">
+                          <a:solidFill>
+                            <a:schemeClr val="tx1"/>
+                          </a:solidFill>
+                          <a:latin typeface="Courier New" pitchFamily="49" charset="0"/>
+                          <a:cs typeface="Courier New" pitchFamily="49" charset="0"/>
+                        </a:rPr>
+                        <a:t>def square(x):</a:t>
+                      </a:r>
+                    </a:p>
+                    <a:p>
+                      <a:pPr latinLnBrk="1"/>
+                      <a:r>
+                        <a:rPr lang="en-US" altLang="ko-KR" sz="1100" dirty="0" smtClean="0">
+                          <a:solidFill>
+                            <a:schemeClr val="tx1"/>
+                          </a:solidFill>
+                          <a:latin typeface="Courier New" pitchFamily="49" charset="0"/>
+                          <a:cs typeface="Courier New" pitchFamily="49" charset="0"/>
+                        </a:rPr>
+                        <a:t>    return x*x</a:t>
+                      </a:r>
+                    </a:p>
+                    <a:p>
+                      <a:pPr latinLnBrk="1"/>
+                      <a:endParaRPr lang="en-US" altLang="ko-KR" sz="1100" dirty="0" smtClean="0">
+                        <a:solidFill>
+                          <a:schemeClr val="tx1"/>
+                        </a:solidFill>
+                        <a:latin typeface="Courier New" pitchFamily="49" charset="0"/>
+                        <a:cs typeface="Courier New" pitchFamily="49" charset="0"/>
+                      </a:endParaRPr>
+                    </a:p>
+                    <a:p>
+                      <a:pPr latinLnBrk="1"/>
+                      <a:r>
+                        <a:rPr lang="en-US" altLang="ko-KR" sz="1100" dirty="0" err="1" smtClean="0">
+                          <a:solidFill>
+                            <a:schemeClr val="tx1"/>
+                          </a:solidFill>
+                          <a:latin typeface="Courier New" pitchFamily="49" charset="0"/>
+                          <a:cs typeface="Courier New" pitchFamily="49" charset="0"/>
+                        </a:rPr>
+                        <a:t>enable_tracing</a:t>
+                      </a:r>
+                      <a:r>
+                        <a:rPr lang="en-US" altLang="ko-KR" sz="1100" dirty="0" smtClean="0">
+                          <a:solidFill>
+                            <a:schemeClr val="tx1"/>
+                          </a:solidFill>
+                          <a:latin typeface="Courier New" pitchFamily="49" charset="0"/>
+                          <a:cs typeface="Courier New" pitchFamily="49" charset="0"/>
+                        </a:rPr>
+                        <a:t> = True</a:t>
+                      </a:r>
+                    </a:p>
+                    <a:p>
+                      <a:pPr latinLnBrk="1"/>
+                      <a:r>
+                        <a:rPr lang="en-US" altLang="ko-KR" sz="1100" dirty="0" smtClean="0">
+                          <a:solidFill>
+                            <a:schemeClr val="tx1"/>
+                          </a:solidFill>
+                          <a:latin typeface="Courier New" pitchFamily="49" charset="0"/>
+                          <a:cs typeface="Courier New" pitchFamily="49" charset="0"/>
+                        </a:rPr>
+                        <a:t>if </a:t>
+                      </a:r>
+                      <a:r>
+                        <a:rPr lang="en-US" altLang="ko-KR" sz="1100" dirty="0" err="1" smtClean="0">
+                          <a:solidFill>
+                            <a:schemeClr val="tx1"/>
+                          </a:solidFill>
+                          <a:latin typeface="Courier New" pitchFamily="49" charset="0"/>
+                          <a:cs typeface="Courier New" pitchFamily="49" charset="0"/>
+                        </a:rPr>
+                        <a:t>enable_tracing</a:t>
+                      </a:r>
+                      <a:r>
+                        <a:rPr lang="en-US" altLang="ko-KR" sz="1100" dirty="0" smtClean="0">
+                          <a:solidFill>
+                            <a:schemeClr val="tx1"/>
+                          </a:solidFill>
+                          <a:latin typeface="Courier New" pitchFamily="49" charset="0"/>
+                          <a:cs typeface="Courier New" pitchFamily="49" charset="0"/>
+                        </a:rPr>
+                        <a:t>:</a:t>
+                      </a:r>
+                    </a:p>
+                    <a:p>
+                      <a:pPr latinLnBrk="1"/>
+                      <a:r>
+                        <a:rPr lang="en-US" altLang="ko-KR" sz="1100" dirty="0" smtClean="0">
+                          <a:solidFill>
+                            <a:schemeClr val="tx1"/>
+                          </a:solidFill>
+                          <a:latin typeface="Courier New" pitchFamily="49" charset="0"/>
+                          <a:cs typeface="Courier New" pitchFamily="49" charset="0"/>
+                        </a:rPr>
+                        <a:t>    </a:t>
+                      </a:r>
+                      <a:r>
+                        <a:rPr lang="en-US" altLang="ko-KR" sz="1100" dirty="0" err="1" smtClean="0">
+                          <a:solidFill>
+                            <a:schemeClr val="tx1"/>
+                          </a:solidFill>
+                          <a:latin typeface="Courier New" pitchFamily="49" charset="0"/>
+                          <a:cs typeface="Courier New" pitchFamily="49" charset="0"/>
+                        </a:rPr>
+                        <a:t>debug_log</a:t>
+                      </a:r>
+                      <a:r>
+                        <a:rPr lang="en-US" altLang="ko-KR" sz="1100" dirty="0" smtClean="0">
+                          <a:solidFill>
+                            <a:schemeClr val="tx1"/>
+                          </a:solidFill>
+                          <a:latin typeface="Courier New" pitchFamily="49" charset="0"/>
+                          <a:cs typeface="Courier New" pitchFamily="49" charset="0"/>
+                        </a:rPr>
+                        <a:t> = open)”debug.log”, “w”)</a:t>
+                      </a:r>
+                    </a:p>
+                    <a:p>
+                      <a:pPr latinLnBrk="1"/>
+                      <a:endParaRPr lang="en-US" altLang="ko-KR" sz="1100" dirty="0" smtClean="0">
+                        <a:solidFill>
+                          <a:schemeClr val="tx1"/>
+                        </a:solidFill>
+                        <a:latin typeface="Courier New" pitchFamily="49" charset="0"/>
+                        <a:cs typeface="Courier New" pitchFamily="49" charset="0"/>
+                      </a:endParaRPr>
+                    </a:p>
+                    <a:p>
+                      <a:pPr latinLnBrk="1"/>
+                      <a:r>
+                        <a:rPr lang="en-US" altLang="ko-KR" sz="1100" dirty="0" smtClean="0">
+                          <a:solidFill>
+                            <a:schemeClr val="tx1"/>
+                          </a:solidFill>
+                          <a:latin typeface="Courier New" pitchFamily="49" charset="0"/>
+                          <a:cs typeface="Courier New" pitchFamily="49" charset="0"/>
+                        </a:rPr>
+                        <a:t>def trace(</a:t>
+                      </a:r>
+                      <a:r>
+                        <a:rPr lang="en-US" altLang="ko-KR" sz="1100" dirty="0" err="1" smtClean="0">
+                          <a:solidFill>
+                            <a:schemeClr val="tx1"/>
+                          </a:solidFill>
+                          <a:latin typeface="Courier New" pitchFamily="49" charset="0"/>
+                          <a:cs typeface="Courier New" pitchFamily="49" charset="0"/>
+                        </a:rPr>
+                        <a:t>func</a:t>
+                      </a:r>
+                      <a:r>
+                        <a:rPr lang="en-US" altLang="ko-KR" sz="1100" dirty="0" smtClean="0">
+                          <a:solidFill>
+                            <a:schemeClr val="tx1"/>
+                          </a:solidFill>
+                          <a:latin typeface="Courier New" pitchFamily="49" charset="0"/>
+                          <a:cs typeface="Courier New" pitchFamily="49" charset="0"/>
+                        </a:rPr>
+                        <a:t>):</a:t>
+                      </a:r>
+                    </a:p>
+                    <a:p>
+                      <a:pPr latinLnBrk="1"/>
+                      <a:r>
+                        <a:rPr lang="en-US" altLang="ko-KR" sz="1100" dirty="0" smtClean="0">
+                          <a:solidFill>
+                            <a:schemeClr val="tx1"/>
+                          </a:solidFill>
+                          <a:latin typeface="Courier New" pitchFamily="49" charset="0"/>
+                          <a:cs typeface="Courier New" pitchFamily="49" charset="0"/>
+                        </a:rPr>
+                        <a:t>    if </a:t>
+                      </a:r>
+                      <a:r>
+                        <a:rPr lang="en-US" altLang="ko-KR" sz="1100" dirty="0" err="1" smtClean="0">
+                          <a:solidFill>
+                            <a:schemeClr val="tx1"/>
+                          </a:solidFill>
+                          <a:latin typeface="Courier New" pitchFamily="49" charset="0"/>
+                          <a:cs typeface="Courier New" pitchFamily="49" charset="0"/>
+                        </a:rPr>
+                        <a:t>enable_tracing</a:t>
+                      </a:r>
+                      <a:r>
+                        <a:rPr lang="en-US" altLang="ko-KR" sz="1100" dirty="0" smtClean="0">
+                          <a:solidFill>
+                            <a:schemeClr val="tx1"/>
+                          </a:solidFill>
+                          <a:latin typeface="Courier New" pitchFamily="49" charset="0"/>
+                          <a:cs typeface="Courier New" pitchFamily="49" charset="0"/>
+                        </a:rPr>
+                        <a:t>:</a:t>
+                      </a:r>
+                    </a:p>
+                    <a:p>
+                      <a:pPr latinLnBrk="1"/>
+                      <a:r>
+                        <a:rPr lang="en-US" altLang="ko-KR" sz="1100" baseline="0" dirty="0" smtClean="0">
+                          <a:solidFill>
+                            <a:schemeClr val="tx1"/>
+                          </a:solidFill>
+                          <a:latin typeface="Courier New" pitchFamily="49" charset="0"/>
+                          <a:cs typeface="Courier New" pitchFamily="49" charset="0"/>
+                        </a:rPr>
+                        <a:t>        def </a:t>
+                      </a:r>
+                      <a:r>
+                        <a:rPr lang="en-US" altLang="ko-KR" sz="1100" baseline="0" dirty="0" err="1" smtClean="0">
+                          <a:solidFill>
+                            <a:schemeClr val="tx1"/>
+                          </a:solidFill>
+                          <a:latin typeface="Courier New" pitchFamily="49" charset="0"/>
+                          <a:cs typeface="Courier New" pitchFamily="49" charset="0"/>
+                        </a:rPr>
+                        <a:t>callf</a:t>
+                      </a:r>
+                      <a:r>
+                        <a:rPr lang="en-US" altLang="ko-KR" sz="1100" baseline="0" dirty="0" smtClean="0">
+                          <a:solidFill>
+                            <a:schemeClr val="tx1"/>
+                          </a:solidFill>
+                          <a:latin typeface="Courier New" pitchFamily="49" charset="0"/>
+                          <a:cs typeface="Courier New" pitchFamily="49" charset="0"/>
+                        </a:rPr>
+                        <a:t>(*</a:t>
+                      </a:r>
+                      <a:r>
+                        <a:rPr lang="en-US" altLang="ko-KR" sz="1100" baseline="0" dirty="0" err="1" smtClean="0">
+                          <a:solidFill>
+                            <a:schemeClr val="tx1"/>
+                          </a:solidFill>
+                          <a:latin typeface="Courier New" pitchFamily="49" charset="0"/>
+                          <a:cs typeface="Courier New" pitchFamily="49" charset="0"/>
+                        </a:rPr>
+                        <a:t>args</a:t>
+                      </a:r>
+                      <a:r>
+                        <a:rPr lang="en-US" altLang="ko-KR" sz="1100" baseline="0" dirty="0" smtClean="0">
+                          <a:solidFill>
+                            <a:schemeClr val="tx1"/>
+                          </a:solidFill>
+                          <a:latin typeface="Courier New" pitchFamily="49" charset="0"/>
+                          <a:cs typeface="Courier New" pitchFamily="49" charset="0"/>
+                        </a:rPr>
+                        <a:t>, **</a:t>
+                      </a:r>
+                      <a:r>
+                        <a:rPr lang="en-US" altLang="ko-KR" sz="1100" baseline="0" dirty="0" err="1" smtClean="0">
+                          <a:solidFill>
+                            <a:schemeClr val="tx1"/>
+                          </a:solidFill>
+                          <a:latin typeface="Courier New" pitchFamily="49" charset="0"/>
+                          <a:cs typeface="Courier New" pitchFamily="49" charset="0"/>
+                        </a:rPr>
+                        <a:t>kwargs</a:t>
+                      </a:r>
+                      <a:r>
+                        <a:rPr lang="en-US" altLang="ko-KR" sz="1100" baseline="0" dirty="0" smtClean="0">
+                          <a:solidFill>
+                            <a:schemeClr val="tx1"/>
+                          </a:solidFill>
+                          <a:latin typeface="Courier New" pitchFamily="49" charset="0"/>
+                          <a:cs typeface="Courier New" pitchFamily="49" charset="0"/>
+                        </a:rPr>
+                        <a:t>):</a:t>
+                      </a:r>
+                    </a:p>
+                    <a:p>
+                      <a:pPr latinLnBrk="1"/>
+                      <a:r>
+                        <a:rPr lang="en-US" altLang="ko-KR" sz="1100" baseline="0" dirty="0" smtClean="0">
+                          <a:solidFill>
+                            <a:schemeClr val="tx1"/>
+                          </a:solidFill>
+                          <a:latin typeface="Courier New" pitchFamily="49" charset="0"/>
+                          <a:cs typeface="Courier New" pitchFamily="49" charset="0"/>
+                        </a:rPr>
+                        <a:t>            </a:t>
+                      </a:r>
+                      <a:r>
+                        <a:rPr lang="en-US" altLang="ko-KR" sz="1100" baseline="0" dirty="0" err="1" smtClean="0">
+                          <a:solidFill>
+                            <a:schemeClr val="tx1"/>
+                          </a:solidFill>
+                          <a:latin typeface="Courier New" pitchFamily="49" charset="0"/>
+                          <a:cs typeface="Courier New" pitchFamily="49" charset="0"/>
+                        </a:rPr>
+                        <a:t>debug_log.write</a:t>
+                      </a:r>
+                      <a:r>
+                        <a:rPr lang="en-US" altLang="ko-KR" sz="1100" baseline="0" dirty="0" smtClean="0">
+                          <a:solidFill>
+                            <a:schemeClr val="tx1"/>
+                          </a:solidFill>
+                          <a:latin typeface="Courier New" pitchFamily="49" charset="0"/>
+                          <a:cs typeface="Courier New" pitchFamily="49" charset="0"/>
+                        </a:rPr>
+                        <a:t>(“Calling %s: %s, %s\n” % (</a:t>
+                      </a:r>
+                      <a:r>
+                        <a:rPr lang="en-US" altLang="ko-KR" sz="1100" baseline="0" dirty="0" err="1" smtClean="0">
+                          <a:solidFill>
+                            <a:schemeClr val="tx1"/>
+                          </a:solidFill>
+                          <a:latin typeface="Courier New" pitchFamily="49" charset="0"/>
+                          <a:cs typeface="Courier New" pitchFamily="49" charset="0"/>
+                        </a:rPr>
+                        <a:t>func.__name</a:t>
+                      </a:r>
+                      <a:r>
+                        <a:rPr lang="en-US" altLang="ko-KR" sz="1100" baseline="0" dirty="0" smtClean="0">
+                          <a:solidFill>
+                            <a:schemeClr val="tx1"/>
+                          </a:solidFill>
+                          <a:latin typeface="Courier New" pitchFamily="49" charset="0"/>
+                          <a:cs typeface="Courier New" pitchFamily="49" charset="0"/>
+                        </a:rPr>
+                        <a:t>__, </a:t>
+                      </a:r>
+                      <a:r>
+                        <a:rPr lang="en-US" altLang="ko-KR" sz="1100" baseline="0" dirty="0" err="1" smtClean="0">
+                          <a:solidFill>
+                            <a:schemeClr val="tx1"/>
+                          </a:solidFill>
+                          <a:latin typeface="Courier New" pitchFamily="49" charset="0"/>
+                          <a:cs typeface="Courier New" pitchFamily="49" charset="0"/>
+                        </a:rPr>
+                        <a:t>args</a:t>
+                      </a:r>
+                      <a:r>
+                        <a:rPr lang="en-US" altLang="ko-KR" sz="1100" baseline="0" dirty="0" smtClean="0">
+                          <a:solidFill>
+                            <a:schemeClr val="tx1"/>
+                          </a:solidFill>
+                          <a:latin typeface="Courier New" pitchFamily="49" charset="0"/>
+                          <a:cs typeface="Courier New" pitchFamily="49" charset="0"/>
+                        </a:rPr>
+                        <a:t>, </a:t>
+                      </a:r>
+                      <a:r>
+                        <a:rPr lang="en-US" altLang="ko-KR" sz="1100" baseline="0" dirty="0" err="1" smtClean="0">
+                          <a:solidFill>
+                            <a:schemeClr val="tx1"/>
+                          </a:solidFill>
+                          <a:latin typeface="Courier New" pitchFamily="49" charset="0"/>
+                          <a:cs typeface="Courier New" pitchFamily="49" charset="0"/>
+                        </a:rPr>
+                        <a:t>kwrgs</a:t>
+                      </a:r>
+                      <a:r>
+                        <a:rPr lang="en-US" altLang="ko-KR" sz="1100" baseline="0" dirty="0" smtClean="0">
+                          <a:solidFill>
+                            <a:schemeClr val="tx1"/>
+                          </a:solidFill>
+                          <a:latin typeface="Courier New" pitchFamily="49" charset="0"/>
+                          <a:cs typeface="Courier New" pitchFamily="49" charset="0"/>
+                        </a:rPr>
+                        <a:t>))</a:t>
+                      </a:r>
+                    </a:p>
+                    <a:p>
+                      <a:pPr latinLnBrk="1"/>
+                      <a:r>
+                        <a:rPr lang="en-US" altLang="ko-KR" sz="1100" baseline="0" dirty="0" smtClean="0">
+                          <a:solidFill>
+                            <a:schemeClr val="tx1"/>
+                          </a:solidFill>
+                          <a:latin typeface="Courier New" pitchFamily="49" charset="0"/>
+                          <a:cs typeface="Courier New" pitchFamily="49" charset="0"/>
+                        </a:rPr>
+                        <a:t>            r = </a:t>
+                      </a:r>
+                      <a:r>
+                        <a:rPr lang="en-US" altLang="ko-KR" sz="1100" baseline="0" dirty="0" err="1" smtClean="0">
+                          <a:solidFill>
+                            <a:schemeClr val="tx1"/>
+                          </a:solidFill>
+                          <a:latin typeface="Courier New" pitchFamily="49" charset="0"/>
+                          <a:cs typeface="Courier New" pitchFamily="49" charset="0"/>
+                        </a:rPr>
+                        <a:t>func</a:t>
+                      </a:r>
+                      <a:r>
+                        <a:rPr lang="en-US" altLang="ko-KR" sz="1100" baseline="0" dirty="0" smtClean="0">
+                          <a:solidFill>
+                            <a:schemeClr val="tx1"/>
+                          </a:solidFill>
+                          <a:latin typeface="Courier New" pitchFamily="49" charset="0"/>
+                          <a:cs typeface="Courier New" pitchFamily="49" charset="0"/>
+                        </a:rPr>
+                        <a:t>(*</a:t>
+                      </a:r>
+                      <a:r>
+                        <a:rPr lang="en-US" altLang="ko-KR" sz="1100" baseline="0" dirty="0" err="1" smtClean="0">
+                          <a:solidFill>
+                            <a:schemeClr val="tx1"/>
+                          </a:solidFill>
+                          <a:latin typeface="Courier New" pitchFamily="49" charset="0"/>
+                          <a:cs typeface="Courier New" pitchFamily="49" charset="0"/>
+                        </a:rPr>
+                        <a:t>args</a:t>
+                      </a:r>
+                      <a:r>
+                        <a:rPr lang="en-US" altLang="ko-KR" sz="1100" baseline="0" dirty="0" smtClean="0">
+                          <a:solidFill>
+                            <a:schemeClr val="tx1"/>
+                          </a:solidFill>
+                          <a:latin typeface="Courier New" pitchFamily="49" charset="0"/>
+                          <a:cs typeface="Courier New" pitchFamily="49" charset="0"/>
+                        </a:rPr>
+                        <a:t>, **</a:t>
+                      </a:r>
+                      <a:r>
+                        <a:rPr lang="en-US" altLang="ko-KR" sz="1100" baseline="0" dirty="0" err="1" smtClean="0">
+                          <a:solidFill>
+                            <a:schemeClr val="tx1"/>
+                          </a:solidFill>
+                          <a:latin typeface="Courier New" pitchFamily="49" charset="0"/>
+                          <a:cs typeface="Courier New" pitchFamily="49" charset="0"/>
+                        </a:rPr>
+                        <a:t>kwargs</a:t>
+                      </a:r>
+                      <a:r>
+                        <a:rPr lang="en-US" altLang="ko-KR" sz="1100" baseline="0" dirty="0" smtClean="0">
+                          <a:solidFill>
+                            <a:schemeClr val="tx1"/>
+                          </a:solidFill>
+                          <a:latin typeface="Courier New" pitchFamily="49" charset="0"/>
+                          <a:cs typeface="Courier New" pitchFamily="49" charset="0"/>
+                        </a:rPr>
+                        <a:t>)</a:t>
+                      </a:r>
+                    </a:p>
+                    <a:p>
+                      <a:pPr latinLnBrk="1"/>
+                      <a:r>
+                        <a:rPr lang="en-US" altLang="ko-KR" sz="1100" baseline="0" dirty="0" smtClean="0">
+                          <a:solidFill>
+                            <a:schemeClr val="tx1"/>
+                          </a:solidFill>
+                          <a:latin typeface="Courier New" pitchFamily="49" charset="0"/>
+                          <a:cs typeface="Courier New" pitchFamily="49" charset="0"/>
+                        </a:rPr>
+                        <a:t>            </a:t>
+                      </a:r>
+                      <a:r>
+                        <a:rPr lang="en-US" altLang="ko-KR" sz="1100" baseline="0" dirty="0" err="1" smtClean="0">
+                          <a:solidFill>
+                            <a:schemeClr val="tx1"/>
+                          </a:solidFill>
+                          <a:latin typeface="Courier New" pitchFamily="49" charset="0"/>
+                          <a:cs typeface="Courier New" pitchFamily="49" charset="0"/>
+                        </a:rPr>
+                        <a:t>debug_log.write</a:t>
+                      </a:r>
+                      <a:r>
+                        <a:rPr lang="en-US" altLang="ko-KR" sz="1100" baseline="0" dirty="0" smtClean="0">
+                          <a:solidFill>
+                            <a:schemeClr val="tx1"/>
+                          </a:solidFill>
+                          <a:latin typeface="Courier New" pitchFamily="49" charset="0"/>
+                          <a:cs typeface="Courier New" pitchFamily="49" charset="0"/>
+                        </a:rPr>
+                        <a:t>(“%s returned %s\n” % (</a:t>
+                      </a:r>
+                      <a:r>
+                        <a:rPr lang="en-US" altLang="ko-KR" sz="1100" baseline="0" dirty="0" err="1" smtClean="0">
+                          <a:solidFill>
+                            <a:schemeClr val="tx1"/>
+                          </a:solidFill>
+                          <a:latin typeface="Courier New" pitchFamily="49" charset="0"/>
+                          <a:cs typeface="Courier New" pitchFamily="49" charset="0"/>
+                        </a:rPr>
+                        <a:t>func.__name</a:t>
+                      </a:r>
+                      <a:r>
+                        <a:rPr lang="en-US" altLang="ko-KR" sz="1100" baseline="0" dirty="0" smtClean="0">
+                          <a:solidFill>
+                            <a:schemeClr val="tx1"/>
+                          </a:solidFill>
+                          <a:latin typeface="Courier New" pitchFamily="49" charset="0"/>
+                          <a:cs typeface="Courier New" pitchFamily="49" charset="0"/>
+                        </a:rPr>
+                        <a:t>__, r))</a:t>
+                      </a:r>
+                    </a:p>
+                    <a:p>
+                      <a:pPr latinLnBrk="1"/>
+                      <a:r>
+                        <a:rPr lang="en-US" altLang="ko-KR" sz="1100" baseline="0" dirty="0" smtClean="0">
+                          <a:solidFill>
+                            <a:schemeClr val="tx1"/>
+                          </a:solidFill>
+                          <a:latin typeface="Courier New" pitchFamily="49" charset="0"/>
+                          <a:cs typeface="Courier New" pitchFamily="49" charset="0"/>
+                        </a:rPr>
+                        <a:t>            return r</a:t>
+                      </a:r>
+                    </a:p>
+                    <a:p>
+                      <a:pPr latinLnBrk="1"/>
+                      <a:r>
+                        <a:rPr lang="en-US" altLang="ko-KR" sz="1100" baseline="0" dirty="0" smtClean="0">
+                          <a:solidFill>
+                            <a:schemeClr val="tx1"/>
+                          </a:solidFill>
+                          <a:latin typeface="Courier New" pitchFamily="49" charset="0"/>
+                          <a:cs typeface="Courier New" pitchFamily="49" charset="0"/>
+                        </a:rPr>
+                        <a:t>        return </a:t>
+                      </a:r>
+                      <a:r>
+                        <a:rPr lang="en-US" altLang="ko-KR" sz="1100" baseline="0" dirty="0" err="1" smtClean="0">
+                          <a:solidFill>
+                            <a:schemeClr val="tx1"/>
+                          </a:solidFill>
+                          <a:latin typeface="Courier New" pitchFamily="49" charset="0"/>
+                          <a:cs typeface="Courier New" pitchFamily="49" charset="0"/>
+                        </a:rPr>
+                        <a:t>callf</a:t>
+                      </a:r>
+                      <a:endParaRPr lang="en-US" altLang="ko-KR" sz="1100" baseline="0" dirty="0" smtClean="0">
+                        <a:solidFill>
+                          <a:schemeClr val="tx1"/>
+                        </a:solidFill>
+                        <a:latin typeface="Courier New" pitchFamily="49" charset="0"/>
+                        <a:cs typeface="Courier New" pitchFamily="49" charset="0"/>
+                      </a:endParaRPr>
+                    </a:p>
+                    <a:p>
+                      <a:pPr latinLnBrk="1"/>
+                      <a:r>
+                        <a:rPr lang="en-US" altLang="ko-KR" sz="1100" baseline="0" dirty="0" smtClean="0">
+                          <a:solidFill>
+                            <a:schemeClr val="tx1"/>
+                          </a:solidFill>
+                          <a:latin typeface="Courier New" pitchFamily="49" charset="0"/>
+                          <a:cs typeface="Courier New" pitchFamily="49" charset="0"/>
+                        </a:rPr>
+                        <a:t>    else:</a:t>
+                      </a:r>
+                    </a:p>
+                    <a:p>
+                      <a:pPr latinLnBrk="1"/>
+                      <a:r>
+                        <a:rPr lang="en-US" altLang="ko-KR" sz="1100" baseline="0" dirty="0" smtClean="0">
+                          <a:solidFill>
+                            <a:schemeClr val="tx1"/>
+                          </a:solidFill>
+                          <a:latin typeface="Courier New" pitchFamily="49" charset="0"/>
+                          <a:cs typeface="Courier New" pitchFamily="49" charset="0"/>
+                        </a:rPr>
+                        <a:t>        return </a:t>
+                      </a:r>
+                      <a:r>
+                        <a:rPr lang="en-US" altLang="ko-KR" sz="1100" baseline="0" dirty="0" err="1" smtClean="0">
+                          <a:solidFill>
+                            <a:schemeClr val="tx1"/>
+                          </a:solidFill>
+                          <a:latin typeface="Courier New" pitchFamily="49" charset="0"/>
+                          <a:cs typeface="Courier New" pitchFamily="49" charset="0"/>
+                        </a:rPr>
+                        <a:t>func</a:t>
+                      </a:r>
+                      <a:endParaRPr lang="en-US" altLang="ko-KR" sz="1100" baseline="0" dirty="0" smtClean="0">
+                        <a:solidFill>
+                          <a:schemeClr val="tx1"/>
+                        </a:solidFill>
+                        <a:latin typeface="Courier New" pitchFamily="49" charset="0"/>
+                        <a:cs typeface="Courier New" pitchFamily="49" charset="0"/>
+                      </a:endParaRPr>
+                    </a:p>
+                  </a:txBody>
+                  <a:tcPr/>
+                </a:tc>
+              </a:tr>
+            </a:tbl>
+          </a:graphicData>
+        </a:graphic>
+      </p:graphicFrame>
+    </p:spTree>
+  </p:cSld>
+  <p:clrMapOvr>
+    <a:masterClrMapping/>
+  </p:clrMapOvr>
+</p:sld>
+</file>
+
+<file path=ppt/slides/slide27.xml><?xml version="1.0" encoding="utf-8"?>
 <p:sld xmlns:a="http://schemas.openxmlformats.org/drawingml/2006/main" xmlns:r="http://schemas.openxmlformats.org/officeDocument/2006/relationships" xmlns:p="http://schemas.openxmlformats.org/presentationml/2006/main">
   <p:cSld>
     <p:spTree>
